--- a/source/resume.pptx
+++ b/source/resume.pptx
@@ -3735,7 +3735,7 @@
                 <a:latin typeface="微软雅黑" panose="020B0503020204020204" pitchFamily="34" charset="-122"/>
                 <a:ea typeface="微软雅黑" panose="020B0503020204020204" pitchFamily="34" charset="-122"/>
               </a:rPr>
-              <a:t>使用 </a:t>
+              <a:t>使用过 </a:t>
             </a:r>
             <a:r>
               <a:rPr lang="en-US" altLang="zh-CN" sz="900" b="1" dirty="0">
@@ -4595,9 +4595,9 @@
         <p:grpSpPr>
           <a:xfrm>
             <a:off x="223520" y="829310"/>
-            <a:ext cx="2344420" cy="662940"/>
+            <a:ext cx="2336800" cy="662940"/>
             <a:chOff x="332" y="1428"/>
-            <a:chExt cx="3692" cy="1044"/>
+            <a:chExt cx="3680" cy="1044"/>
           </a:xfrm>
         </p:grpSpPr>
         <p:sp>
@@ -4608,7 +4608,7 @@
           </p:nvSpPr>
           <p:spPr>
             <a:xfrm>
-              <a:off x="1465" y="1428"/>
+              <a:off x="1453" y="1428"/>
               <a:ext cx="2559" cy="1044"/>
             </a:xfrm>
             <a:prstGeom prst="rect">
@@ -4675,7 +4675,7 @@
           <p:spPr>
             <a:xfrm>
               <a:off x="332" y="1824"/>
-              <a:ext cx="1087" cy="324"/>
+              <a:ext cx="1148" cy="324"/>
             </a:xfrm>
             <a:prstGeom prst="rect">
               <a:avLst/>
@@ -4695,7 +4695,7 @@
                   <a:latin typeface="微软雅黑" panose="020B0503020204020204" pitchFamily="34" charset="-122"/>
                   <a:ea typeface="微软雅黑" panose="020B0503020204020204" pitchFamily="34" charset="-122"/>
                 </a:rPr>
-                <a:t>2012 - 2016</a:t>
+                <a:t>2012 -- 2016</a:t>
               </a:r>
               <a:endParaRPr lang="en-US" altLang="zh-CN" sz="700" dirty="0" smtClean="0">
                 <a:solidFill>
@@ -4717,7 +4717,7 @@
         <p:spPr>
           <a:xfrm>
             <a:off x="2028724" y="9526055"/>
-            <a:ext cx="2728632" cy="215444"/>
+            <a:ext cx="2851785" cy="222250"/>
           </a:xfrm>
           <a:prstGeom prst="rect">
             <a:avLst/>
@@ -4730,6 +4730,7 @@
           </a:bodyPr>
           <a:lstStyle/>
           <a:p>
+            <a:pPr algn="l"/>
             <a:r>
               <a:rPr lang="zh-CN" altLang="en-US" sz="800" dirty="0" smtClean="0">
                 <a:latin typeface="微软雅黑" panose="020B0503020204020204" pitchFamily="34" charset="-122"/>
@@ -4743,17 +4744,16 @@
                 <a:ea typeface="微软雅黑" panose="020B0503020204020204" pitchFamily="34" charset="-122"/>
                 <a:hlinkClick r:id="rId4"/>
               </a:rPr>
-              <a:t>https</a:t>
-            </a:r>
-            <a:r>
-              <a:rPr lang="en-US" altLang="zh-CN" sz="800" dirty="0" smtClean="0">
-                <a:latin typeface="微软雅黑" panose="020B0503020204020204" pitchFamily="34" charset="-122"/>
-                <a:ea typeface="微软雅黑" panose="020B0503020204020204" pitchFamily="34" charset="-122"/>
-                <a:hlinkClick r:id="rId4"/>
-              </a:rPr>
-              <a:t>://IridescentMia.github.io/resume/</a:t>
-            </a:r>
-            <a:endParaRPr lang="en-US" altLang="zh-CN" sz="800" dirty="0" smtClean="0">
+              <a:t>https://asvue.github.io/resume/</a:t>
+            </a:r>
+            <a:r>
+              <a:rPr lang="en-US" altLang="zh-CN" sz="800" dirty="0">
+                <a:latin typeface="微软雅黑" panose="020B0503020204020204" pitchFamily="34" charset="-122"/>
+                <a:ea typeface="微软雅黑" panose="020B0503020204020204" pitchFamily="34" charset="-122"/>
+              </a:rPr>
+              <a:t>index.html</a:t>
+            </a:r>
+            <a:endParaRPr lang="en-US" altLang="zh-CN" sz="800" dirty="0">
               <a:latin typeface="微软雅黑" panose="020B0503020204020204" pitchFamily="34" charset="-122"/>
               <a:ea typeface="微软雅黑" panose="020B0503020204020204" pitchFamily="34" charset="-122"/>
             </a:endParaRPr>
@@ -5766,7 +5766,7 @@
         </p:nvGrpSpPr>
         <p:grpSpPr>
           <a:xfrm rot="0">
-            <a:off x="360682" y="4822708"/>
+            <a:off x="370207" y="4815088"/>
             <a:ext cx="2866388" cy="1577990"/>
             <a:chOff x="418453" y="7853394"/>
             <a:chExt cx="2866086" cy="1577948"/>
@@ -7160,7 +7160,21 @@
                   <a:latin typeface="微软雅黑" panose="020B0503020204020204" pitchFamily="34" charset="-122"/>
                   <a:ea typeface="微软雅黑" panose="020B0503020204020204" pitchFamily="34" charset="-122"/>
                 </a:rPr>
-                <a:t>工程师一起研讨技术实现方案，进行应用及系统集成；</a:t>
+                <a:t>工程师</a:t>
+              </a:r>
+              <a:r>
+                <a:rPr lang="zh-CN" sz="900" dirty="0" smtClean="0">
+                  <a:latin typeface="微软雅黑" panose="020B0503020204020204" pitchFamily="34" charset="-122"/>
+                  <a:ea typeface="微软雅黑" panose="020B0503020204020204" pitchFamily="34" charset="-122"/>
+                </a:rPr>
+                <a:t>和安卓开发人员</a:t>
+              </a:r>
+              <a:r>
+                <a:rPr sz="900" dirty="0" smtClean="0">
+                  <a:latin typeface="微软雅黑" panose="020B0503020204020204" pitchFamily="34" charset="-122"/>
+                  <a:ea typeface="微软雅黑" panose="020B0503020204020204" pitchFamily="34" charset="-122"/>
+                </a:rPr>
+                <a:t>一起研讨技术实现方案，进行应用及系统集成；</a:t>
               </a:r>
               <a:endParaRPr lang="en-US" altLang="zh-CN" sz="900" dirty="0">
                 <a:latin typeface="微软雅黑" panose="020B0503020204020204" pitchFamily="34" charset="-122"/>
@@ -7316,14 +7330,7 @@
                   <a:latin typeface="微软雅黑" panose="020B0503020204020204" pitchFamily="34" charset="-122"/>
                   <a:ea typeface="微软雅黑" panose="020B0503020204020204" pitchFamily="34" charset="-122"/>
                 </a:rPr>
-                <a:t>主要维护和开发</a:t>
-              </a:r>
-              <a:r>
-                <a:rPr lang="zh-CN" altLang="en-US" sz="900" dirty="0" smtClean="0">
-                  <a:latin typeface="微软雅黑" panose="020B0503020204020204" pitchFamily="34" charset="-122"/>
-                  <a:ea typeface="微软雅黑" panose="020B0503020204020204" pitchFamily="34" charset="-122"/>
-                </a:rPr>
-                <a:t>之前运维留下的公司内网</a:t>
+                <a:t>主要维护和开发之前运维留下的公司内网</a:t>
               </a:r>
               <a:r>
                 <a:rPr lang="en-US" altLang="zh-CN" sz="900" dirty="0" smtClean="0">
@@ -7743,14 +7750,7 @@
                     <a:latin typeface="微软雅黑" panose="020B0503020204020204" pitchFamily="34" charset="-122"/>
                     <a:ea typeface="微软雅黑" panose="020B0503020204020204" pitchFamily="34" charset="-122"/>
                   </a:rPr>
-                  <a:t>资源图</a:t>
-                </a:r>
-                <a:r>
-                  <a:rPr lang="zh-CN" altLang="en-US" sz="1050" b="1" dirty="0">
-                    <a:latin typeface="微软雅黑" panose="020B0503020204020204" pitchFamily="34" charset="-122"/>
-                    <a:ea typeface="微软雅黑" panose="020B0503020204020204" pitchFamily="34" charset="-122"/>
-                  </a:rPr>
-                  <a:t>合集</a:t>
+                  <a:t>资源图合集</a:t>
                 </a:r>
                 <a:endParaRPr lang="zh-CN" altLang="en-US" sz="1050" b="1" dirty="0">
                   <a:latin typeface="微软雅黑" panose="020B0503020204020204" pitchFamily="34" charset="-122"/>
@@ -7971,7 +7971,42 @@
                   </a:rPr>
                   <a:t>制作网页版</a:t>
                 </a:r>
-                <a:endParaRPr lang="zh-CN" altLang="en-US" sz="900" dirty="0" smtClean="0">
+                <a:r>
+                  <a:rPr lang="en-US" altLang="zh-CN" sz="900" dirty="0" smtClean="0">
+                    <a:latin typeface="微软雅黑" panose="020B0503020204020204" pitchFamily="34" charset="-122"/>
+                    <a:ea typeface="微软雅黑" panose="020B0503020204020204" pitchFamily="34" charset="-122"/>
+                  </a:rPr>
+                  <a:t>(</a:t>
+                </a:r>
+                <a:r>
+                  <a:rPr lang="zh-CN" altLang="en-US" sz="900" dirty="0" smtClean="0">
+                    <a:latin typeface="微软雅黑" panose="020B0503020204020204" pitchFamily="34" charset="-122"/>
+                    <a:ea typeface="微软雅黑" panose="020B0503020204020204" pitchFamily="34" charset="-122"/>
+                  </a:rPr>
+                  <a:t>基本也是</a:t>
+                </a:r>
+                <a:r>
+                  <a:rPr lang="en-US" altLang="zh-CN" sz="900" dirty="0" smtClean="0">
+                    <a:latin typeface="微软雅黑" panose="020B0503020204020204" pitchFamily="34" charset="-122"/>
+                    <a:ea typeface="微软雅黑" panose="020B0503020204020204" pitchFamily="34" charset="-122"/>
+                  </a:rPr>
+                  <a:t>h5</a:t>
+                </a:r>
+                <a:r>
+                  <a:rPr lang="zh-CN" altLang="en-US" sz="900" dirty="0" smtClean="0">
+                    <a:latin typeface="微软雅黑" panose="020B0503020204020204" pitchFamily="34" charset="-122"/>
+                    <a:ea typeface="微软雅黑" panose="020B0503020204020204" pitchFamily="34" charset="-122"/>
+                  </a:rPr>
+                  <a:t>版本</a:t>
+                </a:r>
+                <a:r>
+                  <a:rPr lang="en-US" altLang="zh-CN" sz="900" dirty="0" smtClean="0">
+                    <a:latin typeface="微软雅黑" panose="020B0503020204020204" pitchFamily="34" charset="-122"/>
+                    <a:ea typeface="微软雅黑" panose="020B0503020204020204" pitchFamily="34" charset="-122"/>
+                  </a:rPr>
+                  <a:t>)</a:t>
+                </a:r>
+                <a:endParaRPr lang="en-US" altLang="zh-CN" sz="900" dirty="0" smtClean="0">
                   <a:latin typeface="微软雅黑" panose="020B0503020204020204" pitchFamily="34" charset="-122"/>
                   <a:ea typeface="微软雅黑" panose="020B0503020204020204" pitchFamily="34" charset="-122"/>
                 </a:endParaRPr>

--- a/source/resume.pptx
+++ b/source/resume.pptx
@@ -4452,7 +4452,7 @@
         </p:nvSpPr>
         <p:spPr>
           <a:xfrm>
-            <a:off x="3548996" y="6145634"/>
+            <a:off x="3629006" y="5452849"/>
             <a:ext cx="792480" cy="287020"/>
           </a:xfrm>
           <a:prstGeom prst="rect">
@@ -4488,7 +4488,7 @@
         </p:nvCxnSpPr>
         <p:spPr>
           <a:xfrm>
-            <a:off x="3629964" y="6422080"/>
+            <a:off x="3637584" y="5739455"/>
             <a:ext cx="2941591" cy="0"/>
           </a:xfrm>
           <a:prstGeom prst="line">
@@ -4594,7 +4594,7 @@
         </p:nvGrpSpPr>
         <p:grpSpPr>
           <a:xfrm>
-            <a:off x="223520" y="829310"/>
+            <a:off x="227330" y="829310"/>
             <a:ext cx="2336800" cy="662940"/>
             <a:chOff x="332" y="1428"/>
             <a:chExt cx="3680" cy="1044"/>
@@ -4716,8 +4716,8 @@
         </p:nvSpPr>
         <p:spPr>
           <a:xfrm>
-            <a:off x="2028724" y="9526055"/>
-            <a:ext cx="2851785" cy="222250"/>
+            <a:off x="2003324" y="9630195"/>
+            <a:ext cx="2851785" cy="213995"/>
           </a:xfrm>
           <a:prstGeom prst="rect">
             <a:avLst/>
@@ -4739,7 +4739,7 @@
               <a:t>在线版简历：</a:t>
             </a:r>
             <a:r>
-              <a:rPr lang="en-US" altLang="zh-CN" sz="800" dirty="0">
+              <a:rPr lang="en-US" altLang="zh-CN" sz="800" u="sng" dirty="0">
                 <a:latin typeface="微软雅黑" panose="020B0503020204020204" pitchFamily="34" charset="-122"/>
                 <a:ea typeface="微软雅黑" panose="020B0503020204020204" pitchFamily="34" charset="-122"/>
                 <a:hlinkClick r:id="rId4"/>
@@ -4747,13 +4747,13 @@
               <a:t>https://asvue.github.io/resume/</a:t>
             </a:r>
             <a:r>
-              <a:rPr lang="en-US" altLang="zh-CN" sz="800" dirty="0">
+              <a:rPr lang="en-US" altLang="zh-CN" sz="800" u="sng" dirty="0">
                 <a:latin typeface="微软雅黑" panose="020B0503020204020204" pitchFamily="34" charset="-122"/>
                 <a:ea typeface="微软雅黑" panose="020B0503020204020204" pitchFamily="34" charset="-122"/>
               </a:rPr>
               <a:t>index.html</a:t>
             </a:r>
-            <a:endParaRPr lang="en-US" altLang="zh-CN" sz="800" dirty="0">
+            <a:endParaRPr lang="en-US" altLang="zh-CN" sz="800" u="sng" dirty="0">
               <a:latin typeface="微软雅黑" panose="020B0503020204020204" pitchFamily="34" charset="-122"/>
               <a:ea typeface="微软雅黑" panose="020B0503020204020204" pitchFamily="34" charset="-122"/>
             </a:endParaRPr>
@@ -4882,7 +4882,7 @@
         <p:spPr>
           <a:xfrm flipV="1">
             <a:off x="337185" y="1799590"/>
-            <a:ext cx="0" cy="7174865"/>
+            <a:ext cx="0" cy="7895590"/>
           </a:xfrm>
           <a:prstGeom prst="straightConnector1">
             <a:avLst/>
@@ -4891,7 +4891,8 @@
             <a:solidFill>
               <a:schemeClr val="tx1"/>
             </a:solidFill>
-            <a:tailEnd type="triangle"/>
+            <a:headEnd type="none" w="med" len="med"/>
+            <a:tailEnd type="none"/>
           </a:ln>
         </p:spPr>
         <p:style>
@@ -4909,1293 +4910,6 @@
           </a:fontRef>
         </p:style>
       </p:cxnSp>
-      <p:sp>
-        <p:nvSpPr>
-          <p:cNvPr id="24" name="椭圆 23"/>
-          <p:cNvSpPr/>
-          <p:nvPr/>
-        </p:nvSpPr>
-        <p:spPr>
-          <a:xfrm flipH="1">
-            <a:off x="294640" y="2120900"/>
-            <a:ext cx="84455" cy="84455"/>
-          </a:xfrm>
-          <a:prstGeom prst="ellipse">
-            <a:avLst/>
-          </a:prstGeom>
-          <a:solidFill>
-            <a:schemeClr val="tx1"/>
-          </a:solidFill>
-          <a:ln w="15875">
-            <a:solidFill>
-              <a:schemeClr val="bg1"/>
-            </a:solidFill>
-          </a:ln>
-        </p:spPr>
-        <p:style>
-          <a:lnRef idx="2">
-            <a:schemeClr val="accent1">
-              <a:shade val="50000"/>
-            </a:schemeClr>
-          </a:lnRef>
-          <a:fillRef idx="1">
-            <a:schemeClr val="accent1"/>
-          </a:fillRef>
-          <a:effectRef idx="0">
-            <a:schemeClr val="accent1"/>
-          </a:effectRef>
-          <a:fontRef idx="minor">
-            <a:schemeClr val="lt1"/>
-          </a:fontRef>
-        </p:style>
-        <p:txBody>
-          <a:bodyPr rtlCol="0" anchor="ctr"/>
-          <a:lstStyle/>
-          <a:p>
-            <a:pPr algn="ctr"/>
-            <a:endParaRPr lang="zh-CN" altLang="en-US"/>
-          </a:p>
-        </p:txBody>
-      </p:sp>
-      <p:sp>
-        <p:nvSpPr>
-          <p:cNvPr id="26" name="椭圆 25"/>
-          <p:cNvSpPr/>
-          <p:nvPr/>
-        </p:nvSpPr>
-        <p:spPr>
-          <a:xfrm flipH="1">
-            <a:off x="302895" y="5116830"/>
-            <a:ext cx="84455" cy="84455"/>
-          </a:xfrm>
-          <a:prstGeom prst="ellipse">
-            <a:avLst/>
-          </a:prstGeom>
-          <a:solidFill>
-            <a:schemeClr val="tx1"/>
-          </a:solidFill>
-          <a:ln w="15875">
-            <a:solidFill>
-              <a:schemeClr val="bg1"/>
-            </a:solidFill>
-          </a:ln>
-        </p:spPr>
-        <p:style>
-          <a:lnRef idx="2">
-            <a:schemeClr val="accent1">
-              <a:shade val="50000"/>
-            </a:schemeClr>
-          </a:lnRef>
-          <a:fillRef idx="1">
-            <a:schemeClr val="accent1"/>
-          </a:fillRef>
-          <a:effectRef idx="0">
-            <a:schemeClr val="accent1"/>
-          </a:effectRef>
-          <a:fontRef idx="minor">
-            <a:schemeClr val="lt1"/>
-          </a:fontRef>
-        </p:style>
-        <p:txBody>
-          <a:bodyPr rtlCol="0" anchor="ctr"/>
-          <a:lstStyle/>
-          <a:p>
-            <a:pPr algn="ctr"/>
-            <a:endParaRPr lang="zh-CN" altLang="en-US"/>
-          </a:p>
-        </p:txBody>
-      </p:sp>
-      <p:grpSp>
-        <p:nvGrpSpPr>
-          <p:cNvPr id="12" name="组合 11"/>
-          <p:cNvGrpSpPr/>
-          <p:nvPr/>
-        </p:nvGrpSpPr>
-        <p:grpSpPr>
-          <a:xfrm rot="0">
-            <a:off x="381635" y="1979910"/>
-            <a:ext cx="2867660" cy="1438222"/>
-            <a:chOff x="416608" y="3889580"/>
-            <a:chExt cx="2867930" cy="1438128"/>
-          </a:xfrm>
-        </p:grpSpPr>
-        <p:sp>
-          <p:nvSpPr>
-            <p:cNvPr id="43" name="矩形 42"/>
-            <p:cNvSpPr/>
-            <p:nvPr/>
-          </p:nvSpPr>
-          <p:spPr>
-            <a:xfrm>
-              <a:off x="416608" y="3889580"/>
-              <a:ext cx="1904544" cy="571462"/>
-            </a:xfrm>
-            <a:prstGeom prst="rect">
-              <a:avLst/>
-            </a:prstGeom>
-          </p:spPr>
-          <p:txBody>
-            <a:bodyPr wrap="none">
-              <a:spAutoFit/>
-            </a:bodyPr>
-            <a:lstStyle/>
-            <a:p>
-              <a:pPr lvl="0">
-                <a:lnSpc>
-                  <a:spcPct val="150000"/>
-                </a:lnSpc>
-              </a:pPr>
-              <a:r>
-                <a:rPr lang="zh-CN" altLang="en-US" sz="1050" b="1" dirty="0">
-                  <a:latin typeface="微软雅黑" panose="020B0503020204020204" pitchFamily="34" charset="-122"/>
-                  <a:ea typeface="微软雅黑" panose="020B0503020204020204" pitchFamily="34" charset="-122"/>
-                </a:rPr>
-                <a:t>在大理及其他城市宝旗下</a:t>
-              </a:r>
-              <a:r>
-                <a:rPr lang="en-US" altLang="zh-CN" sz="1050" b="1" dirty="0">
-                  <a:latin typeface="微软雅黑" panose="020B0503020204020204" pitchFamily="34" charset="-122"/>
-                  <a:ea typeface="微软雅黑" panose="020B0503020204020204" pitchFamily="34" charset="-122"/>
-                </a:rPr>
-                <a:t>app</a:t>
-              </a:r>
-              <a:endParaRPr lang="en-US" altLang="zh-CN" sz="1050" b="1" dirty="0">
-                <a:latin typeface="微软雅黑" panose="020B0503020204020204" pitchFamily="34" charset="-122"/>
-                <a:ea typeface="微软雅黑" panose="020B0503020204020204" pitchFamily="34" charset="-122"/>
-              </a:endParaRPr>
-            </a:p>
-            <a:p>
-              <a:pPr lvl="0">
-                <a:lnSpc>
-                  <a:spcPct val="150000"/>
-                </a:lnSpc>
-              </a:pPr>
-              <a:endParaRPr lang="en-US" altLang="zh-CN" sz="1050" b="1" dirty="0">
-                <a:latin typeface="微软雅黑" panose="020B0503020204020204" pitchFamily="34" charset="-122"/>
-                <a:ea typeface="微软雅黑" panose="020B0503020204020204" pitchFamily="34" charset="-122"/>
-              </a:endParaRPr>
-            </a:p>
-          </p:txBody>
-        </p:sp>
-        <p:sp>
-          <p:nvSpPr>
-            <p:cNvPr id="37" name="矩形 36"/>
-            <p:cNvSpPr/>
-            <p:nvPr/>
-          </p:nvSpPr>
-          <p:spPr>
-            <a:xfrm>
-              <a:off x="516947" y="4236902"/>
-              <a:ext cx="504873" cy="203187"/>
-            </a:xfrm>
-            <a:prstGeom prst="rect">
-              <a:avLst/>
-            </a:prstGeom>
-            <a:solidFill>
-              <a:srgbClr val="6679DF"/>
-            </a:solidFill>
-            <a:ln w="6350">
-              <a:noFill/>
-            </a:ln>
-          </p:spPr>
-          <p:style>
-            <a:lnRef idx="2">
-              <a:schemeClr val="accent1">
-                <a:shade val="50000"/>
-              </a:schemeClr>
-            </a:lnRef>
-            <a:fillRef idx="1">
-              <a:schemeClr val="accent1"/>
-            </a:fillRef>
-            <a:effectRef idx="0">
-              <a:schemeClr val="accent1"/>
-            </a:effectRef>
-            <a:fontRef idx="minor">
-              <a:schemeClr val="lt1"/>
-            </a:fontRef>
-          </p:style>
-          <p:txBody>
-            <a:bodyPr rtlCol="0" anchor="ctr"/>
-            <a:lstStyle/>
-            <a:p>
-              <a:pPr lvl="0" algn="ctr"/>
-              <a:r>
-                <a:rPr lang="en-US" altLang="zh-CN" sz="900" dirty="0">
-                  <a:solidFill>
-                    <a:prstClr val="white"/>
-                  </a:solidFill>
-                  <a:latin typeface="微软雅黑" panose="020B0503020204020204" pitchFamily="34" charset="-122"/>
-                  <a:ea typeface="微软雅黑" panose="020B0503020204020204" pitchFamily="34" charset="-122"/>
-                </a:rPr>
-                <a:t>vue.js</a:t>
-              </a:r>
-              <a:endParaRPr lang="zh-CN" altLang="en-US" dirty="0">
-                <a:solidFill>
-                  <a:prstClr val="black"/>
-                </a:solidFill>
-              </a:endParaRPr>
-            </a:p>
-          </p:txBody>
-        </p:sp>
-        <p:sp>
-          <p:nvSpPr>
-            <p:cNvPr id="45" name="矩形 44"/>
-            <p:cNvSpPr/>
-            <p:nvPr/>
-          </p:nvSpPr>
-          <p:spPr>
-            <a:xfrm>
-              <a:off x="416609" y="4467340"/>
-              <a:ext cx="2867929" cy="860368"/>
-            </a:xfrm>
-            <a:prstGeom prst="rect">
-              <a:avLst/>
-            </a:prstGeom>
-          </p:spPr>
-          <p:txBody>
-            <a:bodyPr wrap="square">
-              <a:spAutoFit/>
-            </a:bodyPr>
-            <a:lstStyle/>
-            <a:p>
-              <a:pPr marL="171450" lvl="0" indent="-171450">
-                <a:lnSpc>
-                  <a:spcPts val="1500"/>
-                </a:lnSpc>
-                <a:buFont typeface="Wingdings" panose="05000000000000000000" pitchFamily="2" charset="2"/>
-                <a:buChar char="ü"/>
-              </a:pPr>
-              <a:r>
-                <a:rPr lang="zh-CN" altLang="en-US" sz="900" dirty="0" smtClean="0">
-                  <a:latin typeface="微软雅黑" panose="020B0503020204020204" pitchFamily="34" charset="-122"/>
-                  <a:ea typeface="微软雅黑" panose="020B0503020204020204" pitchFamily="34" charset="-122"/>
-                </a:rPr>
-                <a:t>把</a:t>
-              </a:r>
-              <a:r>
-                <a:rPr lang="en-US" altLang="zh-CN" sz="900" dirty="0" smtClean="0">
-                  <a:latin typeface="微软雅黑" panose="020B0503020204020204" pitchFamily="34" charset="-122"/>
-                  <a:ea typeface="微软雅黑" panose="020B0503020204020204" pitchFamily="34" charset="-122"/>
-                </a:rPr>
-                <a:t>jquery</a:t>
-              </a:r>
-              <a:r>
-                <a:rPr lang="zh-CN" altLang="en-US" sz="900" dirty="0" smtClean="0">
-                  <a:latin typeface="微软雅黑" panose="020B0503020204020204" pitchFamily="34" charset="-122"/>
-                  <a:ea typeface="微软雅黑" panose="020B0503020204020204" pitchFamily="34" charset="-122"/>
-                </a:rPr>
-                <a:t>为主的页面用</a:t>
-              </a:r>
-              <a:r>
-                <a:rPr lang="en-US" altLang="zh-CN" sz="900" dirty="0" smtClean="0">
-                  <a:latin typeface="微软雅黑" panose="020B0503020204020204" pitchFamily="34" charset="-122"/>
-                  <a:ea typeface="微软雅黑" panose="020B0503020204020204" pitchFamily="34" charset="-122"/>
-                </a:rPr>
-                <a:t>vue</a:t>
-              </a:r>
-              <a:r>
-                <a:rPr lang="zh-CN" altLang="en-US" sz="900" dirty="0" smtClean="0">
-                  <a:latin typeface="微软雅黑" panose="020B0503020204020204" pitchFamily="34" charset="-122"/>
-                  <a:ea typeface="微软雅黑" panose="020B0503020204020204" pitchFamily="34" charset="-122"/>
-                </a:rPr>
-                <a:t>改成 </a:t>
-              </a:r>
-              <a:r>
-                <a:rPr lang="en-US" altLang="zh-CN" sz="900" dirty="0" smtClean="0">
-                  <a:latin typeface="微软雅黑" panose="020B0503020204020204" pitchFamily="34" charset="-122"/>
-                  <a:ea typeface="微软雅黑" panose="020B0503020204020204" pitchFamily="34" charset="-122"/>
-                </a:rPr>
-                <a:t>spa </a:t>
-              </a:r>
-              <a:r>
-                <a:rPr lang="zh-CN" altLang="en-US" sz="900" dirty="0" smtClean="0">
-                  <a:latin typeface="微软雅黑" panose="020B0503020204020204" pitchFamily="34" charset="-122"/>
-                  <a:ea typeface="微软雅黑" panose="020B0503020204020204" pitchFamily="34" charset="-122"/>
-                </a:rPr>
-                <a:t>和 </a:t>
-              </a:r>
-              <a:r>
-                <a:rPr lang="en-US" altLang="zh-CN" sz="900" dirty="0" smtClean="0">
-                  <a:latin typeface="微软雅黑" panose="020B0503020204020204" pitchFamily="34" charset="-122"/>
-                  <a:ea typeface="微软雅黑" panose="020B0503020204020204" pitchFamily="34" charset="-122"/>
-                </a:rPr>
-                <a:t>mpa</a:t>
-              </a:r>
-              <a:r>
-                <a:rPr lang="zh-CN" altLang="en-US" sz="900" dirty="0" smtClean="0">
-                  <a:latin typeface="微软雅黑" panose="020B0503020204020204" pitchFamily="34" charset="-122"/>
-                  <a:ea typeface="微软雅黑" panose="020B0503020204020204" pitchFamily="34" charset="-122"/>
-                </a:rPr>
-                <a:t>形式</a:t>
-              </a:r>
-              <a:endParaRPr lang="zh-CN" altLang="en-US" sz="900" dirty="0" smtClean="0">
-                <a:latin typeface="微软雅黑" panose="020B0503020204020204" pitchFamily="34" charset="-122"/>
-                <a:ea typeface="微软雅黑" panose="020B0503020204020204" pitchFamily="34" charset="-122"/>
-              </a:endParaRPr>
-            </a:p>
-            <a:p>
-              <a:pPr marL="171450" lvl="0" indent="-171450">
-                <a:lnSpc>
-                  <a:spcPts val="1500"/>
-                </a:lnSpc>
-                <a:buFont typeface="Wingdings" panose="05000000000000000000" pitchFamily="2" charset="2"/>
-                <a:buChar char="ü"/>
-              </a:pPr>
-              <a:r>
-                <a:rPr lang="zh-CN" altLang="en-US" sz="900" dirty="0" smtClean="0">
-                  <a:latin typeface="微软雅黑" panose="020B0503020204020204" pitchFamily="34" charset="-122"/>
-                  <a:ea typeface="微软雅黑" panose="020B0503020204020204" pitchFamily="34" charset="-122"/>
-                </a:rPr>
-                <a:t>使用</a:t>
-              </a:r>
-              <a:r>
-                <a:rPr lang="en-US" altLang="zh-CN" sz="900" dirty="0" smtClean="0">
-                  <a:latin typeface="微软雅黑" panose="020B0503020204020204" pitchFamily="34" charset="-122"/>
-                  <a:ea typeface="微软雅黑" panose="020B0503020204020204" pitchFamily="34" charset="-122"/>
-                </a:rPr>
-                <a:t>ngxin</a:t>
-              </a:r>
-              <a:r>
-                <a:rPr lang="zh-CN" altLang="en-US" sz="900" dirty="0" smtClean="0">
-                  <a:latin typeface="微软雅黑" panose="020B0503020204020204" pitchFamily="34" charset="-122"/>
-                  <a:ea typeface="微软雅黑" panose="020B0503020204020204" pitchFamily="34" charset="-122"/>
-                </a:rPr>
-                <a:t>当作</a:t>
-              </a:r>
-              <a:r>
-                <a:rPr lang="en-US" altLang="zh-CN" sz="900" dirty="0" smtClean="0">
-                  <a:latin typeface="微软雅黑" panose="020B0503020204020204" pitchFamily="34" charset="-122"/>
-                  <a:ea typeface="微软雅黑" panose="020B0503020204020204" pitchFamily="34" charset="-122"/>
-                </a:rPr>
-                <a:t>web</a:t>
-              </a:r>
-              <a:r>
-                <a:rPr lang="zh-CN" altLang="en-US" sz="900" dirty="0" smtClean="0">
-                  <a:latin typeface="微软雅黑" panose="020B0503020204020204" pitchFamily="34" charset="-122"/>
-                  <a:ea typeface="微软雅黑" panose="020B0503020204020204" pitchFamily="34" charset="-122"/>
-                </a:rPr>
-                <a:t>服务器并配置反向代理跨域</a:t>
-              </a:r>
-              <a:endParaRPr lang="zh-CN" altLang="en-US" sz="900" dirty="0" smtClean="0">
-                <a:latin typeface="微软雅黑" panose="020B0503020204020204" pitchFamily="34" charset="-122"/>
-                <a:ea typeface="微软雅黑" panose="020B0503020204020204" pitchFamily="34" charset="-122"/>
-              </a:endParaRPr>
-            </a:p>
-            <a:p>
-              <a:pPr marL="171450" lvl="0" indent="-171450">
-                <a:lnSpc>
-                  <a:spcPts val="1500"/>
-                </a:lnSpc>
-                <a:buFont typeface="Wingdings" panose="05000000000000000000" pitchFamily="2" charset="2"/>
-                <a:buChar char="ü"/>
-              </a:pPr>
-              <a:r>
-                <a:rPr lang="zh-CN" altLang="en-US" sz="900" dirty="0" smtClean="0">
-                  <a:latin typeface="微软雅黑" panose="020B0503020204020204" pitchFamily="34" charset="-122"/>
-                  <a:ea typeface="微软雅黑" panose="020B0503020204020204" pitchFamily="34" charset="-122"/>
-                </a:rPr>
-                <a:t>使用</a:t>
-              </a:r>
-              <a:r>
-                <a:rPr lang="en-US" altLang="zh-CN" sz="900" dirty="0" smtClean="0">
-                  <a:latin typeface="微软雅黑" panose="020B0503020204020204" pitchFamily="34" charset="-122"/>
-                  <a:ea typeface="微软雅黑" panose="020B0503020204020204" pitchFamily="34" charset="-122"/>
-                </a:rPr>
-                <a:t>element-ui</a:t>
-              </a:r>
-              <a:r>
-                <a:rPr lang="zh-CN" altLang="en-US" sz="900" dirty="0" smtClean="0">
-                  <a:latin typeface="微软雅黑" panose="020B0503020204020204" pitchFamily="34" charset="-122"/>
-                  <a:ea typeface="微软雅黑" panose="020B0503020204020204" pitchFamily="34" charset="-122"/>
-                </a:rPr>
-                <a:t>和</a:t>
-              </a:r>
-              <a:r>
-                <a:rPr lang="en-US" altLang="zh-CN" sz="900" dirty="0" smtClean="0">
-                  <a:latin typeface="微软雅黑" panose="020B0503020204020204" pitchFamily="34" charset="-122"/>
-                  <a:ea typeface="微软雅黑" panose="020B0503020204020204" pitchFamily="34" charset="-122"/>
-                </a:rPr>
-                <a:t>mint-ui.</a:t>
-              </a:r>
-              <a:r>
-                <a:rPr lang="zh-CN" altLang="en-US" sz="900" dirty="0" smtClean="0">
-                  <a:latin typeface="微软雅黑" panose="020B0503020204020204" pitchFamily="34" charset="-122"/>
-                  <a:ea typeface="微软雅黑" panose="020B0503020204020204" pitchFamily="34" charset="-122"/>
-                </a:rPr>
-                <a:t>快速上线</a:t>
-              </a:r>
-              <a:r>
-                <a:rPr lang="en-US" altLang="zh-CN" sz="900" dirty="0" smtClean="0">
-                  <a:latin typeface="微软雅黑" panose="020B0503020204020204" pitchFamily="34" charset="-122"/>
-                  <a:ea typeface="微软雅黑" panose="020B0503020204020204" pitchFamily="34" charset="-122"/>
-                </a:rPr>
-                <a:t>,</a:t>
-              </a:r>
-              <a:r>
-                <a:rPr lang="zh-CN" altLang="en-US" sz="900" dirty="0" smtClean="0">
-                  <a:latin typeface="微软雅黑" panose="020B0503020204020204" pitchFamily="34" charset="-122"/>
-                  <a:ea typeface="微软雅黑" panose="020B0503020204020204" pitchFamily="34" charset="-122"/>
-                </a:rPr>
-                <a:t>后期手写</a:t>
-              </a:r>
-              <a:endParaRPr lang="zh-CN" altLang="en-US" sz="900" dirty="0" smtClean="0">
-                <a:latin typeface="微软雅黑" panose="020B0503020204020204" pitchFamily="34" charset="-122"/>
-                <a:ea typeface="微软雅黑" panose="020B0503020204020204" pitchFamily="34" charset="-122"/>
-              </a:endParaRPr>
-            </a:p>
-            <a:p>
-              <a:pPr marL="171450" lvl="0" indent="-171450">
-                <a:lnSpc>
-                  <a:spcPts val="1500"/>
-                </a:lnSpc>
-                <a:buFont typeface="Wingdings" panose="05000000000000000000" pitchFamily="2" charset="2"/>
-                <a:buChar char="ü"/>
-              </a:pPr>
-              <a:r>
-                <a:rPr lang="zh-CN" altLang="en-US" sz="900" dirty="0" smtClean="0">
-                  <a:latin typeface="微软雅黑" panose="020B0503020204020204" pitchFamily="34" charset="-122"/>
-                  <a:ea typeface="微软雅黑" panose="020B0503020204020204" pitchFamily="34" charset="-122"/>
-                </a:rPr>
-                <a:t>使用</a:t>
-              </a:r>
-              <a:r>
-                <a:rPr lang="en-US" altLang="zh-CN" sz="900" dirty="0" smtClean="0">
-                  <a:latin typeface="微软雅黑" panose="020B0503020204020204" pitchFamily="34" charset="-122"/>
-                  <a:ea typeface="微软雅黑" panose="020B0503020204020204" pitchFamily="34" charset="-122"/>
-                </a:rPr>
-                <a:t>webpack</a:t>
-              </a:r>
-              <a:r>
-                <a:rPr lang="zh-CN" altLang="en-US" sz="900" dirty="0" smtClean="0">
-                  <a:latin typeface="微软雅黑" panose="020B0503020204020204" pitchFamily="34" charset="-122"/>
-                  <a:ea typeface="微软雅黑" panose="020B0503020204020204" pitchFamily="34" charset="-122"/>
-                </a:rPr>
-                <a:t>管理整个开发目录</a:t>
-              </a:r>
-              <a:r>
-                <a:rPr lang="en-US" altLang="zh-CN" sz="900" dirty="0" smtClean="0">
-                  <a:latin typeface="微软雅黑" panose="020B0503020204020204" pitchFamily="34" charset="-122"/>
-                  <a:ea typeface="微软雅黑" panose="020B0503020204020204" pitchFamily="34" charset="-122"/>
-                </a:rPr>
-                <a:t>.</a:t>
-              </a:r>
-              <a:r>
-                <a:rPr lang="zh-CN" altLang="en-US" sz="900" dirty="0" smtClean="0">
-                  <a:latin typeface="微软雅黑" panose="020B0503020204020204" pitchFamily="34" charset="-122"/>
-                  <a:ea typeface="微软雅黑" panose="020B0503020204020204" pitchFamily="34" charset="-122"/>
-                </a:rPr>
-                <a:t>便于开发和</a:t>
-              </a:r>
-              <a:r>
-                <a:rPr lang="en-US" altLang="zh-CN" sz="900" dirty="0" smtClean="0">
-                  <a:latin typeface="微软雅黑" panose="020B0503020204020204" pitchFamily="34" charset="-122"/>
-                  <a:ea typeface="微软雅黑" panose="020B0503020204020204" pitchFamily="34" charset="-122"/>
-                </a:rPr>
-                <a:t>build</a:t>
-              </a:r>
-              <a:endParaRPr lang="en-US" altLang="zh-CN" sz="900" dirty="0" smtClean="0">
-                <a:latin typeface="微软雅黑" panose="020B0503020204020204" pitchFamily="34" charset="-122"/>
-                <a:ea typeface="微软雅黑" panose="020B0503020204020204" pitchFamily="34" charset="-122"/>
-              </a:endParaRPr>
-            </a:p>
-          </p:txBody>
-        </p:sp>
-        <p:sp>
-          <p:nvSpPr>
-            <p:cNvPr id="71" name="矩形 70"/>
-            <p:cNvSpPr/>
-            <p:nvPr/>
-          </p:nvSpPr>
-          <p:spPr>
-            <a:xfrm>
-              <a:off x="1755612" y="4236770"/>
-              <a:ext cx="619690" cy="203200"/>
-            </a:xfrm>
-            <a:prstGeom prst="rect">
-              <a:avLst/>
-            </a:prstGeom>
-            <a:solidFill>
-              <a:srgbClr val="6679DF"/>
-            </a:solidFill>
-            <a:ln w="6350">
-              <a:noFill/>
-            </a:ln>
-          </p:spPr>
-          <p:style>
-            <a:lnRef idx="2">
-              <a:schemeClr val="accent1">
-                <a:shade val="50000"/>
-              </a:schemeClr>
-            </a:lnRef>
-            <a:fillRef idx="1">
-              <a:schemeClr val="accent1"/>
-            </a:fillRef>
-            <a:effectRef idx="0">
-              <a:schemeClr val="accent1"/>
-            </a:effectRef>
-            <a:fontRef idx="minor">
-              <a:schemeClr val="lt1"/>
-            </a:fontRef>
-          </p:style>
-          <p:txBody>
-            <a:bodyPr rtlCol="0" anchor="ctr"/>
-            <a:lstStyle/>
-            <a:p>
-              <a:pPr lvl="0"/>
-              <a:r>
-                <a:rPr lang="en-US" altLang="zh-CN" sz="900" dirty="0" smtClean="0">
-                  <a:solidFill>
-                    <a:prstClr val="white"/>
-                  </a:solidFill>
-                  <a:latin typeface="微软雅黑" panose="020B0503020204020204" pitchFamily="34" charset="-122"/>
-                  <a:ea typeface="微软雅黑" panose="020B0503020204020204" pitchFamily="34" charset="-122"/>
-                </a:rPr>
-                <a:t>Node.js</a:t>
-              </a:r>
-              <a:endParaRPr lang="zh-CN" altLang="en-US" dirty="0">
-                <a:solidFill>
-                  <a:prstClr val="black"/>
-                </a:solidFill>
-              </a:endParaRPr>
-            </a:p>
-          </p:txBody>
-        </p:sp>
-        <p:sp>
-          <p:nvSpPr>
-            <p:cNvPr id="75" name="矩形 74"/>
-            <p:cNvSpPr/>
-            <p:nvPr/>
-          </p:nvSpPr>
-          <p:spPr>
-            <a:xfrm>
-              <a:off x="2408368" y="4236770"/>
-              <a:ext cx="742024" cy="203200"/>
-            </a:xfrm>
-            <a:prstGeom prst="rect">
-              <a:avLst/>
-            </a:prstGeom>
-            <a:solidFill>
-              <a:srgbClr val="6679DF"/>
-            </a:solidFill>
-            <a:ln w="6350">
-              <a:noFill/>
-            </a:ln>
-          </p:spPr>
-          <p:style>
-            <a:lnRef idx="2">
-              <a:schemeClr val="accent1">
-                <a:shade val="50000"/>
-              </a:schemeClr>
-            </a:lnRef>
-            <a:fillRef idx="1">
-              <a:schemeClr val="accent1"/>
-            </a:fillRef>
-            <a:effectRef idx="0">
-              <a:schemeClr val="accent1"/>
-            </a:effectRef>
-            <a:fontRef idx="minor">
-              <a:schemeClr val="lt1"/>
-            </a:fontRef>
-          </p:style>
-          <p:txBody>
-            <a:bodyPr rtlCol="0" anchor="ctr"/>
-            <a:lstStyle/>
-            <a:p>
-              <a:pPr lvl="0"/>
-              <a:r>
-                <a:rPr lang="en-US" altLang="zh-CN" sz="900" dirty="0" err="1" smtClean="0">
-                  <a:solidFill>
-                    <a:prstClr val="white"/>
-                  </a:solidFill>
-                  <a:latin typeface="微软雅黑" panose="020B0503020204020204" pitchFamily="34" charset="-122"/>
-                  <a:ea typeface="微软雅黑" panose="020B0503020204020204" pitchFamily="34" charset="-122"/>
-                </a:rPr>
-                <a:t>MongoDB</a:t>
-              </a:r>
-              <a:endParaRPr lang="zh-CN" altLang="en-US" dirty="0">
-                <a:solidFill>
-                  <a:prstClr val="black"/>
-                </a:solidFill>
-              </a:endParaRPr>
-            </a:p>
-          </p:txBody>
-        </p:sp>
-        <p:sp>
-          <p:nvSpPr>
-            <p:cNvPr id="76" name="矩形 75"/>
-            <p:cNvSpPr/>
-            <p:nvPr/>
-          </p:nvSpPr>
-          <p:spPr>
-            <a:xfrm>
-              <a:off x="1101135" y="4236770"/>
-              <a:ext cx="602993" cy="203200"/>
-            </a:xfrm>
-            <a:prstGeom prst="rect">
-              <a:avLst/>
-            </a:prstGeom>
-            <a:solidFill>
-              <a:srgbClr val="6679DF"/>
-            </a:solidFill>
-            <a:ln w="6350">
-              <a:noFill/>
-            </a:ln>
-          </p:spPr>
-          <p:style>
-            <a:lnRef idx="2">
-              <a:schemeClr val="accent1">
-                <a:shade val="50000"/>
-              </a:schemeClr>
-            </a:lnRef>
-            <a:fillRef idx="1">
-              <a:schemeClr val="accent1"/>
-            </a:fillRef>
-            <a:effectRef idx="0">
-              <a:schemeClr val="accent1"/>
-            </a:effectRef>
-            <a:fontRef idx="minor">
-              <a:schemeClr val="lt1"/>
-            </a:fontRef>
-          </p:style>
-          <p:txBody>
-            <a:bodyPr rtlCol="0" anchor="ctr"/>
-            <a:lstStyle/>
-            <a:p>
-              <a:pPr lvl="0"/>
-              <a:r>
-                <a:rPr lang="en-US" altLang="zh-CN" sz="900" dirty="0" smtClean="0">
-                  <a:solidFill>
-                    <a:prstClr val="white"/>
-                  </a:solidFill>
-                  <a:latin typeface="微软雅黑" panose="020B0503020204020204" pitchFamily="34" charset="-122"/>
-                  <a:ea typeface="微软雅黑" panose="020B0503020204020204" pitchFamily="34" charset="-122"/>
-                </a:rPr>
-                <a:t>Leaflet</a:t>
-              </a:r>
-              <a:endParaRPr lang="zh-CN" altLang="en-US" dirty="0">
-                <a:solidFill>
-                  <a:prstClr val="black"/>
-                </a:solidFill>
-              </a:endParaRPr>
-            </a:p>
-          </p:txBody>
-        </p:sp>
-        <p:sp>
-          <p:nvSpPr>
-            <p:cNvPr id="51" name="矩形 50"/>
-            <p:cNvSpPr/>
-            <p:nvPr/>
-          </p:nvSpPr>
-          <p:spPr>
-            <a:xfrm>
-              <a:off x="1745451" y="4236770"/>
-              <a:ext cx="619690" cy="203200"/>
-            </a:xfrm>
-            <a:prstGeom prst="rect">
-              <a:avLst/>
-            </a:prstGeom>
-            <a:solidFill>
-              <a:srgbClr val="6679DF"/>
-            </a:solidFill>
-            <a:ln w="6350">
-              <a:noFill/>
-            </a:ln>
-          </p:spPr>
-          <p:style>
-            <a:lnRef idx="2">
-              <a:schemeClr val="accent1">
-                <a:shade val="50000"/>
-              </a:schemeClr>
-            </a:lnRef>
-            <a:fillRef idx="1">
-              <a:schemeClr val="accent1"/>
-            </a:fillRef>
-            <a:effectRef idx="0">
-              <a:schemeClr val="accent1"/>
-            </a:effectRef>
-            <a:fontRef idx="minor">
-              <a:schemeClr val="lt1"/>
-            </a:fontRef>
-          </p:style>
-          <p:txBody>
-            <a:bodyPr rtlCol="0" anchor="ctr"/>
-            <a:p>
-              <a:pPr lvl="0" algn="ctr"/>
-              <a:r>
-                <a:rPr lang="en-US" altLang="zh-CN" sz="900" dirty="0" smtClean="0">
-                  <a:solidFill>
-                    <a:prstClr val="white"/>
-                  </a:solidFill>
-                  <a:latin typeface="微软雅黑" panose="020B0503020204020204" pitchFamily="34" charset="-122"/>
-                  <a:ea typeface="微软雅黑" panose="020B0503020204020204" pitchFamily="34" charset="-122"/>
-                </a:rPr>
-                <a:t>Node.js</a:t>
-              </a:r>
-              <a:endParaRPr lang="zh-CN" altLang="en-US" dirty="0">
-                <a:solidFill>
-                  <a:prstClr val="black"/>
-                </a:solidFill>
-              </a:endParaRPr>
-            </a:p>
-          </p:txBody>
-        </p:sp>
-        <p:sp>
-          <p:nvSpPr>
-            <p:cNvPr id="52" name="矩形 51"/>
-            <p:cNvSpPr/>
-            <p:nvPr/>
-          </p:nvSpPr>
-          <p:spPr>
-            <a:xfrm>
-              <a:off x="2398207" y="4236770"/>
-              <a:ext cx="742024" cy="203200"/>
-            </a:xfrm>
-            <a:prstGeom prst="rect">
-              <a:avLst/>
-            </a:prstGeom>
-            <a:solidFill>
-              <a:srgbClr val="6679DF"/>
-            </a:solidFill>
-            <a:ln w="6350">
-              <a:noFill/>
-            </a:ln>
-          </p:spPr>
-          <p:style>
-            <a:lnRef idx="2">
-              <a:schemeClr val="accent1">
-                <a:shade val="50000"/>
-              </a:schemeClr>
-            </a:lnRef>
-            <a:fillRef idx="1">
-              <a:schemeClr val="accent1"/>
-            </a:fillRef>
-            <a:effectRef idx="0">
-              <a:schemeClr val="accent1"/>
-            </a:effectRef>
-            <a:fontRef idx="minor">
-              <a:schemeClr val="lt1"/>
-            </a:fontRef>
-          </p:style>
-          <p:txBody>
-            <a:bodyPr rtlCol="0" anchor="ctr"/>
-            <a:p>
-              <a:pPr lvl="0" algn="ctr"/>
-              <a:r>
-                <a:rPr lang="en-US" altLang="zh-CN" sz="900" dirty="0" err="1" smtClean="0">
-                  <a:solidFill>
-                    <a:prstClr val="white"/>
-                  </a:solidFill>
-                  <a:latin typeface="微软雅黑" panose="020B0503020204020204" pitchFamily="34" charset="-122"/>
-                  <a:ea typeface="微软雅黑" panose="020B0503020204020204" pitchFamily="34" charset="-122"/>
-                </a:rPr>
-                <a:t>webpack</a:t>
-              </a:r>
-              <a:endParaRPr lang="zh-CN" altLang="en-US" dirty="0">
-                <a:solidFill>
-                  <a:prstClr val="black"/>
-                </a:solidFill>
-              </a:endParaRPr>
-            </a:p>
-          </p:txBody>
-        </p:sp>
-        <p:sp>
-          <p:nvSpPr>
-            <p:cNvPr id="53" name="矩形 52"/>
-            <p:cNvSpPr/>
-            <p:nvPr/>
-          </p:nvSpPr>
-          <p:spPr>
-            <a:xfrm>
-              <a:off x="1071922" y="4236770"/>
-              <a:ext cx="602993" cy="203200"/>
-            </a:xfrm>
-            <a:prstGeom prst="rect">
-              <a:avLst/>
-            </a:prstGeom>
-            <a:solidFill>
-              <a:srgbClr val="6679DF"/>
-            </a:solidFill>
-            <a:ln w="6350">
-              <a:noFill/>
-            </a:ln>
-          </p:spPr>
-          <p:style>
-            <a:lnRef idx="2">
-              <a:schemeClr val="accent1">
-                <a:shade val="50000"/>
-              </a:schemeClr>
-            </a:lnRef>
-            <a:fillRef idx="1">
-              <a:schemeClr val="accent1"/>
-            </a:fillRef>
-            <a:effectRef idx="0">
-              <a:schemeClr val="accent1"/>
-            </a:effectRef>
-            <a:fontRef idx="minor">
-              <a:schemeClr val="lt1"/>
-            </a:fontRef>
-          </p:style>
-          <p:txBody>
-            <a:bodyPr rtlCol="0" anchor="ctr"/>
-            <a:p>
-              <a:pPr lvl="0" algn="ctr"/>
-              <a:r>
-                <a:rPr lang="en-US" altLang="zh-CN" sz="900" dirty="0" smtClean="0">
-                  <a:solidFill>
-                    <a:prstClr val="white"/>
-                  </a:solidFill>
-                  <a:latin typeface="微软雅黑" panose="020B0503020204020204" pitchFamily="34" charset="-122"/>
-                  <a:ea typeface="微软雅黑" panose="020B0503020204020204" pitchFamily="34" charset="-122"/>
-                </a:rPr>
-                <a:t>nginx</a:t>
-              </a:r>
-              <a:endParaRPr lang="zh-CN" altLang="en-US" dirty="0">
-                <a:solidFill>
-                  <a:prstClr val="black"/>
-                </a:solidFill>
-              </a:endParaRPr>
-            </a:p>
-          </p:txBody>
-        </p:sp>
-      </p:grpSp>
-      <p:grpSp>
-        <p:nvGrpSpPr>
-          <p:cNvPr id="7" name="组合 6"/>
-          <p:cNvGrpSpPr/>
-          <p:nvPr/>
-        </p:nvGrpSpPr>
-        <p:grpSpPr>
-          <a:xfrm rot="0">
-            <a:off x="370207" y="4815088"/>
-            <a:ext cx="2866388" cy="1577990"/>
-            <a:chOff x="418453" y="7853394"/>
-            <a:chExt cx="2866086" cy="1577948"/>
-          </a:xfrm>
-        </p:grpSpPr>
-        <p:sp>
-          <p:nvSpPr>
-            <p:cNvPr id="88" name="矩形 87"/>
-            <p:cNvSpPr/>
-            <p:nvPr/>
-          </p:nvSpPr>
-          <p:spPr>
-            <a:xfrm>
-              <a:off x="448927" y="8000165"/>
-              <a:ext cx="1237485" cy="333366"/>
-            </a:xfrm>
-            <a:prstGeom prst="rect">
-              <a:avLst/>
-            </a:prstGeom>
-          </p:spPr>
-          <p:txBody>
-            <a:bodyPr wrap="none">
-              <a:spAutoFit/>
-            </a:bodyPr>
-            <a:lstStyle/>
-            <a:p>
-              <a:pPr lvl="0">
-                <a:lnSpc>
-                  <a:spcPct val="150000"/>
-                </a:lnSpc>
-              </a:pPr>
-              <a:r>
-                <a:rPr lang="en-US" altLang="zh-CN" sz="1050" b="1" dirty="0" err="1" smtClean="0">
-                  <a:latin typeface="微软雅黑" panose="020B0503020204020204" pitchFamily="34" charset="-122"/>
-                  <a:ea typeface="微软雅黑" panose="020B0503020204020204" pitchFamily="34" charset="-122"/>
-                </a:rPr>
-                <a:t>app</a:t>
-              </a:r>
-              <a:r>
-                <a:rPr lang="zh-CN" altLang="en-US" sz="1050" b="1" dirty="0" err="1" smtClean="0">
-                  <a:latin typeface="微软雅黑" panose="020B0503020204020204" pitchFamily="34" charset="-122"/>
-                  <a:ea typeface="微软雅黑" panose="020B0503020204020204" pitchFamily="34" charset="-122"/>
-                </a:rPr>
-                <a:t>后台管理平台</a:t>
-              </a:r>
-              <a:endParaRPr lang="en-US" altLang="zh-CN" sz="1050" b="1" dirty="0">
-                <a:latin typeface="微软雅黑" panose="020B0503020204020204" pitchFamily="34" charset="-122"/>
-                <a:ea typeface="微软雅黑" panose="020B0503020204020204" pitchFamily="34" charset="-122"/>
-              </a:endParaRPr>
-            </a:p>
-          </p:txBody>
-        </p:sp>
-        <p:sp>
-          <p:nvSpPr>
-            <p:cNvPr id="90" name="矩形 89"/>
-            <p:cNvSpPr/>
-            <p:nvPr/>
-          </p:nvSpPr>
-          <p:spPr>
-            <a:xfrm>
-              <a:off x="418453" y="8577925"/>
-              <a:ext cx="2866086" cy="853417"/>
-            </a:xfrm>
-            <a:prstGeom prst="rect">
-              <a:avLst/>
-            </a:prstGeom>
-          </p:spPr>
-          <p:txBody>
-            <a:bodyPr wrap="square">
-              <a:spAutoFit/>
-            </a:bodyPr>
-            <a:lstStyle/>
-            <a:p>
-              <a:pPr marL="171450" lvl="0" indent="-171450">
-                <a:lnSpc>
-                  <a:spcPts val="1500"/>
-                </a:lnSpc>
-                <a:buFont typeface="Wingdings" panose="05000000000000000000" pitchFamily="2" charset="2"/>
-                <a:buChar char="ü"/>
-              </a:pPr>
-              <a:r>
-                <a:rPr lang="zh-CN" altLang="en-US" sz="900" dirty="0" smtClean="0">
-                  <a:latin typeface="微软雅黑" panose="020B0503020204020204" pitchFamily="34" charset="-122"/>
-                  <a:ea typeface="微软雅黑" panose="020B0503020204020204" pitchFamily="34" charset="-122"/>
-                </a:rPr>
-                <a:t>主要负责页面布局和</a:t>
-              </a:r>
-              <a:r>
-                <a:rPr lang="en-US" altLang="zh-CN" sz="900" dirty="0" smtClean="0">
-                  <a:latin typeface="微软雅黑" panose="020B0503020204020204" pitchFamily="34" charset="-122"/>
-                  <a:ea typeface="微软雅黑" panose="020B0503020204020204" pitchFamily="34" charset="-122"/>
-                </a:rPr>
-                <a:t>js</a:t>
-              </a:r>
-              <a:r>
-                <a:rPr lang="zh-CN" altLang="en-US" sz="900" dirty="0" smtClean="0">
-                  <a:latin typeface="微软雅黑" panose="020B0503020204020204" pitchFamily="34" charset="-122"/>
-                  <a:ea typeface="微软雅黑" panose="020B0503020204020204" pitchFamily="34" charset="-122"/>
-                </a:rPr>
-                <a:t>交互</a:t>
-              </a:r>
-              <a:endParaRPr lang="zh-CN" altLang="en-US" sz="900" dirty="0" smtClean="0">
-                <a:latin typeface="微软雅黑" panose="020B0503020204020204" pitchFamily="34" charset="-122"/>
-                <a:ea typeface="微软雅黑" panose="020B0503020204020204" pitchFamily="34" charset="-122"/>
-              </a:endParaRPr>
-            </a:p>
-            <a:p>
-              <a:pPr marL="171450" lvl="0" indent="-171450">
-                <a:lnSpc>
-                  <a:spcPts val="1500"/>
-                </a:lnSpc>
-                <a:buFont typeface="Wingdings" panose="05000000000000000000" pitchFamily="2" charset="2"/>
-                <a:buChar char="ü"/>
-              </a:pPr>
-              <a:r>
-                <a:rPr lang="zh-CN" altLang="en-US" sz="900" dirty="0" smtClean="0">
-                  <a:latin typeface="微软雅黑" panose="020B0503020204020204" pitchFamily="34" charset="-122"/>
-                  <a:ea typeface="微软雅黑" panose="020B0503020204020204" pitchFamily="34" charset="-122"/>
-                </a:rPr>
-                <a:t>因为后台喜欢</a:t>
-              </a:r>
-              <a:r>
-                <a:rPr lang="en-US" altLang="zh-CN" sz="900" dirty="0" smtClean="0">
-                  <a:latin typeface="微软雅黑" panose="020B0503020204020204" pitchFamily="34" charset="-122"/>
-                  <a:ea typeface="微软雅黑" panose="020B0503020204020204" pitchFamily="34" charset="-122"/>
-                </a:rPr>
-                <a:t>jquery</a:t>
-              </a:r>
-              <a:r>
-                <a:rPr lang="zh-CN" altLang="en-US" sz="900" dirty="0" smtClean="0">
-                  <a:latin typeface="微软雅黑" panose="020B0503020204020204" pitchFamily="34" charset="-122"/>
-                  <a:ea typeface="微软雅黑" panose="020B0503020204020204" pitchFamily="34" charset="-122"/>
-                </a:rPr>
-                <a:t>。所以基本使用</a:t>
-              </a:r>
-              <a:r>
-                <a:rPr lang="en-US" altLang="zh-CN" sz="900" dirty="0" smtClean="0">
-                  <a:latin typeface="微软雅黑" panose="020B0503020204020204" pitchFamily="34" charset="-122"/>
-                  <a:ea typeface="微软雅黑" panose="020B0503020204020204" pitchFamily="34" charset="-122"/>
-                </a:rPr>
-                <a:t>jquery</a:t>
-              </a:r>
-              <a:r>
-                <a:rPr lang="zh-CN" altLang="en-US" sz="900" dirty="0" smtClean="0">
-                  <a:latin typeface="微软雅黑" panose="020B0503020204020204" pitchFamily="34" charset="-122"/>
-                  <a:ea typeface="微软雅黑" panose="020B0503020204020204" pitchFamily="34" charset="-122"/>
-                </a:rPr>
-                <a:t>和</a:t>
-              </a:r>
-              <a:r>
-                <a:rPr lang="en-US" altLang="zh-CN" sz="900" dirty="0" smtClean="0">
-                  <a:latin typeface="微软雅黑" panose="020B0503020204020204" pitchFamily="34" charset="-122"/>
-                  <a:ea typeface="微软雅黑" panose="020B0503020204020204" pitchFamily="34" charset="-122"/>
-                </a:rPr>
-                <a:t>bnootstarp</a:t>
-              </a:r>
-              <a:r>
-                <a:rPr lang="zh-CN" altLang="en-US" sz="900" dirty="0" smtClean="0">
-                  <a:latin typeface="微软雅黑" panose="020B0503020204020204" pitchFamily="34" charset="-122"/>
-                  <a:ea typeface="微软雅黑" panose="020B0503020204020204" pitchFamily="34" charset="-122"/>
-                </a:rPr>
-                <a:t>帮助他们开发</a:t>
-              </a:r>
-              <a:r>
-                <a:rPr lang="en-US" altLang="zh-CN" sz="900" dirty="0" smtClean="0">
-                  <a:latin typeface="微软雅黑" panose="020B0503020204020204" pitchFamily="34" charset="-122"/>
-                  <a:ea typeface="微软雅黑" panose="020B0503020204020204" pitchFamily="34" charset="-122"/>
-                </a:rPr>
-                <a:t>jsp</a:t>
-              </a:r>
-              <a:r>
-                <a:rPr lang="zh-CN" altLang="en-US" sz="900" dirty="0" smtClean="0">
-                  <a:latin typeface="微软雅黑" panose="020B0503020204020204" pitchFamily="34" charset="-122"/>
-                  <a:ea typeface="微软雅黑" panose="020B0503020204020204" pitchFamily="34" charset="-122"/>
-                </a:rPr>
-                <a:t>页面</a:t>
-              </a:r>
-              <a:endParaRPr lang="zh-CN" altLang="en-US" sz="900" dirty="0" smtClean="0">
-                <a:latin typeface="微软雅黑" panose="020B0503020204020204" pitchFamily="34" charset="-122"/>
-                <a:ea typeface="微软雅黑" panose="020B0503020204020204" pitchFamily="34" charset="-122"/>
-              </a:endParaRPr>
-            </a:p>
-            <a:p>
-              <a:pPr marL="171450" lvl="0" indent="-171450">
-                <a:lnSpc>
-                  <a:spcPts val="1500"/>
-                </a:lnSpc>
-                <a:buFont typeface="Wingdings" panose="05000000000000000000" pitchFamily="2" charset="2"/>
-                <a:buChar char="ü"/>
-              </a:pPr>
-              <a:endParaRPr lang="zh-CN" altLang="en-US" sz="900" dirty="0" smtClean="0">
-                <a:latin typeface="微软雅黑" panose="020B0503020204020204" pitchFamily="34" charset="-122"/>
-                <a:ea typeface="微软雅黑" panose="020B0503020204020204" pitchFamily="34" charset="-122"/>
-              </a:endParaRPr>
-            </a:p>
-          </p:txBody>
-        </p:sp>
-        <p:grpSp>
-          <p:nvGrpSpPr>
-            <p:cNvPr id="91" name="组合 90"/>
-            <p:cNvGrpSpPr/>
-            <p:nvPr/>
-          </p:nvGrpSpPr>
-          <p:grpSpPr>
-            <a:xfrm>
-              <a:off x="1448670" y="7853394"/>
-              <a:ext cx="1720663" cy="378450"/>
-              <a:chOff x="1404917" y="3745442"/>
-              <a:chExt cx="1720663" cy="378450"/>
-            </a:xfrm>
-          </p:grpSpPr>
-          <p:sp>
-            <p:nvSpPr>
-              <p:cNvPr id="92" name="圆角矩形 91"/>
-              <p:cNvSpPr/>
-              <p:nvPr/>
-            </p:nvSpPr>
-            <p:spPr>
-              <a:xfrm>
-                <a:off x="2484298" y="3983561"/>
-                <a:ext cx="641282" cy="140331"/>
-              </a:xfrm>
-              <a:prstGeom prst="roundRect">
-                <a:avLst>
-                  <a:gd name="adj" fmla="val 50000"/>
-                </a:avLst>
-              </a:prstGeom>
-              <a:solidFill>
-                <a:srgbClr val="E9ECFB"/>
-              </a:solidFill>
-              <a:ln>
-                <a:noFill/>
-              </a:ln>
-            </p:spPr>
-            <p:style>
-              <a:lnRef idx="2">
-                <a:schemeClr val="accent1">
-                  <a:shade val="50000"/>
-                </a:schemeClr>
-              </a:lnRef>
-              <a:fillRef idx="1">
-                <a:schemeClr val="accent1"/>
-              </a:fillRef>
-              <a:effectRef idx="0">
-                <a:schemeClr val="accent1"/>
-              </a:effectRef>
-              <a:fontRef idx="minor">
-                <a:schemeClr val="lt1"/>
-              </a:fontRef>
-            </p:style>
-            <p:txBody>
-              <a:bodyPr rtlCol="0" anchor="ctr"/>
-              <a:lstStyle/>
-              <a:p>
-                <a:pPr algn="ctr"/>
-                <a:r>
-                  <a:rPr lang="zh-CN" altLang="en-US" sz="800" dirty="0">
-                    <a:solidFill>
-                      <a:srgbClr val="6679DF"/>
-                    </a:solidFill>
-                    <a:latin typeface="微软雅黑" panose="020B0503020204020204" pitchFamily="34" charset="-122"/>
-                    <a:ea typeface="微软雅黑" panose="020B0503020204020204" pitchFamily="34" charset="-122"/>
-                  </a:rPr>
-                  <a:t>团队开发</a:t>
-                </a:r>
-                <a:endParaRPr lang="zh-CN" altLang="en-US" sz="800" dirty="0">
-                  <a:solidFill>
-                    <a:srgbClr val="6679DF"/>
-                  </a:solidFill>
-                  <a:latin typeface="微软雅黑" panose="020B0503020204020204" pitchFamily="34" charset="-122"/>
-                  <a:ea typeface="微软雅黑" panose="020B0503020204020204" pitchFamily="34" charset="-122"/>
-                </a:endParaRPr>
-              </a:p>
-            </p:txBody>
-          </p:sp>
-          <p:sp>
-            <p:nvSpPr>
-              <p:cNvPr id="93" name="文本框 92"/>
-              <p:cNvSpPr txBox="1"/>
-              <p:nvPr/>
-            </p:nvSpPr>
-            <p:spPr>
-              <a:xfrm>
-                <a:off x="1404917" y="3745442"/>
-                <a:ext cx="184731" cy="215444"/>
-              </a:xfrm>
-              <a:prstGeom prst="rect">
-                <a:avLst/>
-              </a:prstGeom>
-              <a:noFill/>
-            </p:spPr>
-            <p:txBody>
-              <a:bodyPr wrap="none" rtlCol="0">
-                <a:spAutoFit/>
-              </a:bodyPr>
-              <a:lstStyle/>
-              <a:p>
-                <a:endParaRPr lang="zh-CN" altLang="en-US" sz="800" dirty="0">
-                  <a:solidFill>
-                    <a:srgbClr val="6679DF"/>
-                  </a:solidFill>
-                  <a:latin typeface="微软雅黑" panose="020B0503020204020204" pitchFamily="34" charset="-122"/>
-                  <a:ea typeface="微软雅黑" panose="020B0503020204020204" pitchFamily="34" charset="-122"/>
-                </a:endParaRPr>
-              </a:p>
-            </p:txBody>
-          </p:sp>
-        </p:grpSp>
-        <p:sp>
-          <p:nvSpPr>
-            <p:cNvPr id="94" name="矩形 93"/>
-            <p:cNvSpPr/>
-            <p:nvPr/>
-          </p:nvSpPr>
-          <p:spPr>
-            <a:xfrm>
-              <a:off x="634877" y="8347355"/>
-              <a:ext cx="619690" cy="203200"/>
-            </a:xfrm>
-            <a:prstGeom prst="rect">
-              <a:avLst/>
-            </a:prstGeom>
-            <a:solidFill>
-              <a:srgbClr val="6679DF"/>
-            </a:solidFill>
-            <a:ln w="6350">
-              <a:noFill/>
-            </a:ln>
-          </p:spPr>
-          <p:style>
-            <a:lnRef idx="2">
-              <a:schemeClr val="accent1">
-                <a:shade val="50000"/>
-              </a:schemeClr>
-            </a:lnRef>
-            <a:fillRef idx="1">
-              <a:schemeClr val="accent1"/>
-            </a:fillRef>
-            <a:effectRef idx="0">
-              <a:schemeClr val="accent1"/>
-            </a:effectRef>
-            <a:fontRef idx="minor">
-              <a:schemeClr val="lt1"/>
-            </a:fontRef>
-          </p:style>
-          <p:txBody>
-            <a:bodyPr rtlCol="0" anchor="ctr"/>
-            <a:lstStyle/>
-            <a:p>
-              <a:pPr lvl="0" algn="ctr"/>
-              <a:r>
-                <a:rPr lang="en-US" altLang="zh-CN" sz="900" dirty="0" smtClean="0">
-                  <a:solidFill>
-                    <a:prstClr val="white"/>
-                  </a:solidFill>
-                  <a:latin typeface="微软雅黑" panose="020B0503020204020204" pitchFamily="34" charset="-122"/>
-                  <a:ea typeface="微软雅黑" panose="020B0503020204020204" pitchFamily="34" charset="-122"/>
-                </a:rPr>
-                <a:t>jquery</a:t>
-              </a:r>
-              <a:endParaRPr lang="zh-CN" altLang="en-US" dirty="0">
-                <a:solidFill>
-                  <a:prstClr val="black"/>
-                </a:solidFill>
-              </a:endParaRPr>
-            </a:p>
-          </p:txBody>
-        </p:sp>
-        <p:sp>
-          <p:nvSpPr>
-            <p:cNvPr id="95" name="矩形 94"/>
-            <p:cNvSpPr/>
-            <p:nvPr/>
-          </p:nvSpPr>
-          <p:spPr>
-            <a:xfrm>
-              <a:off x="1344144" y="8347355"/>
-              <a:ext cx="742024" cy="203200"/>
-            </a:xfrm>
-            <a:prstGeom prst="rect">
-              <a:avLst/>
-            </a:prstGeom>
-            <a:solidFill>
-              <a:srgbClr val="6679DF"/>
-            </a:solidFill>
-            <a:ln w="6350">
-              <a:noFill/>
-            </a:ln>
-          </p:spPr>
-          <p:style>
-            <a:lnRef idx="2">
-              <a:schemeClr val="accent1">
-                <a:shade val="50000"/>
-              </a:schemeClr>
-            </a:lnRef>
-            <a:fillRef idx="1">
-              <a:schemeClr val="accent1"/>
-            </a:fillRef>
-            <a:effectRef idx="0">
-              <a:schemeClr val="accent1"/>
-            </a:effectRef>
-            <a:fontRef idx="minor">
-              <a:schemeClr val="lt1"/>
-            </a:fontRef>
-          </p:style>
-          <p:txBody>
-            <a:bodyPr rtlCol="0" anchor="ctr"/>
-            <a:lstStyle/>
-            <a:p>
-              <a:pPr lvl="0"/>
-              <a:r>
-                <a:rPr lang="en-US" altLang="zh-CN" sz="900" dirty="0" err="1" smtClean="0">
-                  <a:solidFill>
-                    <a:prstClr val="white"/>
-                  </a:solidFill>
-                  <a:latin typeface="微软雅黑" panose="020B0503020204020204" pitchFamily="34" charset="-122"/>
-                  <a:ea typeface="微软雅黑" panose="020B0503020204020204" pitchFamily="34" charset="-122"/>
-                </a:rPr>
-                <a:t>bootstarp</a:t>
-              </a:r>
-              <a:endParaRPr lang="zh-CN" altLang="en-US" dirty="0">
-                <a:solidFill>
-                  <a:prstClr val="black"/>
-                </a:solidFill>
-              </a:endParaRPr>
-            </a:p>
-          </p:txBody>
-        </p:sp>
-      </p:grpSp>
       <p:grpSp>
         <p:nvGrpSpPr>
           <p:cNvPr id="54" name="组合 53"/>
@@ -6204,10 +4918,10 @@
         </p:nvGrpSpPr>
         <p:grpSpPr>
           <a:xfrm>
-            <a:off x="302260" y="3387725"/>
-            <a:ext cx="2955290" cy="1621790"/>
-            <a:chOff x="464" y="6489"/>
-            <a:chExt cx="4654" cy="2554"/>
+            <a:off x="309245" y="3074670"/>
+            <a:ext cx="2990215" cy="2207895"/>
+            <a:chOff x="488" y="6489"/>
+            <a:chExt cx="4709" cy="3477"/>
           </a:xfrm>
         </p:grpSpPr>
         <p:sp>
@@ -6218,7 +4932,7 @@
           </p:nvSpPr>
           <p:spPr>
             <a:xfrm flipH="1">
-              <a:off x="464" y="6700"/>
+              <a:off x="488" y="6744"/>
               <a:ext cx="133" cy="133"/>
             </a:xfrm>
             <a:prstGeom prst="ellipse">
@@ -6267,7 +4981,7 @@
           <p:spPr>
             <a:xfrm>
               <a:off x="598" y="6489"/>
-              <a:ext cx="3108" cy="522"/>
+              <a:ext cx="3589" cy="907"/>
             </a:xfrm>
             <a:prstGeom prst="rect">
               <a:avLst/>
@@ -6279,32 +4993,11 @@
             </a:bodyPr>
             <a:lstStyle/>
             <a:p>
-              <a:pPr lvl="0">
+              <a:pPr lvl="0" algn="l">
                 <a:lnSpc>
                   <a:spcPct val="150000"/>
                 </a:lnSpc>
               </a:pPr>
-              <a:r>
-                <a:rPr lang="zh-CN" altLang="en-US" sz="1050" b="1" dirty="0" err="1" smtClean="0">
-                  <a:latin typeface="微软雅黑" panose="020B0503020204020204" pitchFamily="34" charset="-122"/>
-                  <a:ea typeface="微软雅黑" panose="020B0503020204020204" pitchFamily="34" charset="-122"/>
-                </a:rPr>
-                <a:t>最美大理</a:t>
-              </a:r>
-              <a:r>
-                <a:rPr lang="en-US" altLang="zh-CN" sz="1050" b="1" dirty="0" err="1" smtClean="0">
-                  <a:latin typeface="微软雅黑" panose="020B0503020204020204" pitchFamily="34" charset="-122"/>
-                  <a:ea typeface="微软雅黑" panose="020B0503020204020204" pitchFamily="34" charset="-122"/>
-                </a:rPr>
-                <a:t>-</a:t>
-              </a:r>
-              <a:r>
-                <a:rPr lang="zh-CN" altLang="en-US" sz="1050" b="1" dirty="0" err="1" smtClean="0">
-                  <a:latin typeface="微软雅黑" panose="020B0503020204020204" pitchFamily="34" charset="-122"/>
-                  <a:ea typeface="微软雅黑" panose="020B0503020204020204" pitchFamily="34" charset="-122"/>
-                </a:rPr>
-                <a:t>类似于</a:t>
-              </a:r>
               <a:r>
                 <a:rPr lang="en-US" altLang="zh-CN" sz="1050" b="1" dirty="0" err="1" smtClean="0">
                   <a:latin typeface="微软雅黑" panose="020B0503020204020204" pitchFamily="34" charset="-122"/>
@@ -6319,7 +5012,41 @@
                 </a:rPr>
                 <a:t>管理平台</a:t>
               </a:r>
-              <a:endParaRPr lang="zh-CN" altLang="en-US" sz="1050" b="1" dirty="0" err="1" smtClean="0">
+              <a:r>
+                <a:rPr lang="en-US" altLang="zh-CN" sz="1050" b="1" dirty="0" err="1" smtClean="0">
+                  <a:latin typeface="微软雅黑" panose="020B0503020204020204" pitchFamily="34" charset="-122"/>
+                  <a:ea typeface="微软雅黑" panose="020B0503020204020204" pitchFamily="34" charset="-122"/>
+                </a:rPr>
+                <a:t>&amp;&amp;</a:t>
+              </a:r>
+              <a:r>
+                <a:rPr lang="en-US" altLang="zh-CN" sz="1050" b="1" dirty="0" err="1" smtClean="0">
+                  <a:latin typeface="微软雅黑" panose="020B0503020204020204" pitchFamily="34" charset="-122"/>
+                  <a:ea typeface="微软雅黑" panose="020B0503020204020204" pitchFamily="34" charset="-122"/>
+                  <a:sym typeface="+mn-ea"/>
+                </a:rPr>
+                <a:t>app</a:t>
+              </a:r>
+              <a:r>
+                <a:rPr lang="zh-CN" altLang="en-US" sz="1050" b="1" dirty="0" err="1" smtClean="0">
+                  <a:latin typeface="微软雅黑" panose="020B0503020204020204" pitchFamily="34" charset="-122"/>
+                  <a:ea typeface="微软雅黑" panose="020B0503020204020204" pitchFamily="34" charset="-122"/>
+                  <a:sym typeface="+mn-ea"/>
+                </a:rPr>
+                <a:t>后台管理平台</a:t>
+              </a:r>
+              <a:endParaRPr lang="en-US" altLang="zh-CN" sz="1050" b="1" dirty="0">
+                <a:latin typeface="微软雅黑" panose="020B0503020204020204" pitchFamily="34" charset="-122"/>
+                <a:ea typeface="微软雅黑" panose="020B0503020204020204" pitchFamily="34" charset="-122"/>
+              </a:endParaRPr>
+            </a:p>
+            <a:p>
+              <a:pPr lvl="0">
+                <a:lnSpc>
+                  <a:spcPct val="150000"/>
+                </a:lnSpc>
+              </a:pPr>
+              <a:endParaRPr lang="en-US" altLang="zh-CN" sz="1050" b="1" dirty="0" err="1" smtClean="0">
                 <a:latin typeface="微软雅黑" panose="020B0503020204020204" pitchFamily="34" charset="-122"/>
                 <a:ea typeface="微软雅黑" panose="020B0503020204020204" pitchFamily="34" charset="-122"/>
               </a:endParaRPr>
@@ -6395,7 +5122,7 @@
           <p:spPr>
             <a:xfrm>
               <a:off x="598" y="7399"/>
-              <a:ext cx="4520" cy="1644"/>
+              <a:ext cx="4520" cy="2567"/>
             </a:xfrm>
             <a:prstGeom prst="rect">
               <a:avLst/>
@@ -6522,6 +5249,128 @@
                   <a:ea typeface="微软雅黑" panose="020B0503020204020204" pitchFamily="34" charset="-122"/>
                 </a:rPr>
                 <a:t>搭配后台管理权限方便运营管理</a:t>
+              </a:r>
+              <a:endParaRPr lang="zh-CN" altLang="en-US" sz="900" dirty="0">
+                <a:latin typeface="微软雅黑" panose="020B0503020204020204" pitchFamily="34" charset="-122"/>
+                <a:ea typeface="微软雅黑" panose="020B0503020204020204" pitchFamily="34" charset="-122"/>
+              </a:endParaRPr>
+            </a:p>
+            <a:p>
+              <a:pPr marL="171450" lvl="0" indent="-171450">
+                <a:lnSpc>
+                  <a:spcPts val="1500"/>
+                </a:lnSpc>
+                <a:buFont typeface="Wingdings" panose="05000000000000000000" pitchFamily="2" charset="2"/>
+                <a:buChar char="ü"/>
+              </a:pPr>
+              <a:r>
+                <a:rPr lang="zh-CN" altLang="en-US" sz="900" dirty="0" smtClean="0">
+                  <a:latin typeface="微软雅黑" panose="020B0503020204020204" pitchFamily="34" charset="-122"/>
+                  <a:ea typeface="微软雅黑" panose="020B0503020204020204" pitchFamily="34" charset="-122"/>
+                  <a:sym typeface="+mn-ea"/>
+                </a:rPr>
+                <a:t>主要负责页面布局和</a:t>
+              </a:r>
+              <a:r>
+                <a:rPr lang="en-US" altLang="zh-CN" sz="900" dirty="0" smtClean="0">
+                  <a:latin typeface="微软雅黑" panose="020B0503020204020204" pitchFamily="34" charset="-122"/>
+                  <a:ea typeface="微软雅黑" panose="020B0503020204020204" pitchFamily="34" charset="-122"/>
+                  <a:sym typeface="+mn-ea"/>
+                </a:rPr>
+                <a:t>js</a:t>
+              </a:r>
+              <a:r>
+                <a:rPr lang="zh-CN" altLang="en-US" sz="900" dirty="0" smtClean="0">
+                  <a:latin typeface="微软雅黑" panose="020B0503020204020204" pitchFamily="34" charset="-122"/>
+                  <a:ea typeface="微软雅黑" panose="020B0503020204020204" pitchFamily="34" charset="-122"/>
+                  <a:sym typeface="+mn-ea"/>
+                </a:rPr>
+                <a:t>交互</a:t>
+              </a:r>
+              <a:endParaRPr lang="zh-CN" altLang="en-US" sz="900" dirty="0" smtClean="0">
+                <a:latin typeface="微软雅黑" panose="020B0503020204020204" pitchFamily="34" charset="-122"/>
+                <a:ea typeface="微软雅黑" panose="020B0503020204020204" pitchFamily="34" charset="-122"/>
+              </a:endParaRPr>
+            </a:p>
+            <a:p>
+              <a:pPr marL="171450" lvl="0" indent="-171450">
+                <a:lnSpc>
+                  <a:spcPts val="1500"/>
+                </a:lnSpc>
+                <a:buFont typeface="Wingdings" panose="05000000000000000000" pitchFamily="2" charset="2"/>
+                <a:buChar char="ü"/>
+              </a:pPr>
+              <a:r>
+                <a:rPr lang="zh-CN" altLang="en-US" sz="900" dirty="0" smtClean="0">
+                  <a:latin typeface="微软雅黑" panose="020B0503020204020204" pitchFamily="34" charset="-122"/>
+                  <a:ea typeface="微软雅黑" panose="020B0503020204020204" pitchFamily="34" charset="-122"/>
+                  <a:sym typeface="+mn-ea"/>
+                </a:rPr>
+                <a:t>因为后台喜欢</a:t>
+              </a:r>
+              <a:r>
+                <a:rPr lang="en-US" altLang="zh-CN" sz="900" dirty="0" smtClean="0">
+                  <a:latin typeface="微软雅黑" panose="020B0503020204020204" pitchFamily="34" charset="-122"/>
+                  <a:ea typeface="微软雅黑" panose="020B0503020204020204" pitchFamily="34" charset="-122"/>
+                  <a:sym typeface="+mn-ea"/>
+                </a:rPr>
+                <a:t>jquery</a:t>
+              </a:r>
+              <a:r>
+                <a:rPr lang="zh-CN" altLang="en-US" sz="900" dirty="0" smtClean="0">
+                  <a:latin typeface="微软雅黑" panose="020B0503020204020204" pitchFamily="34" charset="-122"/>
+                  <a:ea typeface="微软雅黑" panose="020B0503020204020204" pitchFamily="34" charset="-122"/>
+                  <a:sym typeface="+mn-ea"/>
+                </a:rPr>
+                <a:t>。所以基本使用</a:t>
+              </a:r>
+              <a:r>
+                <a:rPr lang="en-US" altLang="zh-CN" sz="900" dirty="0" smtClean="0">
+                  <a:latin typeface="微软雅黑" panose="020B0503020204020204" pitchFamily="34" charset="-122"/>
+                  <a:ea typeface="微软雅黑" panose="020B0503020204020204" pitchFamily="34" charset="-122"/>
+                  <a:sym typeface="+mn-ea"/>
+                </a:rPr>
+                <a:t>jquery</a:t>
+              </a:r>
+              <a:r>
+                <a:rPr lang="zh-CN" altLang="en-US" sz="900" dirty="0" smtClean="0">
+                  <a:latin typeface="微软雅黑" panose="020B0503020204020204" pitchFamily="34" charset="-122"/>
+                  <a:ea typeface="微软雅黑" panose="020B0503020204020204" pitchFamily="34" charset="-122"/>
+                  <a:sym typeface="+mn-ea"/>
+                </a:rPr>
+                <a:t>和</a:t>
+              </a:r>
+              <a:r>
+                <a:rPr lang="en-US" altLang="zh-CN" sz="900" dirty="0" smtClean="0">
+                  <a:latin typeface="微软雅黑" panose="020B0503020204020204" pitchFamily="34" charset="-122"/>
+                  <a:ea typeface="微软雅黑" panose="020B0503020204020204" pitchFamily="34" charset="-122"/>
+                  <a:sym typeface="+mn-ea"/>
+                </a:rPr>
+                <a:t>bootstarp</a:t>
+              </a:r>
+              <a:r>
+                <a:rPr lang="zh-CN" altLang="en-US" sz="900" dirty="0" smtClean="0">
+                  <a:latin typeface="微软雅黑" panose="020B0503020204020204" pitchFamily="34" charset="-122"/>
+                  <a:ea typeface="微软雅黑" panose="020B0503020204020204" pitchFamily="34" charset="-122"/>
+                  <a:sym typeface="+mn-ea"/>
+                </a:rPr>
+                <a:t>帮助他们开发</a:t>
+              </a:r>
+              <a:r>
+                <a:rPr lang="en-US" altLang="zh-CN" sz="900" dirty="0" smtClean="0">
+                  <a:latin typeface="微软雅黑" panose="020B0503020204020204" pitchFamily="34" charset="-122"/>
+                  <a:ea typeface="微软雅黑" panose="020B0503020204020204" pitchFamily="34" charset="-122"/>
+                  <a:sym typeface="+mn-ea"/>
+                </a:rPr>
+                <a:t>jsp</a:t>
+              </a:r>
+              <a:r>
+                <a:rPr lang="zh-CN" altLang="en-US" sz="900" dirty="0" smtClean="0">
+                  <a:latin typeface="微软雅黑" panose="020B0503020204020204" pitchFamily="34" charset="-122"/>
+                  <a:ea typeface="微软雅黑" panose="020B0503020204020204" pitchFamily="34" charset="-122"/>
+                  <a:sym typeface="+mn-ea"/>
+                </a:rPr>
+                <a:t>页面</a:t>
               </a:r>
               <a:endParaRPr lang="zh-CN" altLang="en-US" sz="900" dirty="0">
                 <a:latin typeface="微软雅黑" panose="020B0503020204020204" pitchFamily="34" charset="-122"/>
@@ -6718,7 +5567,7 @@
           </p:nvSpPr>
           <p:spPr>
             <a:xfrm>
-              <a:off x="3788" y="6696"/>
+              <a:off x="4187" y="6656"/>
               <a:ext cx="1010" cy="221"/>
             </a:xfrm>
             <a:prstGeom prst="roundRect">
@@ -6785,477 +5634,41 @@
           </p:txBody>
         </p:sp>
       </p:grpSp>
-      <p:sp>
-        <p:nvSpPr>
-          <p:cNvPr id="73" name="圆角矩形 72"/>
-          <p:cNvSpPr/>
-          <p:nvPr/>
-        </p:nvSpPr>
-        <p:spPr>
-          <a:xfrm>
-            <a:off x="2463165" y="2120900"/>
-            <a:ext cx="641350" cy="140335"/>
-          </a:xfrm>
-          <a:prstGeom prst="roundRect">
-            <a:avLst>
-              <a:gd name="adj" fmla="val 50000"/>
-            </a:avLst>
-          </a:prstGeom>
-          <a:solidFill>
-            <a:srgbClr val="E9ECFB"/>
-          </a:solidFill>
-          <a:ln>
-            <a:noFill/>
-          </a:ln>
-        </p:spPr>
-        <p:style>
-          <a:lnRef idx="2">
-            <a:schemeClr val="accent1">
-              <a:shade val="50000"/>
-            </a:schemeClr>
-          </a:lnRef>
-          <a:fillRef idx="1">
-            <a:schemeClr val="accent1"/>
-          </a:fillRef>
-          <a:effectRef idx="0">
-            <a:schemeClr val="accent1"/>
-          </a:effectRef>
-          <a:fontRef idx="minor">
-            <a:schemeClr val="lt1"/>
-          </a:fontRef>
-        </p:style>
-        <p:txBody>
-          <a:bodyPr rtlCol="0" anchor="ctr"/>
-          <a:lstStyle/>
-          <a:p>
-            <a:pPr algn="ctr"/>
-            <a:r>
-              <a:rPr lang="zh-CN" altLang="en-US" sz="800" dirty="0">
-                <a:solidFill>
-                  <a:srgbClr val="6679DF"/>
-                </a:solidFill>
-                <a:latin typeface="微软雅黑" panose="020B0503020204020204" pitchFamily="34" charset="-122"/>
-                <a:ea typeface="微软雅黑" panose="020B0503020204020204" pitchFamily="34" charset="-122"/>
-              </a:rPr>
-              <a:t>团队开发</a:t>
-            </a:r>
-            <a:endParaRPr lang="zh-CN" altLang="en-US" sz="800" dirty="0">
-              <a:solidFill>
-                <a:srgbClr val="6679DF"/>
-              </a:solidFill>
-              <a:latin typeface="微软雅黑" panose="020B0503020204020204" pitchFamily="34" charset="-122"/>
-              <a:ea typeface="微软雅黑" panose="020B0503020204020204" pitchFamily="34" charset="-122"/>
-            </a:endParaRPr>
-          </a:p>
-        </p:txBody>
-      </p:sp>
       <p:grpSp>
         <p:nvGrpSpPr>
-          <p:cNvPr id="40" name="组合 39"/>
+          <p:cNvPr id="93" name="组合 92"/>
           <p:cNvGrpSpPr/>
           <p:nvPr/>
         </p:nvGrpSpPr>
         <p:grpSpPr>
-          <a:xfrm rot="0">
-            <a:off x="3596005" y="6700520"/>
-            <a:ext cx="2856230" cy="1973084"/>
-            <a:chOff x="416608" y="3816650"/>
-            <a:chExt cx="2856499" cy="1651714"/>
+          <a:xfrm>
+            <a:off x="294640" y="1674475"/>
+            <a:ext cx="3079115" cy="1664283"/>
+            <a:chOff x="598" y="2834"/>
+            <a:chExt cx="4849" cy="2621"/>
           </a:xfrm>
         </p:grpSpPr>
         <p:sp>
           <p:nvSpPr>
-            <p:cNvPr id="41" name="矩形 40"/>
+            <p:cNvPr id="24" name="椭圆 23"/>
             <p:cNvSpPr/>
             <p:nvPr/>
           </p:nvSpPr>
           <p:spPr>
-            <a:xfrm>
-              <a:off x="416608" y="3816650"/>
-              <a:ext cx="2415132" cy="225387"/>
+            <a:xfrm flipH="1">
+              <a:off x="598" y="3046"/>
+              <a:ext cx="133" cy="133"/>
             </a:xfrm>
-            <a:prstGeom prst="rect">
-              <a:avLst/>
-            </a:prstGeom>
-          </p:spPr>
-          <p:txBody>
-            <a:bodyPr wrap="square">
-              <a:spAutoFit/>
-            </a:bodyPr>
-            <a:p>
-              <a:pPr lvl="0">
-                <a:lnSpc>
-                  <a:spcPts val="1400"/>
-                </a:lnSpc>
-              </a:pPr>
-              <a:r>
-                <a:rPr lang="en-US" altLang="zh-CN" sz="900" dirty="0" smtClean="0">
-                  <a:latin typeface="微软雅黑" panose="020B0503020204020204" pitchFamily="34" charset="-122"/>
-                  <a:ea typeface="微软雅黑" panose="020B0503020204020204" pitchFamily="34" charset="-122"/>
-                </a:rPr>
-                <a:t>2016.11 </a:t>
-              </a:r>
-              <a:r>
-                <a:rPr lang="en-US" altLang="zh-CN" sz="900" dirty="0">
-                  <a:latin typeface="微软雅黑" panose="020B0503020204020204" pitchFamily="34" charset="-122"/>
-                  <a:ea typeface="微软雅黑" panose="020B0503020204020204" pitchFamily="34" charset="-122"/>
-                </a:rPr>
-                <a:t>- </a:t>
-              </a:r>
-              <a:r>
-                <a:rPr lang="zh-CN" altLang="en-US" sz="900" dirty="0">
-                  <a:latin typeface="微软雅黑" panose="020B0503020204020204" pitchFamily="34" charset="-122"/>
-                  <a:ea typeface="微软雅黑" panose="020B0503020204020204" pitchFamily="34" charset="-122"/>
-                </a:rPr>
-                <a:t>至今  </a:t>
-              </a:r>
-              <a:r>
-                <a:rPr lang="en-US" altLang="zh-CN" sz="900" dirty="0">
-                  <a:latin typeface="微软雅黑" panose="020B0503020204020204" pitchFamily="34" charset="-122"/>
-                  <a:ea typeface="微软雅黑" panose="020B0503020204020204" pitchFamily="34" charset="-122"/>
-                </a:rPr>
-                <a:t>web</a:t>
-              </a:r>
-              <a:r>
-                <a:rPr lang="zh-CN" altLang="en-US" sz="900" dirty="0">
-                  <a:latin typeface="微软雅黑" panose="020B0503020204020204" pitchFamily="34" charset="-122"/>
-                  <a:ea typeface="微软雅黑" panose="020B0503020204020204" pitchFamily="34" charset="-122"/>
-                </a:rPr>
-                <a:t>前端开发  </a:t>
-              </a:r>
-              <a:r>
-                <a:rPr lang="en-US" altLang="zh-CN" sz="900" dirty="0">
-                  <a:latin typeface="微软雅黑" panose="020B0503020204020204" pitchFamily="34" charset="-122"/>
-                  <a:ea typeface="微软雅黑" panose="020B0503020204020204" pitchFamily="34" charset="-122"/>
-                </a:rPr>
-                <a:t>| </a:t>
-              </a:r>
-              <a:r>
-                <a:rPr lang="zh-CN" altLang="en-US" sz="900" dirty="0">
-                  <a:latin typeface="微软雅黑" panose="020B0503020204020204" pitchFamily="34" charset="-122"/>
-                  <a:ea typeface="微软雅黑" panose="020B0503020204020204" pitchFamily="34" charset="-122"/>
-                </a:rPr>
-                <a:t>产品设计部</a:t>
-              </a:r>
-              <a:endParaRPr lang="zh-CN" altLang="en-US" sz="900" dirty="0">
-                <a:latin typeface="微软雅黑" panose="020B0503020204020204" pitchFamily="34" charset="-122"/>
-                <a:ea typeface="微软雅黑" panose="020B0503020204020204" pitchFamily="34" charset="-122"/>
-              </a:endParaRPr>
-            </a:p>
-          </p:txBody>
-        </p:sp>
-        <p:sp>
-          <p:nvSpPr>
-            <p:cNvPr id="44" name="矩形 43"/>
-            <p:cNvSpPr/>
-            <p:nvPr/>
-          </p:nvSpPr>
-          <p:spPr>
-            <a:xfrm>
-              <a:off x="421688" y="4042141"/>
-              <a:ext cx="1353312" cy="277481"/>
-            </a:xfrm>
-            <a:prstGeom prst="rect">
-              <a:avLst/>
-            </a:prstGeom>
-          </p:spPr>
-          <p:txBody>
-            <a:bodyPr wrap="square">
-              <a:spAutoFit/>
-            </a:bodyPr>
-            <a:p>
-              <a:pPr lvl="0" algn="l">
-                <a:lnSpc>
-                  <a:spcPct val="150000"/>
-                </a:lnSpc>
-              </a:pPr>
-              <a:r>
-                <a:rPr lang="zh-CN" sz="1050" b="1">
-                  <a:latin typeface="微软雅黑" panose="020B0503020204020204" pitchFamily="34" charset="-122"/>
-                  <a:ea typeface="微软雅黑" panose="020B0503020204020204" pitchFamily="34" charset="-122"/>
-                </a:rPr>
-                <a:t>银江股份 </a:t>
-              </a:r>
-              <a:r>
-                <a:rPr lang="en-US" altLang="zh-CN" sz="1050" b="1">
-                  <a:latin typeface="微软雅黑" panose="020B0503020204020204" pitchFamily="34" charset="-122"/>
-                  <a:ea typeface="微软雅黑" panose="020B0503020204020204" pitchFamily="34" charset="-122"/>
-                </a:rPr>
-                <a:t>-- </a:t>
-              </a:r>
-              <a:r>
-                <a:rPr lang="zh-CN" altLang="en-US" sz="1050" b="1">
-                  <a:latin typeface="微软雅黑" panose="020B0503020204020204" pitchFamily="34" charset="-122"/>
-                  <a:ea typeface="微软雅黑" panose="020B0503020204020204" pitchFamily="34" charset="-122"/>
-                </a:rPr>
-                <a:t>城市宝</a:t>
-              </a:r>
-              <a:r>
-                <a:rPr sz="1050" b="1">
-                  <a:latin typeface="微软雅黑" panose="020B0503020204020204" pitchFamily="34" charset="-122"/>
-                  <a:ea typeface="微软雅黑" panose="020B0503020204020204" pitchFamily="34" charset="-122"/>
-                </a:rPr>
-                <a:t> </a:t>
-              </a:r>
-              <a:endParaRPr sz="1050" b="1">
-                <a:latin typeface="微软雅黑" panose="020B0503020204020204" pitchFamily="34" charset="-122"/>
-                <a:ea typeface="微软雅黑" panose="020B0503020204020204" pitchFamily="34" charset="-122"/>
-              </a:endParaRPr>
-            </a:p>
-          </p:txBody>
-        </p:sp>
-        <p:sp>
-          <p:nvSpPr>
-            <p:cNvPr id="47" name="矩形 46"/>
-            <p:cNvSpPr/>
-            <p:nvPr/>
-          </p:nvSpPr>
-          <p:spPr>
-            <a:xfrm>
-              <a:off x="416608" y="4434986"/>
-              <a:ext cx="2856499" cy="1033378"/>
-            </a:xfrm>
-            <a:prstGeom prst="rect">
-              <a:avLst/>
-            </a:prstGeom>
-          </p:spPr>
-          <p:txBody>
-            <a:bodyPr wrap="square">
-              <a:spAutoFit/>
-            </a:bodyPr>
-            <a:p>
-              <a:pPr marL="171450" lvl="0" indent="-171450">
-                <a:lnSpc>
-                  <a:spcPts val="1500"/>
-                </a:lnSpc>
-                <a:buFont typeface="Wingdings" panose="05000000000000000000" pitchFamily="2" charset="2"/>
-                <a:buChar char="ü"/>
-              </a:pPr>
-              <a:r>
-                <a:rPr sz="900" dirty="0" smtClean="0">
-                  <a:latin typeface="微软雅黑" panose="020B0503020204020204" pitchFamily="34" charset="-122"/>
-                  <a:ea typeface="微软雅黑" panose="020B0503020204020204" pitchFamily="34" charset="-122"/>
-                </a:rPr>
-                <a:t>负责参与</a:t>
-              </a:r>
-              <a:r>
-                <a:rPr lang="zh-CN" sz="900" dirty="0" smtClean="0">
-                  <a:latin typeface="微软雅黑" panose="020B0503020204020204" pitchFamily="34" charset="-122"/>
-                  <a:ea typeface="微软雅黑" panose="020B0503020204020204" pitchFamily="34" charset="-122"/>
-                </a:rPr>
-                <a:t>公司内网</a:t>
-              </a:r>
-              <a:r>
-                <a:rPr sz="900" dirty="0" smtClean="0">
-                  <a:latin typeface="微软雅黑" panose="020B0503020204020204" pitchFamily="34" charset="-122"/>
-                  <a:ea typeface="微软雅黑" panose="020B0503020204020204" pitchFamily="34" charset="-122"/>
-                </a:rPr>
-                <a:t>、</a:t>
-              </a:r>
-              <a:r>
-                <a:rPr lang="zh-CN" sz="900" dirty="0" smtClean="0">
-                  <a:latin typeface="微软雅黑" panose="020B0503020204020204" pitchFamily="34" charset="-122"/>
-                  <a:ea typeface="微软雅黑" panose="020B0503020204020204" pitchFamily="34" charset="-122"/>
-                </a:rPr>
-                <a:t>公司</a:t>
-              </a:r>
-              <a:r>
-                <a:rPr lang="en-US" altLang="zh-CN" sz="900" dirty="0" smtClean="0">
-                  <a:latin typeface="微软雅黑" panose="020B0503020204020204" pitchFamily="34" charset="-122"/>
-                  <a:ea typeface="微软雅黑" panose="020B0503020204020204" pitchFamily="34" charset="-122"/>
-                </a:rPr>
-                <a:t>app H5</a:t>
-              </a:r>
-              <a:r>
-                <a:rPr lang="zh-CN" altLang="en-US" sz="900" dirty="0" smtClean="0">
-                  <a:latin typeface="微软雅黑" panose="020B0503020204020204" pitchFamily="34" charset="-122"/>
-                  <a:ea typeface="微软雅黑" panose="020B0503020204020204" pitchFamily="34" charset="-122"/>
-                </a:rPr>
-                <a:t>页面</a:t>
-              </a:r>
-              <a:r>
-                <a:rPr sz="900" dirty="0" smtClean="0">
-                  <a:latin typeface="微软雅黑" panose="020B0503020204020204" pitchFamily="34" charset="-122"/>
-                  <a:ea typeface="微软雅黑" panose="020B0503020204020204" pitchFamily="34" charset="-122"/>
-                </a:rPr>
-                <a:t>, </a:t>
-              </a:r>
-              <a:r>
-                <a:rPr lang="zh-CN" sz="900" dirty="0" smtClean="0">
-                  <a:latin typeface="微软雅黑" panose="020B0503020204020204" pitchFamily="34" charset="-122"/>
-                  <a:ea typeface="微软雅黑" panose="020B0503020204020204" pitchFamily="34" charset="-122"/>
-                </a:rPr>
-                <a:t>后台管理平台</a:t>
-              </a:r>
-              <a:r>
-                <a:rPr sz="900" dirty="0" smtClean="0">
-                  <a:latin typeface="微软雅黑" panose="020B0503020204020204" pitchFamily="34" charset="-122"/>
-                  <a:ea typeface="微软雅黑" panose="020B0503020204020204" pitchFamily="34" charset="-122"/>
-                </a:rPr>
-                <a:t>设计与前端开发</a:t>
-              </a:r>
-              <a:r>
-                <a:rPr lang="zh-CN" sz="900" dirty="0" smtClean="0">
-                  <a:latin typeface="微软雅黑" panose="020B0503020204020204" pitchFamily="34" charset="-122"/>
-                  <a:ea typeface="微软雅黑" panose="020B0503020204020204" pitchFamily="34" charset="-122"/>
-                </a:rPr>
-                <a:t>之类的</a:t>
-              </a:r>
-              <a:r>
-                <a:rPr sz="900" dirty="0" smtClean="0">
-                  <a:latin typeface="微软雅黑" panose="020B0503020204020204" pitchFamily="34" charset="-122"/>
-                  <a:ea typeface="微软雅黑" panose="020B0503020204020204" pitchFamily="34" charset="-122"/>
-                </a:rPr>
-                <a:t>开发.</a:t>
-              </a:r>
-              <a:endParaRPr sz="900" dirty="0" smtClean="0">
-                <a:latin typeface="微软雅黑" panose="020B0503020204020204" pitchFamily="34" charset="-122"/>
-                <a:ea typeface="微软雅黑" panose="020B0503020204020204" pitchFamily="34" charset="-122"/>
-              </a:endParaRPr>
-            </a:p>
-            <a:p>
-              <a:pPr marL="171450" lvl="0" indent="-171450">
-                <a:lnSpc>
-                  <a:spcPts val="1500"/>
-                </a:lnSpc>
-                <a:buFont typeface="Wingdings" panose="05000000000000000000" pitchFamily="2" charset="2"/>
-                <a:buChar char="ü"/>
-              </a:pPr>
-              <a:r>
-                <a:rPr sz="900" dirty="0" smtClean="0">
-                  <a:latin typeface="微软雅黑" panose="020B0503020204020204" pitchFamily="34" charset="-122"/>
-                  <a:ea typeface="微软雅黑" panose="020B0503020204020204" pitchFamily="34" charset="-122"/>
-                </a:rPr>
-                <a:t>持续优化前端体验和页面响应速度，并保证适配、兼容性和执行效率；</a:t>
-              </a:r>
-              <a:endParaRPr sz="900" dirty="0" smtClean="0">
-                <a:latin typeface="微软雅黑" panose="020B0503020204020204" pitchFamily="34" charset="-122"/>
-                <a:ea typeface="微软雅黑" panose="020B0503020204020204" pitchFamily="34" charset="-122"/>
-              </a:endParaRPr>
-            </a:p>
-            <a:p>
-              <a:pPr marL="171450" lvl="0" indent="-171450">
-                <a:lnSpc>
-                  <a:spcPts val="1500"/>
-                </a:lnSpc>
-                <a:buFont typeface="Wingdings" panose="05000000000000000000" pitchFamily="2" charset="2"/>
-                <a:buChar char="ü"/>
-              </a:pPr>
-              <a:r>
-                <a:rPr sz="900" dirty="0" smtClean="0">
-                  <a:latin typeface="微软雅黑" panose="020B0503020204020204" pitchFamily="34" charset="-122"/>
-                  <a:ea typeface="微软雅黑" panose="020B0503020204020204" pitchFamily="34" charset="-122"/>
-                </a:rPr>
-                <a:t>配合服务端</a:t>
-              </a:r>
-              <a:r>
-                <a:rPr lang="en-US" sz="900" dirty="0" smtClean="0">
-                  <a:latin typeface="微软雅黑" panose="020B0503020204020204" pitchFamily="34" charset="-122"/>
-                  <a:ea typeface="微软雅黑" panose="020B0503020204020204" pitchFamily="34" charset="-122"/>
-                </a:rPr>
-                <a:t>java</a:t>
-              </a:r>
-              <a:r>
-                <a:rPr sz="900" dirty="0" smtClean="0">
-                  <a:latin typeface="微软雅黑" panose="020B0503020204020204" pitchFamily="34" charset="-122"/>
-                  <a:ea typeface="微软雅黑" panose="020B0503020204020204" pitchFamily="34" charset="-122"/>
-                </a:rPr>
-                <a:t>工程师</a:t>
-              </a:r>
-              <a:r>
-                <a:rPr lang="zh-CN" sz="900" dirty="0" smtClean="0">
-                  <a:latin typeface="微软雅黑" panose="020B0503020204020204" pitchFamily="34" charset="-122"/>
-                  <a:ea typeface="微软雅黑" panose="020B0503020204020204" pitchFamily="34" charset="-122"/>
-                </a:rPr>
-                <a:t>和安卓开发人员</a:t>
-              </a:r>
-              <a:r>
-                <a:rPr sz="900" dirty="0" smtClean="0">
-                  <a:latin typeface="微软雅黑" panose="020B0503020204020204" pitchFamily="34" charset="-122"/>
-                  <a:ea typeface="微软雅黑" panose="020B0503020204020204" pitchFamily="34" charset="-122"/>
-                </a:rPr>
-                <a:t>一起研讨技术实现方案，进行应用及系统集成；</a:t>
-              </a:r>
-              <a:endParaRPr lang="en-US" altLang="zh-CN" sz="900" dirty="0">
-                <a:latin typeface="微软雅黑" panose="020B0503020204020204" pitchFamily="34" charset="-122"/>
-                <a:ea typeface="微软雅黑" panose="020B0503020204020204" pitchFamily="34" charset="-122"/>
-              </a:endParaRPr>
-            </a:p>
-          </p:txBody>
-        </p:sp>
-      </p:grpSp>
-      <p:grpSp>
-        <p:nvGrpSpPr>
-          <p:cNvPr id="2" name="组合 1"/>
-          <p:cNvGrpSpPr/>
-          <p:nvPr/>
-        </p:nvGrpSpPr>
-        <p:grpSpPr>
-          <a:xfrm rot="0">
-            <a:off x="382905" y="5975868"/>
-            <a:ext cx="2866390" cy="1387490"/>
-            <a:chOff x="418451" y="7853394"/>
-            <a:chExt cx="2866088" cy="1387453"/>
-          </a:xfrm>
-        </p:grpSpPr>
-        <p:sp>
-          <p:nvSpPr>
-            <p:cNvPr id="4" name="矩形 3"/>
-            <p:cNvSpPr/>
-            <p:nvPr/>
-          </p:nvSpPr>
-          <p:spPr>
-            <a:xfrm>
-              <a:off x="418451" y="8000165"/>
-              <a:ext cx="982876" cy="331461"/>
-            </a:xfrm>
-            <a:prstGeom prst="rect">
-              <a:avLst/>
-            </a:prstGeom>
-          </p:spPr>
-          <p:txBody>
-            <a:bodyPr wrap="none">
-              <a:spAutoFit/>
-            </a:bodyPr>
-            <a:p>
-              <a:pPr lvl="0">
-                <a:lnSpc>
-                  <a:spcPct val="150000"/>
-                </a:lnSpc>
-              </a:pPr>
-              <a:r>
-                <a:rPr lang="zh-CN" altLang="en-US" sz="1050" b="1" dirty="0" err="1" smtClean="0">
-                  <a:latin typeface="微软雅黑" panose="020B0503020204020204" pitchFamily="34" charset="-122"/>
-                  <a:ea typeface="微软雅黑" panose="020B0503020204020204" pitchFamily="34" charset="-122"/>
-                </a:rPr>
-                <a:t>公司内网官网</a:t>
-              </a:r>
-              <a:endParaRPr lang="zh-CN" altLang="en-US" sz="1050" b="1" dirty="0" err="1" smtClean="0">
-                <a:latin typeface="微软雅黑" panose="020B0503020204020204" pitchFamily="34" charset="-122"/>
-                <a:ea typeface="微软雅黑" panose="020B0503020204020204" pitchFamily="34" charset="-122"/>
-              </a:endParaRPr>
-            </a:p>
-          </p:txBody>
-        </p:sp>
-        <p:sp>
-          <p:nvSpPr>
-            <p:cNvPr id="6" name="矩形 5"/>
-            <p:cNvSpPr/>
-            <p:nvPr/>
-          </p:nvSpPr>
-          <p:spPr>
-            <a:xfrm>
-              <a:off x="518770" y="8347411"/>
-              <a:ext cx="803190" cy="187955"/>
-            </a:xfrm>
-            <a:prstGeom prst="rect">
+            <a:prstGeom prst="ellipse">
               <a:avLst/>
             </a:prstGeom>
             <a:solidFill>
-              <a:srgbClr val="6679DF"/>
+              <a:schemeClr val="tx1"/>
             </a:solidFill>
-            <a:ln w="6350">
-              <a:noFill/>
+            <a:ln w="15875">
+              <a:solidFill>
+                <a:schemeClr val="bg1"/>
+              </a:solidFill>
             </a:ln>
           </p:spPr>
           <p:style>
@@ -7276,155 +5689,787 @@
           </p:style>
           <p:txBody>
             <a:bodyPr rtlCol="0" anchor="ctr"/>
+            <a:lstStyle/>
             <a:p>
-              <a:pPr lvl="0" algn="ctr"/>
-              <a:r>
-                <a:rPr lang="en-US" altLang="zh-CN" sz="900" dirty="0">
-                  <a:solidFill>
-                    <a:prstClr val="white"/>
-                  </a:solidFill>
-                  <a:latin typeface="微软雅黑" panose="020B0503020204020204" pitchFamily="34" charset="-122"/>
-                  <a:ea typeface="微软雅黑" panose="020B0503020204020204" pitchFamily="34" charset="-122"/>
-                </a:rPr>
-                <a:t>Dedecms</a:t>
-              </a:r>
-              <a:endParaRPr lang="en-US" altLang="zh-CN" sz="900" dirty="0">
-                <a:solidFill>
-                  <a:prstClr val="white"/>
-                </a:solidFill>
-                <a:latin typeface="微软雅黑" panose="020B0503020204020204" pitchFamily="34" charset="-122"/>
-                <a:ea typeface="微软雅黑" panose="020B0503020204020204" pitchFamily="34" charset="-122"/>
-              </a:endParaRPr>
-            </a:p>
-          </p:txBody>
-        </p:sp>
-        <p:sp>
-          <p:nvSpPr>
-            <p:cNvPr id="13" name="矩形 12"/>
-            <p:cNvSpPr/>
-            <p:nvPr/>
-          </p:nvSpPr>
-          <p:spPr>
-            <a:xfrm>
-              <a:off x="418453" y="8577925"/>
-              <a:ext cx="2866086" cy="662922"/>
-            </a:xfrm>
-            <a:prstGeom prst="rect">
-              <a:avLst/>
-            </a:prstGeom>
-          </p:spPr>
-          <p:txBody>
-            <a:bodyPr wrap="square">
-              <a:spAutoFit/>
-            </a:bodyPr>
-            <a:p>
-              <a:pPr marL="171450" lvl="0" indent="-171450">
-                <a:lnSpc>
-                  <a:spcPts val="1500"/>
-                </a:lnSpc>
-                <a:buFont typeface="Wingdings" panose="05000000000000000000" pitchFamily="2" charset="2"/>
-                <a:buChar char="ü"/>
-              </a:pPr>
-              <a:r>
-                <a:rPr lang="zh-CN" altLang="en-US" sz="900" dirty="0" smtClean="0">
-                  <a:latin typeface="微软雅黑" panose="020B0503020204020204" pitchFamily="34" charset="-122"/>
-                  <a:ea typeface="微软雅黑" panose="020B0503020204020204" pitchFamily="34" charset="-122"/>
-                </a:rPr>
-                <a:t>主要维护和开发之前运维留下的公司内网</a:t>
-              </a:r>
-              <a:r>
-                <a:rPr lang="en-US" altLang="zh-CN" sz="900" dirty="0" smtClean="0">
-                  <a:latin typeface="微软雅黑" panose="020B0503020204020204" pitchFamily="34" charset="-122"/>
-                  <a:ea typeface="微软雅黑" panose="020B0503020204020204" pitchFamily="34" charset="-122"/>
-                </a:rPr>
-                <a:t>.</a:t>
-              </a:r>
-              <a:r>
-                <a:rPr lang="zh-CN" altLang="en-US" sz="900" dirty="0" smtClean="0">
-                  <a:latin typeface="微软雅黑" panose="020B0503020204020204" pitchFamily="34" charset="-122"/>
-                  <a:ea typeface="微软雅黑" panose="020B0503020204020204" pitchFamily="34" charset="-122"/>
-                </a:rPr>
-                <a:t>基于织梦</a:t>
-              </a:r>
-              <a:r>
-                <a:rPr lang="en-US" altLang="zh-CN" sz="900" dirty="0" smtClean="0">
-                  <a:latin typeface="微软雅黑" panose="020B0503020204020204" pitchFamily="34" charset="-122"/>
-                  <a:ea typeface="微软雅黑" panose="020B0503020204020204" pitchFamily="34" charset="-122"/>
-                </a:rPr>
-                <a:t>cms</a:t>
-              </a:r>
-              <a:r>
-                <a:rPr lang="zh-CN" altLang="en-US" sz="900" dirty="0" smtClean="0">
-                  <a:latin typeface="微软雅黑" panose="020B0503020204020204" pitchFamily="34" charset="-122"/>
-                  <a:ea typeface="微软雅黑" panose="020B0503020204020204" pitchFamily="34" charset="-122"/>
-                </a:rPr>
-                <a:t>二次开发</a:t>
-              </a:r>
-              <a:r>
-                <a:rPr lang="en-US" altLang="zh-CN" sz="900" dirty="0" smtClean="0">
-                  <a:latin typeface="微软雅黑" panose="020B0503020204020204" pitchFamily="34" charset="-122"/>
-                  <a:ea typeface="微软雅黑" panose="020B0503020204020204" pitchFamily="34" charset="-122"/>
-                </a:rPr>
-                <a:t>.</a:t>
-              </a:r>
-              <a:r>
-                <a:rPr lang="zh-CN" altLang="en-US" sz="900" dirty="0" smtClean="0">
-                  <a:latin typeface="微软雅黑" panose="020B0503020204020204" pitchFamily="34" charset="-122"/>
-                  <a:ea typeface="微软雅黑" panose="020B0503020204020204" pitchFamily="34" charset="-122"/>
-                </a:rPr>
-                <a:t>给行政做日常工作使用</a:t>
-              </a:r>
-              <a:r>
-                <a:rPr lang="en-US" altLang="zh-CN" sz="900" dirty="0" smtClean="0">
-                  <a:latin typeface="微软雅黑" panose="020B0503020204020204" pitchFamily="34" charset="-122"/>
-                  <a:ea typeface="微软雅黑" panose="020B0503020204020204" pitchFamily="34" charset="-122"/>
-                </a:rPr>
-                <a:t>,</a:t>
-              </a:r>
-              <a:endParaRPr lang="zh-CN" altLang="en-US" sz="900" dirty="0" smtClean="0">
-                <a:latin typeface="微软雅黑" panose="020B0503020204020204" pitchFamily="34" charset="-122"/>
-                <a:ea typeface="微软雅黑" panose="020B0503020204020204" pitchFamily="34" charset="-122"/>
-              </a:endParaRPr>
-            </a:p>
-            <a:p>
-              <a:pPr marL="171450" lvl="0" indent="-171450">
-                <a:lnSpc>
-                  <a:spcPts val="1500"/>
-                </a:lnSpc>
-                <a:buFont typeface="Wingdings" panose="05000000000000000000" pitchFamily="2" charset="2"/>
-                <a:buChar char="ü"/>
-              </a:pPr>
-              <a:endParaRPr lang="zh-CN" altLang="en-US" sz="900" dirty="0" smtClean="0">
-                <a:latin typeface="微软雅黑" panose="020B0503020204020204" pitchFamily="34" charset="-122"/>
-                <a:ea typeface="微软雅黑" panose="020B0503020204020204" pitchFamily="34" charset="-122"/>
-              </a:endParaRPr>
+              <a:pPr algn="ctr"/>
+              <a:endParaRPr lang="zh-CN" altLang="en-US"/>
             </a:p>
           </p:txBody>
         </p:sp>
         <p:grpSp>
           <p:nvGrpSpPr>
-            <p:cNvPr id="15" name="组合 14"/>
+            <p:cNvPr id="68" name="组合 67"/>
             <p:cNvGrpSpPr/>
             <p:nvPr/>
           </p:nvGrpSpPr>
           <p:grpSpPr>
             <a:xfrm>
-              <a:off x="1448670" y="7853394"/>
-              <a:ext cx="1691308" cy="417172"/>
-              <a:chOff x="1404917" y="3745442"/>
-              <a:chExt cx="1691308" cy="417172"/>
+              <a:off x="653" y="2834"/>
+              <a:ext cx="4794" cy="2621"/>
+              <a:chOff x="588" y="2834"/>
+              <a:chExt cx="4794" cy="2621"/>
             </a:xfrm>
           </p:grpSpPr>
+          <p:grpSp>
+            <p:nvGrpSpPr>
+              <p:cNvPr id="12" name="组合 11"/>
+              <p:cNvGrpSpPr/>
+              <p:nvPr/>
+            </p:nvGrpSpPr>
+            <p:grpSpPr>
+              <a:xfrm rot="0">
+                <a:off x="588" y="2834"/>
+                <a:ext cx="4516" cy="2621"/>
+                <a:chOff x="416610" y="3889580"/>
+                <a:chExt cx="2867929" cy="1664174"/>
+              </a:xfrm>
+            </p:grpSpPr>
+            <p:sp>
+              <p:nvSpPr>
+                <p:cNvPr id="43" name="矩形 42"/>
+                <p:cNvSpPr/>
+                <p:nvPr/>
+              </p:nvSpPr>
+              <p:spPr>
+                <a:xfrm>
+                  <a:off x="444552" y="3889580"/>
+                  <a:ext cx="2375124" cy="818461"/>
+                </a:xfrm>
+                <a:prstGeom prst="rect">
+                  <a:avLst/>
+                </a:prstGeom>
+              </p:spPr>
+              <p:txBody>
+                <a:bodyPr wrap="square">
+                  <a:spAutoFit/>
+                </a:bodyPr>
+                <a:lstStyle/>
+                <a:p>
+                  <a:pPr lvl="0">
+                    <a:lnSpc>
+                      <a:spcPct val="150000"/>
+                    </a:lnSpc>
+                  </a:pPr>
+                  <a:r>
+                    <a:rPr lang="zh-CN" altLang="en-US" sz="1050" b="1" dirty="0">
+                      <a:latin typeface="微软雅黑" panose="020B0503020204020204" pitchFamily="34" charset="-122"/>
+                      <a:ea typeface="微软雅黑" panose="020B0503020204020204" pitchFamily="34" charset="-122"/>
+                    </a:rPr>
+                    <a:t>在大理及其他城市宝旗下</a:t>
+                  </a:r>
+                  <a:r>
+                    <a:rPr lang="en-US" altLang="zh-CN" sz="1050" b="1" dirty="0">
+                      <a:latin typeface="微软雅黑" panose="020B0503020204020204" pitchFamily="34" charset="-122"/>
+                      <a:ea typeface="微软雅黑" panose="020B0503020204020204" pitchFamily="34" charset="-122"/>
+                    </a:rPr>
+                    <a:t>app </a:t>
+                  </a:r>
+                  <a:endParaRPr lang="en-US" altLang="zh-CN" sz="1050" b="1" dirty="0">
+                    <a:latin typeface="微软雅黑" panose="020B0503020204020204" pitchFamily="34" charset="-122"/>
+                    <a:ea typeface="微软雅黑" panose="020B0503020204020204" pitchFamily="34" charset="-122"/>
+                  </a:endParaRPr>
+                </a:p>
+                <a:p>
+                  <a:pPr lvl="0">
+                    <a:lnSpc>
+                      <a:spcPct val="150000"/>
+                    </a:lnSpc>
+                  </a:pPr>
+                  <a:endParaRPr lang="en-US" altLang="zh-CN" sz="1050" b="1" dirty="0">
+                    <a:latin typeface="微软雅黑" panose="020B0503020204020204" pitchFamily="34" charset="-122"/>
+                    <a:ea typeface="微软雅黑" panose="020B0503020204020204" pitchFamily="34" charset="-122"/>
+                  </a:endParaRPr>
+                </a:p>
+                <a:p>
+                  <a:pPr lvl="0">
+                    <a:lnSpc>
+                      <a:spcPct val="150000"/>
+                    </a:lnSpc>
+                  </a:pPr>
+                  <a:endParaRPr lang="en-US" altLang="zh-CN" sz="1050" b="1" dirty="0">
+                    <a:latin typeface="微软雅黑" panose="020B0503020204020204" pitchFamily="34" charset="-122"/>
+                    <a:ea typeface="微软雅黑" panose="020B0503020204020204" pitchFamily="34" charset="-122"/>
+                  </a:endParaRPr>
+                </a:p>
+              </p:txBody>
+            </p:sp>
+            <p:sp>
+              <p:nvSpPr>
+                <p:cNvPr id="37" name="矩形 36"/>
+                <p:cNvSpPr/>
+                <p:nvPr/>
+              </p:nvSpPr>
+              <p:spPr>
+                <a:xfrm>
+                  <a:off x="516947" y="4236902"/>
+                  <a:ext cx="504873" cy="203187"/>
+                </a:xfrm>
+                <a:prstGeom prst="rect">
+                  <a:avLst/>
+                </a:prstGeom>
+                <a:solidFill>
+                  <a:srgbClr val="6679DF"/>
+                </a:solidFill>
+                <a:ln w="6350">
+                  <a:noFill/>
+                </a:ln>
+              </p:spPr>
+              <p:style>
+                <a:lnRef idx="2">
+                  <a:schemeClr val="accent1">
+                    <a:shade val="50000"/>
+                  </a:schemeClr>
+                </a:lnRef>
+                <a:fillRef idx="1">
+                  <a:schemeClr val="accent1"/>
+                </a:fillRef>
+                <a:effectRef idx="0">
+                  <a:schemeClr val="accent1"/>
+                </a:effectRef>
+                <a:fontRef idx="minor">
+                  <a:schemeClr val="lt1"/>
+                </a:fontRef>
+              </p:style>
+              <p:txBody>
+                <a:bodyPr rtlCol="0" anchor="ctr"/>
+                <a:lstStyle/>
+                <a:p>
+                  <a:pPr lvl="0" algn="ctr"/>
+                  <a:r>
+                    <a:rPr lang="en-US" altLang="zh-CN" sz="900" dirty="0">
+                      <a:solidFill>
+                        <a:prstClr val="white"/>
+                      </a:solidFill>
+                      <a:latin typeface="微软雅黑" panose="020B0503020204020204" pitchFamily="34" charset="-122"/>
+                      <a:ea typeface="微软雅黑" panose="020B0503020204020204" pitchFamily="34" charset="-122"/>
+                    </a:rPr>
+                    <a:t>vue.js</a:t>
+                  </a:r>
+                  <a:endParaRPr lang="zh-CN" altLang="en-US" dirty="0">
+                    <a:solidFill>
+                      <a:prstClr val="black"/>
+                    </a:solidFill>
+                  </a:endParaRPr>
+                </a:p>
+              </p:txBody>
+            </p:sp>
+            <p:sp>
+              <p:nvSpPr>
+                <p:cNvPr id="45" name="矩形 44"/>
+                <p:cNvSpPr/>
+                <p:nvPr/>
+              </p:nvSpPr>
+              <p:spPr>
+                <a:xfrm>
+                  <a:off x="416610" y="4500993"/>
+                  <a:ext cx="2867929" cy="1052761"/>
+                </a:xfrm>
+                <a:prstGeom prst="rect">
+                  <a:avLst/>
+                </a:prstGeom>
+              </p:spPr>
+              <p:txBody>
+                <a:bodyPr wrap="square">
+                  <a:spAutoFit/>
+                </a:bodyPr>
+                <a:lstStyle/>
+                <a:p>
+                  <a:pPr marL="171450" lvl="0" indent="-171450">
+                    <a:lnSpc>
+                      <a:spcPts val="1500"/>
+                    </a:lnSpc>
+                    <a:buFont typeface="Wingdings" panose="05000000000000000000" pitchFamily="2" charset="2"/>
+                    <a:buChar char="ü"/>
+                  </a:pPr>
+                  <a:r>
+                    <a:rPr lang="zh-CN" altLang="en-US" sz="900" dirty="0" smtClean="0">
+                      <a:latin typeface="微软雅黑" panose="020B0503020204020204" pitchFamily="34" charset="-122"/>
+                      <a:ea typeface="微软雅黑" panose="020B0503020204020204" pitchFamily="34" charset="-122"/>
+                    </a:rPr>
+                    <a:t>重构</a:t>
+                  </a:r>
+                  <a:r>
+                    <a:rPr lang="en-US" altLang="zh-CN" sz="900" dirty="0" smtClean="0">
+                      <a:latin typeface="微软雅黑" panose="020B0503020204020204" pitchFamily="34" charset="-122"/>
+                      <a:ea typeface="微软雅黑" panose="020B0503020204020204" pitchFamily="34" charset="-122"/>
+                    </a:rPr>
+                    <a:t>jquery</a:t>
+                  </a:r>
+                  <a:r>
+                    <a:rPr lang="zh-CN" altLang="en-US" sz="900" dirty="0" smtClean="0">
+                      <a:latin typeface="微软雅黑" panose="020B0503020204020204" pitchFamily="34" charset="-122"/>
+                      <a:ea typeface="微软雅黑" panose="020B0503020204020204" pitchFamily="34" charset="-122"/>
+                    </a:rPr>
+                    <a:t>为主的页面用</a:t>
+                  </a:r>
+                  <a:r>
+                    <a:rPr lang="en-US" altLang="zh-CN" sz="900" dirty="0" smtClean="0">
+                      <a:latin typeface="微软雅黑" panose="020B0503020204020204" pitchFamily="34" charset="-122"/>
+                      <a:ea typeface="微软雅黑" panose="020B0503020204020204" pitchFamily="34" charset="-122"/>
+                    </a:rPr>
+                    <a:t>vue</a:t>
+                  </a:r>
+                  <a:r>
+                    <a:rPr lang="zh-CN" altLang="en-US" sz="900" dirty="0" smtClean="0">
+                      <a:latin typeface="微软雅黑" panose="020B0503020204020204" pitchFamily="34" charset="-122"/>
+                      <a:ea typeface="微软雅黑" panose="020B0503020204020204" pitchFamily="34" charset="-122"/>
+                    </a:rPr>
+                    <a:t>改成 </a:t>
+                  </a:r>
+                  <a:r>
+                    <a:rPr lang="en-US" altLang="zh-CN" sz="900" dirty="0" smtClean="0">
+                      <a:latin typeface="微软雅黑" panose="020B0503020204020204" pitchFamily="34" charset="-122"/>
+                      <a:ea typeface="微软雅黑" panose="020B0503020204020204" pitchFamily="34" charset="-122"/>
+                    </a:rPr>
+                    <a:t>spa </a:t>
+                  </a:r>
+                  <a:r>
+                    <a:rPr lang="zh-CN" altLang="en-US" sz="900" dirty="0" smtClean="0">
+                      <a:latin typeface="微软雅黑" panose="020B0503020204020204" pitchFamily="34" charset="-122"/>
+                      <a:ea typeface="微软雅黑" panose="020B0503020204020204" pitchFamily="34" charset="-122"/>
+                    </a:rPr>
+                    <a:t>和 </a:t>
+                  </a:r>
+                  <a:r>
+                    <a:rPr lang="en-US" altLang="zh-CN" sz="900" dirty="0" smtClean="0">
+                      <a:latin typeface="微软雅黑" panose="020B0503020204020204" pitchFamily="34" charset="-122"/>
+                      <a:ea typeface="微软雅黑" panose="020B0503020204020204" pitchFamily="34" charset="-122"/>
+                    </a:rPr>
+                    <a:t>mpa</a:t>
+                  </a:r>
+                  <a:r>
+                    <a:rPr lang="zh-CN" altLang="en-US" sz="900" dirty="0" smtClean="0">
+                      <a:latin typeface="微软雅黑" panose="020B0503020204020204" pitchFamily="34" charset="-122"/>
+                      <a:ea typeface="微软雅黑" panose="020B0503020204020204" pitchFamily="34" charset="-122"/>
+                    </a:rPr>
+                    <a:t>形式</a:t>
+                  </a:r>
+                  <a:r>
+                    <a:rPr lang="en-US" altLang="zh-CN" sz="900" dirty="0" smtClean="0">
+                      <a:latin typeface="微软雅黑" panose="020B0503020204020204" pitchFamily="34" charset="-122"/>
+                      <a:ea typeface="微软雅黑" panose="020B0503020204020204" pitchFamily="34" charset="-122"/>
+                    </a:rPr>
+                    <a:t>,</a:t>
+                  </a:r>
+                  <a:r>
+                    <a:rPr lang="zh-CN" altLang="en-US" sz="900" dirty="0" smtClean="0">
+                      <a:latin typeface="微软雅黑" panose="020B0503020204020204" pitchFamily="34" charset="-122"/>
+                      <a:ea typeface="微软雅黑" panose="020B0503020204020204" pitchFamily="34" charset="-122"/>
+                    </a:rPr>
+                    <a:t>使用</a:t>
+                  </a:r>
+                  <a:r>
+                    <a:rPr lang="en-US" altLang="zh-CN" sz="900" dirty="0" smtClean="0">
+                      <a:latin typeface="微软雅黑" panose="020B0503020204020204" pitchFamily="34" charset="-122"/>
+                      <a:ea typeface="微软雅黑" panose="020B0503020204020204" pitchFamily="34" charset="-122"/>
+                    </a:rPr>
+                    <a:t>webpack</a:t>
+                  </a:r>
+                  <a:r>
+                    <a:rPr lang="zh-CN" altLang="en-US" sz="900" dirty="0" smtClean="0">
+                      <a:latin typeface="微软雅黑" panose="020B0503020204020204" pitchFamily="34" charset="-122"/>
+                      <a:ea typeface="微软雅黑" panose="020B0503020204020204" pitchFamily="34" charset="-122"/>
+                    </a:rPr>
+                    <a:t>管理工程目录</a:t>
+                  </a:r>
+                  <a:r>
+                    <a:rPr lang="en-US" altLang="zh-CN" sz="900" dirty="0" smtClean="0">
+                      <a:latin typeface="微软雅黑" panose="020B0503020204020204" pitchFamily="34" charset="-122"/>
+                      <a:ea typeface="微软雅黑" panose="020B0503020204020204" pitchFamily="34" charset="-122"/>
+                    </a:rPr>
+                    <a:t>,</a:t>
+                  </a:r>
+                  <a:r>
+                    <a:rPr lang="zh-CN" altLang="en-US" sz="900" dirty="0" smtClean="0">
+                      <a:latin typeface="微软雅黑" panose="020B0503020204020204" pitchFamily="34" charset="-122"/>
+                      <a:ea typeface="微软雅黑" panose="020B0503020204020204" pitchFamily="34" charset="-122"/>
+                    </a:rPr>
+                    <a:t>优化开发方式</a:t>
+                  </a:r>
+                  <a:endParaRPr lang="zh-CN" altLang="en-US" sz="900" dirty="0" smtClean="0">
+                    <a:latin typeface="微软雅黑" panose="020B0503020204020204" pitchFamily="34" charset="-122"/>
+                    <a:ea typeface="微软雅黑" panose="020B0503020204020204" pitchFamily="34" charset="-122"/>
+                  </a:endParaRPr>
+                </a:p>
+                <a:p>
+                  <a:pPr marL="171450" lvl="0" indent="-171450">
+                    <a:lnSpc>
+                      <a:spcPts val="1500"/>
+                    </a:lnSpc>
+                    <a:buFont typeface="Wingdings" panose="05000000000000000000" pitchFamily="2" charset="2"/>
+                    <a:buChar char="ü"/>
+                  </a:pPr>
+                  <a:r>
+                    <a:rPr lang="zh-CN" altLang="en-US" sz="900" dirty="0" smtClean="0">
+                      <a:latin typeface="微软雅黑" panose="020B0503020204020204" pitchFamily="34" charset="-122"/>
+                      <a:ea typeface="微软雅黑" panose="020B0503020204020204" pitchFamily="34" charset="-122"/>
+                    </a:rPr>
+                    <a:t>使用</a:t>
+                  </a:r>
+                  <a:r>
+                    <a:rPr lang="en-US" altLang="zh-CN" sz="900" dirty="0" smtClean="0">
+                      <a:latin typeface="微软雅黑" panose="020B0503020204020204" pitchFamily="34" charset="-122"/>
+                      <a:ea typeface="微软雅黑" panose="020B0503020204020204" pitchFamily="34" charset="-122"/>
+                    </a:rPr>
+                    <a:t>ngxin</a:t>
+                  </a:r>
+                  <a:r>
+                    <a:rPr lang="zh-CN" altLang="en-US" sz="900" dirty="0" smtClean="0">
+                      <a:latin typeface="微软雅黑" panose="020B0503020204020204" pitchFamily="34" charset="-122"/>
+                      <a:ea typeface="微软雅黑" panose="020B0503020204020204" pitchFamily="34" charset="-122"/>
+                    </a:rPr>
+                    <a:t>当作</a:t>
+                  </a:r>
+                  <a:r>
+                    <a:rPr lang="en-US" altLang="zh-CN" sz="900" dirty="0" smtClean="0">
+                      <a:latin typeface="微软雅黑" panose="020B0503020204020204" pitchFamily="34" charset="-122"/>
+                      <a:ea typeface="微软雅黑" panose="020B0503020204020204" pitchFamily="34" charset="-122"/>
+                    </a:rPr>
+                    <a:t>web</a:t>
+                  </a:r>
+                  <a:r>
+                    <a:rPr lang="zh-CN" altLang="en-US" sz="900" dirty="0" smtClean="0">
+                      <a:latin typeface="微软雅黑" panose="020B0503020204020204" pitchFamily="34" charset="-122"/>
+                      <a:ea typeface="微软雅黑" panose="020B0503020204020204" pitchFamily="34" charset="-122"/>
+                    </a:rPr>
+                    <a:t>服务器并配置反向代理跨域</a:t>
+                  </a:r>
+                  <a:endParaRPr lang="zh-CN" altLang="en-US" sz="900" dirty="0" smtClean="0">
+                    <a:latin typeface="微软雅黑" panose="020B0503020204020204" pitchFamily="34" charset="-122"/>
+                    <a:ea typeface="微软雅黑" panose="020B0503020204020204" pitchFamily="34" charset="-122"/>
+                  </a:endParaRPr>
+                </a:p>
+                <a:p>
+                  <a:pPr marL="171450" lvl="0" indent="-171450">
+                    <a:lnSpc>
+                      <a:spcPts val="1500"/>
+                    </a:lnSpc>
+                    <a:buFont typeface="Wingdings" panose="05000000000000000000" pitchFamily="2" charset="2"/>
+                    <a:buChar char="ü"/>
+                  </a:pPr>
+                  <a:r>
+                    <a:rPr lang="zh-CN" altLang="en-US" sz="900" dirty="0" smtClean="0">
+                      <a:latin typeface="微软雅黑" panose="020B0503020204020204" pitchFamily="34" charset="-122"/>
+                      <a:ea typeface="微软雅黑" panose="020B0503020204020204" pitchFamily="34" charset="-122"/>
+                    </a:rPr>
+                    <a:t>使用</a:t>
+                  </a:r>
+                  <a:r>
+                    <a:rPr lang="en-US" altLang="zh-CN" sz="900" dirty="0" smtClean="0">
+                      <a:latin typeface="微软雅黑" panose="020B0503020204020204" pitchFamily="34" charset="-122"/>
+                      <a:ea typeface="微软雅黑" panose="020B0503020204020204" pitchFamily="34" charset="-122"/>
+                    </a:rPr>
+                    <a:t>element-ui</a:t>
+                  </a:r>
+                  <a:r>
+                    <a:rPr lang="zh-CN" altLang="en-US" sz="900" dirty="0" smtClean="0">
+                      <a:latin typeface="微软雅黑" panose="020B0503020204020204" pitchFamily="34" charset="-122"/>
+                      <a:ea typeface="微软雅黑" panose="020B0503020204020204" pitchFamily="34" charset="-122"/>
+                    </a:rPr>
+                    <a:t>和</a:t>
+                  </a:r>
+                  <a:r>
+                    <a:rPr lang="en-US" altLang="zh-CN" sz="900" dirty="0" smtClean="0">
+                      <a:latin typeface="微软雅黑" panose="020B0503020204020204" pitchFamily="34" charset="-122"/>
+                      <a:ea typeface="微软雅黑" panose="020B0503020204020204" pitchFamily="34" charset="-122"/>
+                    </a:rPr>
+                    <a:t>mint-ui</a:t>
+                  </a:r>
+                  <a:r>
+                    <a:rPr lang="zh-CN" altLang="en-US" sz="900" dirty="0" smtClean="0">
+                      <a:latin typeface="微软雅黑" panose="020B0503020204020204" pitchFamily="34" charset="-122"/>
+                      <a:ea typeface="微软雅黑" panose="020B0503020204020204" pitchFamily="34" charset="-122"/>
+                    </a:rPr>
+                    <a:t>之类</a:t>
+                  </a:r>
+                  <a:endParaRPr lang="zh-CN" altLang="en-US" sz="900" dirty="0" smtClean="0">
+                    <a:latin typeface="微软雅黑" panose="020B0503020204020204" pitchFamily="34" charset="-122"/>
+                    <a:ea typeface="微软雅黑" panose="020B0503020204020204" pitchFamily="34" charset="-122"/>
+                  </a:endParaRPr>
+                </a:p>
+                <a:p>
+                  <a:pPr lvl="0" indent="0">
+                    <a:lnSpc>
+                      <a:spcPts val="1500"/>
+                    </a:lnSpc>
+                    <a:buFont typeface="Wingdings" panose="05000000000000000000" pitchFamily="2" charset="2"/>
+                    <a:buNone/>
+                  </a:pPr>
+                  <a:endParaRPr lang="en-US" altLang="zh-CN" sz="900" dirty="0" smtClean="0">
+                    <a:latin typeface="微软雅黑" panose="020B0503020204020204" pitchFamily="34" charset="-122"/>
+                    <a:ea typeface="微软雅黑" panose="020B0503020204020204" pitchFamily="34" charset="-122"/>
+                  </a:endParaRPr>
+                </a:p>
+              </p:txBody>
+            </p:sp>
+            <p:sp>
+              <p:nvSpPr>
+                <p:cNvPr id="71" name="矩形 70"/>
+                <p:cNvSpPr/>
+                <p:nvPr/>
+              </p:nvSpPr>
+              <p:spPr>
+                <a:xfrm>
+                  <a:off x="1755612" y="4236770"/>
+                  <a:ext cx="619690" cy="203200"/>
+                </a:xfrm>
+                <a:prstGeom prst="rect">
+                  <a:avLst/>
+                </a:prstGeom>
+                <a:solidFill>
+                  <a:srgbClr val="6679DF"/>
+                </a:solidFill>
+                <a:ln w="6350">
+                  <a:noFill/>
+                </a:ln>
+              </p:spPr>
+              <p:style>
+                <a:lnRef idx="2">
+                  <a:schemeClr val="accent1">
+                    <a:shade val="50000"/>
+                  </a:schemeClr>
+                </a:lnRef>
+                <a:fillRef idx="1">
+                  <a:schemeClr val="accent1"/>
+                </a:fillRef>
+                <a:effectRef idx="0">
+                  <a:schemeClr val="accent1"/>
+                </a:effectRef>
+                <a:fontRef idx="minor">
+                  <a:schemeClr val="lt1"/>
+                </a:fontRef>
+              </p:style>
+              <p:txBody>
+                <a:bodyPr rtlCol="0" anchor="ctr"/>
+                <a:lstStyle/>
+                <a:p>
+                  <a:pPr lvl="0"/>
+                  <a:r>
+                    <a:rPr lang="en-US" altLang="zh-CN" sz="900" dirty="0" smtClean="0">
+                      <a:solidFill>
+                        <a:prstClr val="white"/>
+                      </a:solidFill>
+                      <a:latin typeface="微软雅黑" panose="020B0503020204020204" pitchFamily="34" charset="-122"/>
+                      <a:ea typeface="微软雅黑" panose="020B0503020204020204" pitchFamily="34" charset="-122"/>
+                    </a:rPr>
+                    <a:t>Node.js</a:t>
+                  </a:r>
+                  <a:endParaRPr lang="zh-CN" altLang="en-US" dirty="0">
+                    <a:solidFill>
+                      <a:prstClr val="black"/>
+                    </a:solidFill>
+                  </a:endParaRPr>
+                </a:p>
+              </p:txBody>
+            </p:sp>
+            <p:sp>
+              <p:nvSpPr>
+                <p:cNvPr id="75" name="矩形 74"/>
+                <p:cNvSpPr/>
+                <p:nvPr/>
+              </p:nvSpPr>
+              <p:spPr>
+                <a:xfrm>
+                  <a:off x="2408368" y="4236770"/>
+                  <a:ext cx="742024" cy="203200"/>
+                </a:xfrm>
+                <a:prstGeom prst="rect">
+                  <a:avLst/>
+                </a:prstGeom>
+                <a:solidFill>
+                  <a:srgbClr val="6679DF"/>
+                </a:solidFill>
+                <a:ln w="6350">
+                  <a:noFill/>
+                </a:ln>
+              </p:spPr>
+              <p:style>
+                <a:lnRef idx="2">
+                  <a:schemeClr val="accent1">
+                    <a:shade val="50000"/>
+                  </a:schemeClr>
+                </a:lnRef>
+                <a:fillRef idx="1">
+                  <a:schemeClr val="accent1"/>
+                </a:fillRef>
+                <a:effectRef idx="0">
+                  <a:schemeClr val="accent1"/>
+                </a:effectRef>
+                <a:fontRef idx="minor">
+                  <a:schemeClr val="lt1"/>
+                </a:fontRef>
+              </p:style>
+              <p:txBody>
+                <a:bodyPr rtlCol="0" anchor="ctr"/>
+                <a:lstStyle/>
+                <a:p>
+                  <a:pPr lvl="0"/>
+                  <a:r>
+                    <a:rPr lang="en-US" altLang="zh-CN" sz="900" dirty="0" err="1" smtClean="0">
+                      <a:solidFill>
+                        <a:prstClr val="white"/>
+                      </a:solidFill>
+                      <a:latin typeface="微软雅黑" panose="020B0503020204020204" pitchFamily="34" charset="-122"/>
+                      <a:ea typeface="微软雅黑" panose="020B0503020204020204" pitchFamily="34" charset="-122"/>
+                    </a:rPr>
+                    <a:t>MongoDB</a:t>
+                  </a:r>
+                  <a:endParaRPr lang="zh-CN" altLang="en-US" dirty="0">
+                    <a:solidFill>
+                      <a:prstClr val="black"/>
+                    </a:solidFill>
+                  </a:endParaRPr>
+                </a:p>
+              </p:txBody>
+            </p:sp>
+            <p:sp>
+              <p:nvSpPr>
+                <p:cNvPr id="76" name="矩形 75"/>
+                <p:cNvSpPr/>
+                <p:nvPr/>
+              </p:nvSpPr>
+              <p:spPr>
+                <a:xfrm>
+                  <a:off x="1101135" y="4236770"/>
+                  <a:ext cx="602993" cy="203200"/>
+                </a:xfrm>
+                <a:prstGeom prst="rect">
+                  <a:avLst/>
+                </a:prstGeom>
+                <a:solidFill>
+                  <a:srgbClr val="6679DF"/>
+                </a:solidFill>
+                <a:ln w="6350">
+                  <a:noFill/>
+                </a:ln>
+              </p:spPr>
+              <p:style>
+                <a:lnRef idx="2">
+                  <a:schemeClr val="accent1">
+                    <a:shade val="50000"/>
+                  </a:schemeClr>
+                </a:lnRef>
+                <a:fillRef idx="1">
+                  <a:schemeClr val="accent1"/>
+                </a:fillRef>
+                <a:effectRef idx="0">
+                  <a:schemeClr val="accent1"/>
+                </a:effectRef>
+                <a:fontRef idx="minor">
+                  <a:schemeClr val="lt1"/>
+                </a:fontRef>
+              </p:style>
+              <p:txBody>
+                <a:bodyPr rtlCol="0" anchor="ctr"/>
+                <a:lstStyle/>
+                <a:p>
+                  <a:pPr lvl="0"/>
+                  <a:r>
+                    <a:rPr lang="en-US" altLang="zh-CN" sz="900" dirty="0" smtClean="0">
+                      <a:solidFill>
+                        <a:prstClr val="white"/>
+                      </a:solidFill>
+                      <a:latin typeface="微软雅黑" panose="020B0503020204020204" pitchFamily="34" charset="-122"/>
+                      <a:ea typeface="微软雅黑" panose="020B0503020204020204" pitchFamily="34" charset="-122"/>
+                    </a:rPr>
+                    <a:t>Leaflet</a:t>
+                  </a:r>
+                  <a:endParaRPr lang="zh-CN" altLang="en-US" dirty="0">
+                    <a:solidFill>
+                      <a:prstClr val="black"/>
+                    </a:solidFill>
+                  </a:endParaRPr>
+                </a:p>
+              </p:txBody>
+            </p:sp>
+            <p:sp>
+              <p:nvSpPr>
+                <p:cNvPr id="51" name="矩形 50"/>
+                <p:cNvSpPr/>
+                <p:nvPr/>
+              </p:nvSpPr>
+              <p:spPr>
+                <a:xfrm>
+                  <a:off x="1745451" y="4236770"/>
+                  <a:ext cx="619690" cy="203200"/>
+                </a:xfrm>
+                <a:prstGeom prst="rect">
+                  <a:avLst/>
+                </a:prstGeom>
+                <a:solidFill>
+                  <a:srgbClr val="6679DF"/>
+                </a:solidFill>
+                <a:ln w="6350">
+                  <a:noFill/>
+                </a:ln>
+              </p:spPr>
+              <p:style>
+                <a:lnRef idx="2">
+                  <a:schemeClr val="accent1">
+                    <a:shade val="50000"/>
+                  </a:schemeClr>
+                </a:lnRef>
+                <a:fillRef idx="1">
+                  <a:schemeClr val="accent1"/>
+                </a:fillRef>
+                <a:effectRef idx="0">
+                  <a:schemeClr val="accent1"/>
+                </a:effectRef>
+                <a:fontRef idx="minor">
+                  <a:schemeClr val="lt1"/>
+                </a:fontRef>
+              </p:style>
+              <p:txBody>
+                <a:bodyPr rtlCol="0" anchor="ctr"/>
+                <a:p>
+                  <a:pPr lvl="0" algn="ctr"/>
+                  <a:r>
+                    <a:rPr lang="en-US" altLang="zh-CN" sz="900" dirty="0" smtClean="0">
+                      <a:solidFill>
+                        <a:prstClr val="white"/>
+                      </a:solidFill>
+                      <a:latin typeface="微软雅黑" panose="020B0503020204020204" pitchFamily="34" charset="-122"/>
+                      <a:ea typeface="微软雅黑" panose="020B0503020204020204" pitchFamily="34" charset="-122"/>
+                    </a:rPr>
+                    <a:t>Node.js</a:t>
+                  </a:r>
+                  <a:endParaRPr lang="zh-CN" altLang="en-US" dirty="0">
+                    <a:solidFill>
+                      <a:prstClr val="black"/>
+                    </a:solidFill>
+                  </a:endParaRPr>
+                </a:p>
+              </p:txBody>
+            </p:sp>
+            <p:sp>
+              <p:nvSpPr>
+                <p:cNvPr id="52" name="矩形 51"/>
+                <p:cNvSpPr/>
+                <p:nvPr/>
+              </p:nvSpPr>
+              <p:spPr>
+                <a:xfrm>
+                  <a:off x="2398207" y="4236770"/>
+                  <a:ext cx="742024" cy="203200"/>
+                </a:xfrm>
+                <a:prstGeom prst="rect">
+                  <a:avLst/>
+                </a:prstGeom>
+                <a:solidFill>
+                  <a:srgbClr val="6679DF"/>
+                </a:solidFill>
+                <a:ln w="6350">
+                  <a:noFill/>
+                </a:ln>
+              </p:spPr>
+              <p:style>
+                <a:lnRef idx="2">
+                  <a:schemeClr val="accent1">
+                    <a:shade val="50000"/>
+                  </a:schemeClr>
+                </a:lnRef>
+                <a:fillRef idx="1">
+                  <a:schemeClr val="accent1"/>
+                </a:fillRef>
+                <a:effectRef idx="0">
+                  <a:schemeClr val="accent1"/>
+                </a:effectRef>
+                <a:fontRef idx="minor">
+                  <a:schemeClr val="lt1"/>
+                </a:fontRef>
+              </p:style>
+              <p:txBody>
+                <a:bodyPr rtlCol="0" anchor="ctr"/>
+                <a:p>
+                  <a:pPr lvl="0" algn="ctr"/>
+                  <a:r>
+                    <a:rPr lang="en-US" altLang="zh-CN" sz="900" dirty="0" err="1" smtClean="0">
+                      <a:solidFill>
+                        <a:prstClr val="white"/>
+                      </a:solidFill>
+                      <a:latin typeface="微软雅黑" panose="020B0503020204020204" pitchFamily="34" charset="-122"/>
+                      <a:ea typeface="微软雅黑" panose="020B0503020204020204" pitchFamily="34" charset="-122"/>
+                    </a:rPr>
+                    <a:t>webpack</a:t>
+                  </a:r>
+                  <a:endParaRPr lang="zh-CN" altLang="en-US" dirty="0">
+                    <a:solidFill>
+                      <a:prstClr val="black"/>
+                    </a:solidFill>
+                  </a:endParaRPr>
+                </a:p>
+              </p:txBody>
+            </p:sp>
+            <p:sp>
+              <p:nvSpPr>
+                <p:cNvPr id="53" name="矩形 52"/>
+                <p:cNvSpPr/>
+                <p:nvPr/>
+              </p:nvSpPr>
+              <p:spPr>
+                <a:xfrm>
+                  <a:off x="1071922" y="4236770"/>
+                  <a:ext cx="602993" cy="203200"/>
+                </a:xfrm>
+                <a:prstGeom prst="rect">
+                  <a:avLst/>
+                </a:prstGeom>
+                <a:solidFill>
+                  <a:srgbClr val="6679DF"/>
+                </a:solidFill>
+                <a:ln w="6350">
+                  <a:noFill/>
+                </a:ln>
+              </p:spPr>
+              <p:style>
+                <a:lnRef idx="2">
+                  <a:schemeClr val="accent1">
+                    <a:shade val="50000"/>
+                  </a:schemeClr>
+                </a:lnRef>
+                <a:fillRef idx="1">
+                  <a:schemeClr val="accent1"/>
+                </a:fillRef>
+                <a:effectRef idx="0">
+                  <a:schemeClr val="accent1"/>
+                </a:effectRef>
+                <a:fontRef idx="minor">
+                  <a:schemeClr val="lt1"/>
+                </a:fontRef>
+              </p:style>
+              <p:txBody>
+                <a:bodyPr rtlCol="0" anchor="ctr"/>
+                <a:p>
+                  <a:pPr lvl="0" algn="ctr"/>
+                  <a:r>
+                    <a:rPr lang="en-US" altLang="zh-CN" sz="900" dirty="0" smtClean="0">
+                      <a:solidFill>
+                        <a:prstClr val="white"/>
+                      </a:solidFill>
+                      <a:latin typeface="微软雅黑" panose="020B0503020204020204" pitchFamily="34" charset="-122"/>
+                      <a:ea typeface="微软雅黑" panose="020B0503020204020204" pitchFamily="34" charset="-122"/>
+                    </a:rPr>
+                    <a:t>nginx</a:t>
+                  </a:r>
+                  <a:endParaRPr lang="zh-CN" altLang="en-US" dirty="0">
+                    <a:solidFill>
+                      <a:prstClr val="black"/>
+                    </a:solidFill>
+                  </a:endParaRPr>
+                </a:p>
+              </p:txBody>
+            </p:sp>
+          </p:grpSp>
           <p:sp>
             <p:nvSpPr>
-              <p:cNvPr id="17" name="圆角矩形 16"/>
+              <p:cNvPr id="73" name="圆角矩形 72"/>
               <p:cNvSpPr/>
               <p:nvPr/>
             </p:nvSpPr>
             <p:spPr>
               <a:xfrm>
-                <a:off x="2455038" y="4022438"/>
-                <a:ext cx="641187" cy="140176"/>
+                <a:off x="4372" y="3046"/>
+                <a:ext cx="1010" cy="221"/>
               </a:xfrm>
               <a:prstGeom prst="roundRect">
                 <a:avLst>
@@ -7456,6 +6501,7 @@
             </p:style>
             <p:txBody>
               <a:bodyPr rtlCol="0" anchor="ctr"/>
+              <a:lstStyle/>
               <a:p>
                 <a:pPr algn="ctr"/>
                 <a:r>
@@ -7478,30 +6524,461 @@
               </a:p>
             </p:txBody>
           </p:sp>
+        </p:grpSp>
+      </p:grpSp>
+      <p:grpSp>
+        <p:nvGrpSpPr>
+          <p:cNvPr id="26" name="组合 25"/>
+          <p:cNvGrpSpPr/>
+          <p:nvPr/>
+        </p:nvGrpSpPr>
+        <p:grpSpPr>
+          <a:xfrm>
+            <a:off x="294640" y="5009515"/>
+            <a:ext cx="2922905" cy="1386840"/>
+            <a:chOff x="476" y="8990"/>
+            <a:chExt cx="4603" cy="2184"/>
+          </a:xfrm>
+        </p:grpSpPr>
+        <p:grpSp>
+          <p:nvGrpSpPr>
+            <p:cNvPr id="2" name="组合 1"/>
+            <p:cNvGrpSpPr/>
+            <p:nvPr/>
+          </p:nvGrpSpPr>
+          <p:grpSpPr>
+            <a:xfrm rot="0">
+              <a:off x="565" y="8990"/>
+              <a:ext cx="4514" cy="2185"/>
+              <a:chOff x="418451" y="7853394"/>
+              <a:chExt cx="2866088" cy="1387453"/>
+            </a:xfrm>
+          </p:grpSpPr>
           <p:sp>
             <p:nvSpPr>
-              <p:cNvPr id="33" name="文本框 32"/>
-              <p:cNvSpPr txBox="1"/>
+              <p:cNvPr id="4" name="矩形 3"/>
+              <p:cNvSpPr/>
               <p:nvPr/>
             </p:nvSpPr>
             <p:spPr>
               <a:xfrm>
-                <a:off x="1404917" y="3745442"/>
-                <a:ext cx="184731" cy="215444"/>
+                <a:off x="418451" y="8000165"/>
+                <a:ext cx="982876" cy="331461"/>
               </a:xfrm>
               <a:prstGeom prst="rect">
                 <a:avLst/>
               </a:prstGeom>
-              <a:noFill/>
             </p:spPr>
             <p:txBody>
-              <a:bodyPr wrap="none" rtlCol="0">
+              <a:bodyPr wrap="none">
                 <a:spAutoFit/>
               </a:bodyPr>
               <a:p>
-                <a:endParaRPr lang="zh-CN" altLang="en-US" sz="800" dirty="0">
+                <a:pPr lvl="0">
+                  <a:lnSpc>
+                    <a:spcPct val="150000"/>
+                  </a:lnSpc>
+                </a:pPr>
+                <a:r>
+                  <a:rPr lang="zh-CN" altLang="en-US" sz="1050" b="1" dirty="0" err="1" smtClean="0">
+                    <a:latin typeface="微软雅黑" panose="020B0503020204020204" pitchFamily="34" charset="-122"/>
+                    <a:ea typeface="微软雅黑" panose="020B0503020204020204" pitchFamily="34" charset="-122"/>
+                  </a:rPr>
+                  <a:t>公司内网官网</a:t>
+                </a:r>
+                <a:endParaRPr lang="zh-CN" altLang="en-US" sz="1050" b="1" dirty="0" err="1" smtClean="0">
+                  <a:latin typeface="微软雅黑" panose="020B0503020204020204" pitchFamily="34" charset="-122"/>
+                  <a:ea typeface="微软雅黑" panose="020B0503020204020204" pitchFamily="34" charset="-122"/>
+                </a:endParaRPr>
+              </a:p>
+            </p:txBody>
+          </p:sp>
+          <p:sp>
+            <p:nvSpPr>
+              <p:cNvPr id="6" name="矩形 5"/>
+              <p:cNvSpPr/>
+              <p:nvPr/>
+            </p:nvSpPr>
+            <p:spPr>
+              <a:xfrm>
+                <a:off x="518770" y="8347411"/>
+                <a:ext cx="803190" cy="187955"/>
+              </a:xfrm>
+              <a:prstGeom prst="rect">
+                <a:avLst/>
+              </a:prstGeom>
+              <a:solidFill>
+                <a:srgbClr val="6679DF"/>
+              </a:solidFill>
+              <a:ln w="6350">
+                <a:noFill/>
+              </a:ln>
+            </p:spPr>
+            <p:style>
+              <a:lnRef idx="2">
+                <a:schemeClr val="accent1">
+                  <a:shade val="50000"/>
+                </a:schemeClr>
+              </a:lnRef>
+              <a:fillRef idx="1">
+                <a:schemeClr val="accent1"/>
+              </a:fillRef>
+              <a:effectRef idx="0">
+                <a:schemeClr val="accent1"/>
+              </a:effectRef>
+              <a:fontRef idx="minor">
+                <a:schemeClr val="lt1"/>
+              </a:fontRef>
+            </p:style>
+            <p:txBody>
+              <a:bodyPr rtlCol="0" anchor="ctr"/>
+              <a:p>
+                <a:pPr lvl="0" algn="ctr"/>
+                <a:r>
+                  <a:rPr lang="en-US" altLang="zh-CN" sz="900" dirty="0">
+                    <a:solidFill>
+                      <a:prstClr val="white"/>
+                    </a:solidFill>
+                    <a:latin typeface="微软雅黑" panose="020B0503020204020204" pitchFamily="34" charset="-122"/>
+                    <a:ea typeface="微软雅黑" panose="020B0503020204020204" pitchFamily="34" charset="-122"/>
+                  </a:rPr>
+                  <a:t>Dedecms</a:t>
+                </a:r>
+                <a:endParaRPr lang="en-US" altLang="zh-CN" sz="900" dirty="0">
                   <a:solidFill>
-                    <a:srgbClr val="6679DF"/>
+                    <a:prstClr val="white"/>
+                  </a:solidFill>
+                  <a:latin typeface="微软雅黑" panose="020B0503020204020204" pitchFamily="34" charset="-122"/>
+                  <a:ea typeface="微软雅黑" panose="020B0503020204020204" pitchFamily="34" charset="-122"/>
+                </a:endParaRPr>
+              </a:p>
+            </p:txBody>
+          </p:sp>
+          <p:sp>
+            <p:nvSpPr>
+              <p:cNvPr id="13" name="矩形 12"/>
+              <p:cNvSpPr/>
+              <p:nvPr/>
+            </p:nvSpPr>
+            <p:spPr>
+              <a:xfrm>
+                <a:off x="418453" y="8577925"/>
+                <a:ext cx="2866086" cy="662922"/>
+              </a:xfrm>
+              <a:prstGeom prst="rect">
+                <a:avLst/>
+              </a:prstGeom>
+            </p:spPr>
+            <p:txBody>
+              <a:bodyPr wrap="square">
+                <a:spAutoFit/>
+              </a:bodyPr>
+              <a:p>
+                <a:pPr marL="171450" lvl="0" indent="-171450">
+                  <a:lnSpc>
+                    <a:spcPts val="1500"/>
+                  </a:lnSpc>
+                  <a:buFont typeface="Wingdings" panose="05000000000000000000" pitchFamily="2" charset="2"/>
+                  <a:buChar char="ü"/>
+                </a:pPr>
+                <a:r>
+                  <a:rPr lang="zh-CN" altLang="en-US" sz="900" dirty="0" smtClean="0">
+                    <a:latin typeface="微软雅黑" panose="020B0503020204020204" pitchFamily="34" charset="-122"/>
+                    <a:ea typeface="微软雅黑" panose="020B0503020204020204" pitchFamily="34" charset="-122"/>
+                  </a:rPr>
+                  <a:t>主要维护和开发之前运维留下的公司内网</a:t>
+                </a:r>
+                <a:r>
+                  <a:rPr lang="en-US" altLang="zh-CN" sz="900" dirty="0" smtClean="0">
+                    <a:latin typeface="微软雅黑" panose="020B0503020204020204" pitchFamily="34" charset="-122"/>
+                    <a:ea typeface="微软雅黑" panose="020B0503020204020204" pitchFamily="34" charset="-122"/>
+                  </a:rPr>
+                  <a:t>.</a:t>
+                </a:r>
+                <a:r>
+                  <a:rPr lang="zh-CN" altLang="en-US" sz="900" dirty="0" smtClean="0">
+                    <a:latin typeface="微软雅黑" panose="020B0503020204020204" pitchFamily="34" charset="-122"/>
+                    <a:ea typeface="微软雅黑" panose="020B0503020204020204" pitchFamily="34" charset="-122"/>
+                  </a:rPr>
+                  <a:t>基于织梦</a:t>
+                </a:r>
+                <a:r>
+                  <a:rPr lang="en-US" altLang="zh-CN" sz="900" dirty="0" smtClean="0">
+                    <a:latin typeface="微软雅黑" panose="020B0503020204020204" pitchFamily="34" charset="-122"/>
+                    <a:ea typeface="微软雅黑" panose="020B0503020204020204" pitchFamily="34" charset="-122"/>
+                  </a:rPr>
+                  <a:t>cms</a:t>
+                </a:r>
+                <a:r>
+                  <a:rPr lang="zh-CN" altLang="en-US" sz="900" dirty="0" smtClean="0">
+                    <a:latin typeface="微软雅黑" panose="020B0503020204020204" pitchFamily="34" charset="-122"/>
+                    <a:ea typeface="微软雅黑" panose="020B0503020204020204" pitchFamily="34" charset="-122"/>
+                  </a:rPr>
+                  <a:t>二次开发</a:t>
+                </a:r>
+                <a:r>
+                  <a:rPr lang="en-US" altLang="zh-CN" sz="900" dirty="0" smtClean="0">
+                    <a:latin typeface="微软雅黑" panose="020B0503020204020204" pitchFamily="34" charset="-122"/>
+                    <a:ea typeface="微软雅黑" panose="020B0503020204020204" pitchFamily="34" charset="-122"/>
+                  </a:rPr>
+                  <a:t>.</a:t>
+                </a:r>
+                <a:r>
+                  <a:rPr lang="zh-CN" altLang="en-US" sz="900" dirty="0" smtClean="0">
+                    <a:latin typeface="微软雅黑" panose="020B0503020204020204" pitchFamily="34" charset="-122"/>
+                    <a:ea typeface="微软雅黑" panose="020B0503020204020204" pitchFamily="34" charset="-122"/>
+                  </a:rPr>
+                  <a:t>给行政做日常工作使用</a:t>
+                </a:r>
+                <a:r>
+                  <a:rPr lang="en-US" altLang="zh-CN" sz="900" dirty="0" smtClean="0">
+                    <a:latin typeface="微软雅黑" panose="020B0503020204020204" pitchFamily="34" charset="-122"/>
+                    <a:ea typeface="微软雅黑" panose="020B0503020204020204" pitchFamily="34" charset="-122"/>
+                  </a:rPr>
+                  <a:t>,</a:t>
+                </a:r>
+                <a:endParaRPr lang="zh-CN" altLang="en-US" sz="900" dirty="0" smtClean="0">
+                  <a:latin typeface="微软雅黑" panose="020B0503020204020204" pitchFamily="34" charset="-122"/>
+                  <a:ea typeface="微软雅黑" panose="020B0503020204020204" pitchFamily="34" charset="-122"/>
+                </a:endParaRPr>
+              </a:p>
+              <a:p>
+                <a:pPr marL="171450" lvl="0" indent="-171450">
+                  <a:lnSpc>
+                    <a:spcPts val="1500"/>
+                  </a:lnSpc>
+                  <a:buFont typeface="Wingdings" panose="05000000000000000000" pitchFamily="2" charset="2"/>
+                  <a:buChar char="ü"/>
+                </a:pPr>
+                <a:endParaRPr lang="zh-CN" altLang="en-US" sz="900" dirty="0" smtClean="0">
+                  <a:latin typeface="微软雅黑" panose="020B0503020204020204" pitchFamily="34" charset="-122"/>
+                  <a:ea typeface="微软雅黑" panose="020B0503020204020204" pitchFamily="34" charset="-122"/>
+                </a:endParaRPr>
+              </a:p>
+            </p:txBody>
+          </p:sp>
+          <p:grpSp>
+            <p:nvGrpSpPr>
+              <p:cNvPr id="15" name="组合 14"/>
+              <p:cNvGrpSpPr/>
+              <p:nvPr/>
+            </p:nvGrpSpPr>
+            <p:grpSpPr>
+              <a:xfrm>
+                <a:off x="1448670" y="7853394"/>
+                <a:ext cx="1691308" cy="417172"/>
+                <a:chOff x="1404917" y="3745442"/>
+                <a:chExt cx="1691308" cy="417172"/>
+              </a:xfrm>
+            </p:grpSpPr>
+            <p:sp>
+              <p:nvSpPr>
+                <p:cNvPr id="17" name="圆角矩形 16"/>
+                <p:cNvSpPr/>
+                <p:nvPr/>
+              </p:nvSpPr>
+              <p:spPr>
+                <a:xfrm>
+                  <a:off x="2455038" y="4022438"/>
+                  <a:ext cx="641187" cy="140176"/>
+                </a:xfrm>
+                <a:prstGeom prst="roundRect">
+                  <a:avLst>
+                    <a:gd name="adj" fmla="val 50000"/>
+                  </a:avLst>
+                </a:prstGeom>
+                <a:solidFill>
+                  <a:srgbClr val="E9ECFB"/>
+                </a:solidFill>
+                <a:ln>
+                  <a:noFill/>
+                </a:ln>
+              </p:spPr>
+              <p:style>
+                <a:lnRef idx="2">
+                  <a:schemeClr val="accent1">
+                    <a:shade val="50000"/>
+                  </a:schemeClr>
+                </a:lnRef>
+                <a:fillRef idx="1">
+                  <a:schemeClr val="accent1"/>
+                </a:fillRef>
+                <a:effectRef idx="0">
+                  <a:schemeClr val="accent1"/>
+                </a:effectRef>
+                <a:fontRef idx="minor">
+                  <a:schemeClr val="lt1"/>
+                </a:fontRef>
+              </p:style>
+              <p:txBody>
+                <a:bodyPr rtlCol="0" anchor="ctr"/>
+                <a:p>
+                  <a:pPr algn="ctr"/>
+                  <a:r>
+                    <a:rPr lang="zh-CN" altLang="en-US" sz="800" dirty="0">
+                      <a:solidFill>
+                        <a:srgbClr val="6679DF"/>
+                      </a:solidFill>
+                      <a:latin typeface="微软雅黑" panose="020B0503020204020204" pitchFamily="34" charset="-122"/>
+                      <a:ea typeface="微软雅黑" panose="020B0503020204020204" pitchFamily="34" charset="-122"/>
+                    </a:rPr>
+                    <a:t>团队开发</a:t>
+                  </a:r>
+                  <a:endParaRPr lang="zh-CN" altLang="en-US" sz="800" dirty="0">
+                    <a:solidFill>
+                      <a:srgbClr val="6679DF"/>
+                    </a:solidFill>
+                    <a:latin typeface="微软雅黑" panose="020B0503020204020204" pitchFamily="34" charset="-122"/>
+                    <a:ea typeface="微软雅黑" panose="020B0503020204020204" pitchFamily="34" charset="-122"/>
+                  </a:endParaRPr>
+                </a:p>
+              </p:txBody>
+            </p:sp>
+            <p:sp>
+              <p:nvSpPr>
+                <p:cNvPr id="33" name="文本框 32"/>
+                <p:cNvSpPr txBox="1"/>
+                <p:nvPr/>
+              </p:nvSpPr>
+              <p:spPr>
+                <a:xfrm>
+                  <a:off x="1404917" y="3745442"/>
+                  <a:ext cx="184731" cy="215444"/>
+                </a:xfrm>
+                <a:prstGeom prst="rect">
+                  <a:avLst/>
+                </a:prstGeom>
+                <a:noFill/>
+              </p:spPr>
+              <p:txBody>
+                <a:bodyPr wrap="none" rtlCol="0">
+                  <a:spAutoFit/>
+                </a:bodyPr>
+                <a:p>
+                  <a:endParaRPr lang="zh-CN" altLang="en-US" sz="800" dirty="0">
+                    <a:solidFill>
+                      <a:srgbClr val="6679DF"/>
+                    </a:solidFill>
+                    <a:latin typeface="微软雅黑" panose="020B0503020204020204" pitchFamily="34" charset="-122"/>
+                    <a:ea typeface="微软雅黑" panose="020B0503020204020204" pitchFamily="34" charset="-122"/>
+                  </a:endParaRPr>
+                </a:p>
+              </p:txBody>
+            </p:sp>
+          </p:grpSp>
+          <p:sp>
+            <p:nvSpPr>
+              <p:cNvPr id="34" name="矩形 33"/>
+              <p:cNvSpPr/>
+              <p:nvPr/>
+            </p:nvSpPr>
+            <p:spPr>
+              <a:xfrm>
+                <a:off x="1429906" y="8347411"/>
+                <a:ext cx="766999" cy="203195"/>
+              </a:xfrm>
+              <a:prstGeom prst="rect">
+                <a:avLst/>
+              </a:prstGeom>
+              <a:solidFill>
+                <a:srgbClr val="6679DF"/>
+              </a:solidFill>
+              <a:ln w="6350">
+                <a:noFill/>
+              </a:ln>
+            </p:spPr>
+            <p:style>
+              <a:lnRef idx="2">
+                <a:schemeClr val="accent1">
+                  <a:shade val="50000"/>
+                </a:schemeClr>
+              </a:lnRef>
+              <a:fillRef idx="1">
+                <a:schemeClr val="accent1"/>
+              </a:fillRef>
+              <a:effectRef idx="0">
+                <a:schemeClr val="accent1"/>
+              </a:effectRef>
+              <a:fontRef idx="minor">
+                <a:schemeClr val="lt1"/>
+              </a:fontRef>
+            </p:style>
+            <p:txBody>
+              <a:bodyPr rtlCol="0" anchor="ctr"/>
+              <a:p>
+                <a:pPr lvl="0" algn="ctr"/>
+                <a:r>
+                  <a:rPr lang="en-US" altLang="zh-CN" sz="900" dirty="0" smtClean="0">
+                    <a:solidFill>
+                      <a:prstClr val="white"/>
+                    </a:solidFill>
+                    <a:latin typeface="微软雅黑" panose="020B0503020204020204" pitchFamily="34" charset="-122"/>
+                    <a:ea typeface="微软雅黑" panose="020B0503020204020204" pitchFamily="34" charset="-122"/>
+                  </a:rPr>
+                  <a:t>bootstarp</a:t>
+                </a:r>
+                <a:endParaRPr lang="en-US" altLang="zh-CN" dirty="0">
+                  <a:solidFill>
+                    <a:prstClr val="black"/>
+                  </a:solidFill>
+                </a:endParaRPr>
+              </a:p>
+            </p:txBody>
+          </p:sp>
+          <p:sp>
+            <p:nvSpPr>
+              <p:cNvPr id="42" name="矩形 41"/>
+              <p:cNvSpPr/>
+              <p:nvPr/>
+            </p:nvSpPr>
+            <p:spPr>
+              <a:xfrm>
+                <a:off x="2297856" y="8347411"/>
+                <a:ext cx="547947" cy="203195"/>
+              </a:xfrm>
+              <a:prstGeom prst="rect">
+                <a:avLst/>
+              </a:prstGeom>
+              <a:solidFill>
+                <a:srgbClr val="6679DF"/>
+              </a:solidFill>
+              <a:ln w="6350">
+                <a:noFill/>
+              </a:ln>
+            </p:spPr>
+            <p:style>
+              <a:lnRef idx="2">
+                <a:schemeClr val="accent1">
+                  <a:shade val="50000"/>
+                </a:schemeClr>
+              </a:lnRef>
+              <a:fillRef idx="1">
+                <a:schemeClr val="accent1"/>
+              </a:fillRef>
+              <a:effectRef idx="0">
+                <a:schemeClr val="accent1"/>
+              </a:effectRef>
+              <a:fontRef idx="minor">
+                <a:schemeClr val="lt1"/>
+              </a:fontRef>
+            </p:style>
+            <p:txBody>
+              <a:bodyPr rtlCol="0" anchor="ctr"/>
+              <a:p>
+                <a:pPr lvl="0" algn="ctr"/>
+                <a:r>
+                  <a:rPr lang="en-US" altLang="zh-CN" sz="900" dirty="0" err="1" smtClean="0">
+                    <a:solidFill>
+                      <a:prstClr val="white"/>
+                    </a:solidFill>
+                    <a:latin typeface="微软雅黑" panose="020B0503020204020204" pitchFamily="34" charset="-122"/>
+                    <a:ea typeface="微软雅黑" panose="020B0503020204020204" pitchFamily="34" charset="-122"/>
+                  </a:rPr>
+                  <a:t>jquery</a:t>
+                </a:r>
+                <a:endParaRPr lang="en-US" altLang="zh-CN" sz="900" dirty="0" err="1" smtClean="0">
+                  <a:solidFill>
+                    <a:prstClr val="white"/>
                   </a:solidFill>
                   <a:latin typeface="微软雅黑" panose="020B0503020204020204" pitchFamily="34" charset="-122"/>
                   <a:ea typeface="微软雅黑" panose="020B0503020204020204" pitchFamily="34" charset="-122"/>
@@ -7512,23 +6989,25 @@
         </p:grpSp>
         <p:sp>
           <p:nvSpPr>
-            <p:cNvPr id="34" name="矩形 33"/>
+            <p:cNvPr id="48" name="椭圆 47"/>
             <p:cNvSpPr/>
             <p:nvPr/>
           </p:nvSpPr>
           <p:spPr>
-            <a:xfrm>
-              <a:off x="1429906" y="8347411"/>
-              <a:ext cx="766999" cy="203195"/>
+            <a:xfrm flipH="1">
+              <a:off x="476" y="9470"/>
+              <a:ext cx="133" cy="133"/>
             </a:xfrm>
-            <a:prstGeom prst="rect">
+            <a:prstGeom prst="ellipse">
               <a:avLst/>
             </a:prstGeom>
             <a:solidFill>
-              <a:srgbClr val="6679DF"/>
+              <a:schemeClr val="tx1"/>
             </a:solidFill>
-            <a:ln w="6350">
-              <a:noFill/>
+            <a:ln w="15875">
+              <a:solidFill>
+                <a:schemeClr val="bg1"/>
+              </a:solidFill>
             </a:ln>
           </p:spPr>
           <p:style>
@@ -7550,134 +7029,12 @@
           <p:txBody>
             <a:bodyPr rtlCol="0" anchor="ctr"/>
             <a:p>
-              <a:pPr lvl="0" algn="ctr"/>
-              <a:r>
-                <a:rPr lang="en-US" altLang="zh-CN" sz="900" dirty="0" smtClean="0">
-                  <a:solidFill>
-                    <a:prstClr val="white"/>
-                  </a:solidFill>
-                  <a:latin typeface="微软雅黑" panose="020B0503020204020204" pitchFamily="34" charset="-122"/>
-                  <a:ea typeface="微软雅黑" panose="020B0503020204020204" pitchFamily="34" charset="-122"/>
-                </a:rPr>
-                <a:t>bootstarp</a:t>
-              </a:r>
-              <a:endParaRPr lang="en-US" altLang="zh-CN" dirty="0">
-                <a:solidFill>
-                  <a:prstClr val="black"/>
-                </a:solidFill>
-              </a:endParaRPr>
-            </a:p>
-          </p:txBody>
-        </p:sp>
-        <p:sp>
-          <p:nvSpPr>
-            <p:cNvPr id="42" name="矩形 41"/>
-            <p:cNvSpPr/>
-            <p:nvPr/>
-          </p:nvSpPr>
-          <p:spPr>
-            <a:xfrm>
-              <a:off x="2297856" y="8347411"/>
-              <a:ext cx="547947" cy="203195"/>
-            </a:xfrm>
-            <a:prstGeom prst="rect">
-              <a:avLst/>
-            </a:prstGeom>
-            <a:solidFill>
-              <a:srgbClr val="6679DF"/>
-            </a:solidFill>
-            <a:ln w="6350">
-              <a:noFill/>
-            </a:ln>
-          </p:spPr>
-          <p:style>
-            <a:lnRef idx="2">
-              <a:schemeClr val="accent1">
-                <a:shade val="50000"/>
-              </a:schemeClr>
-            </a:lnRef>
-            <a:fillRef idx="1">
-              <a:schemeClr val="accent1"/>
-            </a:fillRef>
-            <a:effectRef idx="0">
-              <a:schemeClr val="accent1"/>
-            </a:effectRef>
-            <a:fontRef idx="minor">
-              <a:schemeClr val="lt1"/>
-            </a:fontRef>
-          </p:style>
-          <p:txBody>
-            <a:bodyPr rtlCol="0" anchor="ctr"/>
-            <a:p>
-              <a:pPr lvl="0" algn="ctr"/>
-              <a:r>
-                <a:rPr lang="en-US" altLang="zh-CN" sz="900" dirty="0" err="1" smtClean="0">
-                  <a:solidFill>
-                    <a:prstClr val="white"/>
-                  </a:solidFill>
-                  <a:latin typeface="微软雅黑" panose="020B0503020204020204" pitchFamily="34" charset="-122"/>
-                  <a:ea typeface="微软雅黑" panose="020B0503020204020204" pitchFamily="34" charset="-122"/>
-                </a:rPr>
-                <a:t>jquery</a:t>
-              </a:r>
-              <a:endParaRPr lang="en-US" altLang="zh-CN" sz="900" dirty="0" err="1" smtClean="0">
-                <a:solidFill>
-                  <a:prstClr val="white"/>
-                </a:solidFill>
-                <a:latin typeface="微软雅黑" panose="020B0503020204020204" pitchFamily="34" charset="-122"/>
-                <a:ea typeface="微软雅黑" panose="020B0503020204020204" pitchFamily="34" charset="-122"/>
-              </a:endParaRPr>
+              <a:pPr algn="ctr"/>
+              <a:endParaRPr lang="zh-CN" altLang="en-US"/>
             </a:p>
           </p:txBody>
         </p:sp>
       </p:grpSp>
-      <p:sp>
-        <p:nvSpPr>
-          <p:cNvPr id="48" name="椭圆 47"/>
-          <p:cNvSpPr/>
-          <p:nvPr/>
-        </p:nvSpPr>
-        <p:spPr>
-          <a:xfrm flipH="1">
-            <a:off x="294640" y="6292215"/>
-            <a:ext cx="84455" cy="84455"/>
-          </a:xfrm>
-          <a:prstGeom prst="ellipse">
-            <a:avLst/>
-          </a:prstGeom>
-          <a:solidFill>
-            <a:schemeClr val="tx1"/>
-          </a:solidFill>
-          <a:ln w="15875">
-            <a:solidFill>
-              <a:schemeClr val="bg1"/>
-            </a:solidFill>
-          </a:ln>
-        </p:spPr>
-        <p:style>
-          <a:lnRef idx="2">
-            <a:schemeClr val="accent1">
-              <a:shade val="50000"/>
-            </a:schemeClr>
-          </a:lnRef>
-          <a:fillRef idx="1">
-            <a:schemeClr val="accent1"/>
-          </a:fillRef>
-          <a:effectRef idx="0">
-            <a:schemeClr val="accent1"/>
-          </a:effectRef>
-          <a:fontRef idx="minor">
-            <a:schemeClr val="lt1"/>
-          </a:fontRef>
-        </p:style>
-        <p:txBody>
-          <a:bodyPr rtlCol="0" anchor="ctr"/>
-          <a:p>
-            <a:pPr algn="ctr"/>
-            <a:endParaRPr lang="zh-CN" altLang="en-US"/>
-          </a:p>
-        </p:txBody>
-      </p:sp>
       <p:grpSp>
         <p:nvGrpSpPr>
           <p:cNvPr id="49" name="组合 48"/>
@@ -7686,10 +7043,10 @@
         </p:nvGrpSpPr>
         <p:grpSpPr>
           <a:xfrm>
-            <a:off x="297180" y="7087118"/>
-            <a:ext cx="2929890" cy="1958990"/>
+            <a:off x="306705" y="5978408"/>
+            <a:ext cx="2929890" cy="2162190"/>
             <a:chOff x="468" y="11698"/>
-            <a:chExt cx="4614" cy="3085"/>
+            <a:chExt cx="4614" cy="3405"/>
           </a:xfrm>
         </p:grpSpPr>
         <p:grpSp>
@@ -7701,9 +7058,9 @@
           <p:grpSpPr>
             <a:xfrm rot="0">
               <a:off x="568" y="11698"/>
-              <a:ext cx="4514" cy="3085"/>
+              <a:ext cx="4514" cy="3405"/>
               <a:chOff x="418451" y="7853394"/>
-              <a:chExt cx="2866088" cy="1958938"/>
+              <a:chExt cx="2866088" cy="2162133"/>
             </a:xfrm>
           </p:grpSpPr>
           <p:sp>
@@ -7715,7 +7072,7 @@
             <p:spPr>
               <a:xfrm>
                 <a:off x="418451" y="8000165"/>
-                <a:ext cx="1217802" cy="331461"/>
+                <a:ext cx="1104149" cy="333366"/>
               </a:xfrm>
               <a:prstGeom prst="rect">
                 <a:avLst/>
@@ -7736,21 +7093,21 @@
                     <a:latin typeface="微软雅黑" panose="020B0503020204020204" pitchFamily="34" charset="-122"/>
                     <a:ea typeface="微软雅黑" panose="020B0503020204020204" pitchFamily="34" charset="-122"/>
                   </a:rPr>
-                  <a:t>豆瓣</a:t>
+                  <a:t>淘数据</a:t>
                 </a:r>
                 <a:r>
                   <a:rPr lang="en-US" altLang="zh-CN" sz="1050" b="1" dirty="0">
                     <a:latin typeface="微软雅黑" panose="020B0503020204020204" pitchFamily="34" charset="-122"/>
                     <a:ea typeface="微软雅黑" panose="020B0503020204020204" pitchFamily="34" charset="-122"/>
                   </a:rPr>
-                  <a:t>+</a:t>
+                  <a:t>&amp;</a:t>
                 </a:r>
                 <a:r>
                   <a:rPr lang="zh-CN" altLang="en-US" sz="1050" b="1" dirty="0">
                     <a:latin typeface="微软雅黑" panose="020B0503020204020204" pitchFamily="34" charset="-122"/>
                     <a:ea typeface="微软雅黑" panose="020B0503020204020204" pitchFamily="34" charset="-122"/>
                   </a:rPr>
-                  <a:t>资源图合集</a:t>
+                  <a:t>卖家网</a:t>
                 </a:r>
                 <a:endParaRPr lang="zh-CN" altLang="en-US" sz="1050" b="1" dirty="0">
                   <a:latin typeface="微软雅黑" panose="020B0503020204020204" pitchFamily="34" charset="-122"/>
@@ -7829,7 +7186,7 @@
             <p:spPr>
               <a:xfrm>
                 <a:off x="418453" y="8577925"/>
-                <a:ext cx="2866086" cy="1234407"/>
+                <a:ext cx="2866086" cy="1437602"/>
               </a:xfrm>
               <a:prstGeom prst="rect">
                 <a:avLst/>
@@ -7851,91 +7208,81 @@
                   <a:rPr lang="zh-CN" altLang="en-US" sz="900" dirty="0" smtClean="0">
                     <a:latin typeface="微软雅黑" panose="020B0503020204020204" pitchFamily="34" charset="-122"/>
                     <a:ea typeface="微软雅黑" panose="020B0503020204020204" pitchFamily="34" charset="-122"/>
+                    <a:sym typeface="+mn-ea"/>
                   </a:rPr>
-                  <a:t>用</a:t>
+                  <a:t>淘数据淘宝行业</a:t>
                 </a:r>
                 <a:r>
                   <a:rPr lang="en-US" altLang="zh-CN" sz="900" dirty="0" smtClean="0">
                     <a:latin typeface="微软雅黑" panose="020B0503020204020204" pitchFamily="34" charset="-122"/>
                     <a:ea typeface="微软雅黑" panose="020B0503020204020204" pitchFamily="34" charset="-122"/>
+                    <a:sym typeface="+mn-ea"/>
                   </a:rPr>
-                  <a:t>puppteer</a:t>
+                  <a:t>.</a:t>
                 </a:r>
                 <a:r>
                   <a:rPr lang="zh-CN" altLang="en-US" sz="900" dirty="0" smtClean="0">
                     <a:latin typeface="微软雅黑" panose="020B0503020204020204" pitchFamily="34" charset="-122"/>
                     <a:ea typeface="微软雅黑" panose="020B0503020204020204" pitchFamily="34" charset="-122"/>
+                    <a:sym typeface="+mn-ea"/>
                   </a:rPr>
-                  <a:t>挂在</a:t>
+                  <a:t>品牌</a:t>
                 </a:r>
                 <a:r>
                   <a:rPr lang="en-US" altLang="zh-CN" sz="900" dirty="0" smtClean="0">
                     <a:latin typeface="微软雅黑" panose="020B0503020204020204" pitchFamily="34" charset="-122"/>
                     <a:ea typeface="微软雅黑" panose="020B0503020204020204" pitchFamily="34" charset="-122"/>
+                    <a:sym typeface="+mn-ea"/>
                   </a:rPr>
-                  <a:t>ubuntu</a:t>
+                  <a:t>.</a:t>
                 </a:r>
                 <a:r>
                   <a:rPr lang="zh-CN" altLang="en-US" sz="900" dirty="0" smtClean="0">
                     <a:latin typeface="微软雅黑" panose="020B0503020204020204" pitchFamily="34" charset="-122"/>
                     <a:ea typeface="微软雅黑" panose="020B0503020204020204" pitchFamily="34" charset="-122"/>
+                    <a:sym typeface="+mn-ea"/>
                   </a:rPr>
-                  <a:t>定时任务上每日爬取资源存入</a:t>
+                  <a:t>宝贝和店铺版块使用</a:t>
                 </a:r>
                 <a:r>
                   <a:rPr lang="en-US" altLang="zh-CN" sz="900" dirty="0" smtClean="0">
                     <a:latin typeface="微软雅黑" panose="020B0503020204020204" pitchFamily="34" charset="-122"/>
                     <a:ea typeface="微软雅黑" panose="020B0503020204020204" pitchFamily="34" charset="-122"/>
+                    <a:sym typeface="+mn-ea"/>
                   </a:rPr>
-                  <a:t>mysql</a:t>
+                  <a:t>raycloud.tatami,jquery</a:t>
                 </a:r>
-                <a:endParaRPr lang="en-US" altLang="zh-CN" sz="900" dirty="0" smtClean="0">
-                  <a:latin typeface="微软雅黑" panose="020B0503020204020204" pitchFamily="34" charset="-122"/>
-                  <a:ea typeface="微软雅黑" panose="020B0503020204020204" pitchFamily="34" charset="-122"/>
-                </a:endParaRPr>
-              </a:p>
-              <a:p>
-                <a:pPr marL="171450" lvl="0" indent="-171450">
-                  <a:lnSpc>
-                    <a:spcPts val="1500"/>
-                  </a:lnSpc>
-                  <a:buFont typeface="Wingdings" panose="05000000000000000000" pitchFamily="2" charset="2"/>
-                  <a:buChar char="ü"/>
-                </a:pPr>
                 <a:r>
                   <a:rPr lang="zh-CN" altLang="en-US" sz="900" dirty="0" smtClean="0">
                     <a:latin typeface="微软雅黑" panose="020B0503020204020204" pitchFamily="34" charset="-122"/>
                     <a:ea typeface="微软雅黑" panose="020B0503020204020204" pitchFamily="34" charset="-122"/>
+                    <a:sym typeface="+mn-ea"/>
                   </a:rPr>
-                  <a:t>使用</a:t>
+                  <a:t>开发维护</a:t>
                 </a:r>
                 <a:r>
                   <a:rPr lang="en-US" altLang="zh-CN" sz="900" dirty="0" smtClean="0">
                     <a:latin typeface="微软雅黑" panose="020B0503020204020204" pitchFamily="34" charset="-122"/>
                     <a:ea typeface="微软雅黑" panose="020B0503020204020204" pitchFamily="34" charset="-122"/>
+                    <a:sym typeface="+mn-ea"/>
                   </a:rPr>
-                  <a:t>koa2</a:t>
+                  <a:t>(raycloud.tatami</a:t>
                 </a:r>
                 <a:r>
                   <a:rPr lang="zh-CN" altLang="en-US" sz="900" dirty="0" smtClean="0">
                     <a:latin typeface="微软雅黑" panose="020B0503020204020204" pitchFamily="34" charset="-122"/>
                     <a:ea typeface="微软雅黑" panose="020B0503020204020204" pitchFamily="34" charset="-122"/>
+                    <a:sym typeface="+mn-ea"/>
                   </a:rPr>
-                  <a:t>做</a:t>
+                  <a:t>是现公司开发的单页面框架</a:t>
                 </a:r>
                 <a:r>
                   <a:rPr lang="en-US" altLang="zh-CN" sz="900" dirty="0" smtClean="0">
                     <a:latin typeface="微软雅黑" panose="020B0503020204020204" pitchFamily="34" charset="-122"/>
                     <a:ea typeface="微软雅黑" panose="020B0503020204020204" pitchFamily="34" charset="-122"/>
+                    <a:sym typeface="+mn-ea"/>
                   </a:rPr>
-                  <a:t>restful API</a:t>
-                </a:r>
-                <a:r>
-                  <a:rPr lang="zh-CN" altLang="en-US" sz="900" dirty="0" smtClean="0">
-                    <a:latin typeface="微软雅黑" panose="020B0503020204020204" pitchFamily="34" charset="-122"/>
-                    <a:ea typeface="微软雅黑" panose="020B0503020204020204" pitchFamily="34" charset="-122"/>
-                  </a:rPr>
-                  <a:t>服务器</a:t>
+                  <a:t>)</a:t>
                 </a:r>
                 <a:endParaRPr lang="zh-CN" altLang="en-US" sz="900" dirty="0" smtClean="0">
                   <a:latin typeface="微软雅黑" panose="020B0503020204020204" pitchFamily="34" charset="-122"/>
@@ -7954,13 +7301,47 @@
                   <a:rPr lang="zh-CN" altLang="en-US" sz="900" dirty="0" smtClean="0">
                     <a:latin typeface="微软雅黑" panose="020B0503020204020204" pitchFamily="34" charset="-122"/>
                     <a:ea typeface="微软雅黑" panose="020B0503020204020204" pitchFamily="34" charset="-122"/>
+                    <a:sym typeface="+mn-ea"/>
                   </a:rPr>
-                  <a:t>使用</a:t>
+                  <a:t>在淘数据</a:t>
                 </a:r>
                 <a:r>
                   <a:rPr lang="en-US" altLang="zh-CN" sz="900" dirty="0" smtClean="0">
                     <a:latin typeface="微软雅黑" panose="020B0503020204020204" pitchFamily="34" charset="-122"/>
                     <a:ea typeface="微软雅黑" panose="020B0503020204020204" pitchFamily="34" charset="-122"/>
+                    <a:sym typeface="+mn-ea"/>
+                  </a:rPr>
+                  <a:t>pdd</a:t>
+                </a:r>
+                <a:r>
+                  <a:rPr lang="zh-CN" altLang="en-US" sz="900" dirty="0" smtClean="0">
+                    <a:latin typeface="微软雅黑" panose="020B0503020204020204" pitchFamily="34" charset="-122"/>
+                    <a:ea typeface="微软雅黑" panose="020B0503020204020204" pitchFamily="34" charset="-122"/>
+                    <a:sym typeface="+mn-ea"/>
+                  </a:rPr>
+                  <a:t>版块和京东版块创建项目</a:t>
+                </a:r>
+                <a:r>
+                  <a:rPr lang="en-US" altLang="zh-CN" sz="900" dirty="0" smtClean="0">
+                    <a:latin typeface="微软雅黑" panose="020B0503020204020204" pitchFamily="34" charset="-122"/>
+                    <a:ea typeface="微软雅黑" panose="020B0503020204020204" pitchFamily="34" charset="-122"/>
+                    <a:sym typeface="+mn-ea"/>
+                  </a:rPr>
+                  <a:t>.</a:t>
+                </a:r>
+                <a:r>
+                  <a:rPr lang="zh-CN" altLang="en-US" sz="900" dirty="0" smtClean="0">
+                    <a:latin typeface="微软雅黑" panose="020B0503020204020204" pitchFamily="34" charset="-122"/>
+                    <a:ea typeface="微软雅黑" panose="020B0503020204020204" pitchFamily="34" charset="-122"/>
+                    <a:sym typeface="+mn-ea"/>
+                  </a:rPr>
+                  <a:t>并使用</a:t>
+                </a:r>
+                <a:r>
+                  <a:rPr lang="en-US" altLang="zh-CN" sz="900" dirty="0" smtClean="0">
+                    <a:latin typeface="微软雅黑" panose="020B0503020204020204" pitchFamily="34" charset="-122"/>
+                    <a:ea typeface="微软雅黑" panose="020B0503020204020204" pitchFamily="34" charset="-122"/>
+                    <a:sym typeface="+mn-ea"/>
                   </a:rPr>
                   <a:t>vue</a:t>
                 </a:r>
@@ -7968,47 +7349,14 @@
                   <a:rPr lang="zh-CN" altLang="en-US" sz="900" dirty="0" smtClean="0">
                     <a:latin typeface="微软雅黑" panose="020B0503020204020204" pitchFamily="34" charset="-122"/>
                     <a:ea typeface="微软雅黑" panose="020B0503020204020204" pitchFamily="34" charset="-122"/>
+                    <a:sym typeface="+mn-ea"/>
                   </a:rPr>
-                  <a:t>制作网页版</a:t>
+                  <a:t>开发维护</a:t>
                 </a:r>
-                <a:r>
-                  <a:rPr lang="en-US" altLang="zh-CN" sz="900" dirty="0" smtClean="0">
-                    <a:latin typeface="微软雅黑" panose="020B0503020204020204" pitchFamily="34" charset="-122"/>
-                    <a:ea typeface="微软雅黑" panose="020B0503020204020204" pitchFamily="34" charset="-122"/>
-                  </a:rPr>
-                  <a:t>(</a:t>
-                </a:r>
-                <a:r>
-                  <a:rPr lang="zh-CN" altLang="en-US" sz="900" dirty="0" smtClean="0">
-                    <a:latin typeface="微软雅黑" panose="020B0503020204020204" pitchFamily="34" charset="-122"/>
-                    <a:ea typeface="微软雅黑" panose="020B0503020204020204" pitchFamily="34" charset="-122"/>
-                  </a:rPr>
-                  <a:t>基本也是</a:t>
-                </a:r>
-                <a:r>
-                  <a:rPr lang="en-US" altLang="zh-CN" sz="900" dirty="0" smtClean="0">
-                    <a:latin typeface="微软雅黑" panose="020B0503020204020204" pitchFamily="34" charset="-122"/>
-                    <a:ea typeface="微软雅黑" panose="020B0503020204020204" pitchFamily="34" charset="-122"/>
-                  </a:rPr>
-                  <a:t>h5</a:t>
-                </a:r>
-                <a:r>
-                  <a:rPr lang="zh-CN" altLang="en-US" sz="900" dirty="0" smtClean="0">
-                    <a:latin typeface="微软雅黑" panose="020B0503020204020204" pitchFamily="34" charset="-122"/>
-                    <a:ea typeface="微软雅黑" panose="020B0503020204020204" pitchFamily="34" charset="-122"/>
-                  </a:rPr>
-                  <a:t>版本</a:t>
-                </a:r>
-                <a:r>
-                  <a:rPr lang="en-US" altLang="zh-CN" sz="900" dirty="0" smtClean="0">
-                    <a:latin typeface="微软雅黑" panose="020B0503020204020204" pitchFamily="34" charset="-122"/>
-                    <a:ea typeface="微软雅黑" panose="020B0503020204020204" pitchFamily="34" charset="-122"/>
-                  </a:rPr>
-                  <a:t>)</a:t>
-                </a:r>
-                <a:endParaRPr lang="en-US" altLang="zh-CN" sz="900" dirty="0" smtClean="0">
+                <a:endParaRPr lang="zh-CN" altLang="en-US" sz="900" dirty="0" smtClean="0">
                   <a:latin typeface="微软雅黑" panose="020B0503020204020204" pitchFamily="34" charset="-122"/>
                   <a:ea typeface="微软雅黑" panose="020B0503020204020204" pitchFamily="34" charset="-122"/>
+                  <a:sym typeface="+mn-ea"/>
                 </a:endParaRPr>
               </a:p>
               <a:p>
@@ -8024,57 +7372,50 @@
                     <a:latin typeface="微软雅黑" panose="020B0503020204020204" pitchFamily="34" charset="-122"/>
                     <a:ea typeface="微软雅黑" panose="020B0503020204020204" pitchFamily="34" charset="-122"/>
                   </a:rPr>
-                  <a:t>使用微信小程序制作小程序版</a:t>
-                </a:r>
-                <a:endParaRPr lang="zh-CN" altLang="en-US" sz="900" dirty="0" smtClean="0">
-                  <a:latin typeface="微软雅黑" panose="020B0503020204020204" pitchFamily="34" charset="-122"/>
-                  <a:ea typeface="微软雅黑" panose="020B0503020204020204" pitchFamily="34" charset="-122"/>
-                </a:endParaRPr>
-              </a:p>
-              <a:p>
-                <a:pPr marL="171450" lvl="0" indent="-171450">
-                  <a:lnSpc>
-                    <a:spcPts val="1500"/>
-                  </a:lnSpc>
-                  <a:buFont typeface="Wingdings" panose="05000000000000000000" pitchFamily="2" charset="2"/>
-                  <a:buChar char="ü"/>
-                </a:pPr>
-                <a:r>
-                  <a:rPr lang="zh-CN" altLang="en-US" sz="900" dirty="0" smtClean="0">
-                    <a:latin typeface="微软雅黑" panose="020B0503020204020204" pitchFamily="34" charset="-122"/>
-                    <a:ea typeface="微软雅黑" panose="020B0503020204020204" pitchFamily="34" charset="-122"/>
-                  </a:rPr>
-                  <a:t>使用</a:t>
+                  <a:t>用</a:t>
                 </a:r>
                 <a:r>
                   <a:rPr lang="en-US" altLang="zh-CN" sz="900" dirty="0" smtClean="0">
                     <a:latin typeface="微软雅黑" panose="020B0503020204020204" pitchFamily="34" charset="-122"/>
                     <a:ea typeface="微软雅黑" panose="020B0503020204020204" pitchFamily="34" charset="-122"/>
                   </a:rPr>
-                  <a:t>nginx</a:t>
+                  <a:t>node</a:t>
                 </a:r>
                 <a:r>
                   <a:rPr lang="zh-CN" altLang="en-US" sz="900" dirty="0" smtClean="0">
                     <a:latin typeface="微软雅黑" panose="020B0503020204020204" pitchFamily="34" charset="-122"/>
                     <a:ea typeface="微软雅黑" panose="020B0503020204020204" pitchFamily="34" charset="-122"/>
                   </a:rPr>
-                  <a:t>挂上</a:t>
+                  <a:t>渲染各功能首页以便</a:t>
                 </a:r>
                 <a:r>
                   <a:rPr lang="en-US" altLang="zh-CN" sz="900" dirty="0" smtClean="0">
                     <a:latin typeface="微软雅黑" panose="020B0503020204020204" pitchFamily="34" charset="-122"/>
                     <a:ea typeface="微软雅黑" panose="020B0503020204020204" pitchFamily="34" charset="-122"/>
                   </a:rPr>
-                  <a:t>https</a:t>
+                  <a:t>seo</a:t>
                 </a:r>
                 <a:r>
                   <a:rPr lang="zh-CN" altLang="en-US" sz="900" dirty="0" smtClean="0">
                     <a:latin typeface="微软雅黑" panose="020B0503020204020204" pitchFamily="34" charset="-122"/>
                     <a:ea typeface="微软雅黑" panose="020B0503020204020204" pitchFamily="34" charset="-122"/>
                   </a:rPr>
-                  <a:t>和反向代理用于访问</a:t>
+                  <a:t>增加搜索排名</a:t>
                 </a:r>
-                <a:endParaRPr lang="zh-CN" altLang="en-US" sz="900" dirty="0" smtClean="0">
+                <a:endParaRPr lang="en-US" altLang="zh-CN" sz="900" dirty="0" smtClean="0">
+                  <a:latin typeface="微软雅黑" panose="020B0503020204020204" pitchFamily="34" charset="-122"/>
+                  <a:ea typeface="微软雅黑" panose="020B0503020204020204" pitchFamily="34" charset="-122"/>
+                </a:endParaRPr>
+              </a:p>
+              <a:p>
+                <a:pPr lvl="0" indent="0">
+                  <a:lnSpc>
+                    <a:spcPts val="1500"/>
+                  </a:lnSpc>
+                  <a:buFont typeface="Wingdings" panose="05000000000000000000" pitchFamily="2" charset="2"/>
+                  <a:buNone/>
+                </a:pPr>
+                <a:endParaRPr lang="en-US" altLang="zh-CN" sz="900" dirty="0" smtClean="0">
                   <a:latin typeface="微软雅黑" panose="020B0503020204020204" pitchFamily="34" charset="-122"/>
                   <a:ea typeface="微软雅黑" panose="020B0503020204020204" pitchFamily="34" charset="-122"/>
                 </a:endParaRPr>
@@ -8146,7 +7487,7 @@
                       <a:latin typeface="微软雅黑" panose="020B0503020204020204" pitchFamily="34" charset="-122"/>
                       <a:ea typeface="微软雅黑" panose="020B0503020204020204" pitchFamily="34" charset="-122"/>
                     </a:rPr>
-                    <a:t>独立开发</a:t>
+                    <a:t>团队开发</a:t>
                   </a:r>
                   <a:endParaRPr lang="zh-CN" altLang="en-US" sz="800" dirty="0">
                     <a:solidFill>
@@ -8198,7 +7539,7 @@
             </p:nvSpPr>
             <p:spPr>
               <a:xfrm>
-                <a:off x="1681247" y="8347355"/>
+                <a:off x="1813949" y="8347355"/>
                 <a:ext cx="619690" cy="203200"/>
               </a:xfrm>
               <a:prstGeom prst="rect">
@@ -8257,7 +7598,7 @@
             </p:nvSpPr>
             <p:spPr>
               <a:xfrm>
-                <a:off x="2343568" y="8347411"/>
+                <a:off x="2479443" y="8347411"/>
                 <a:ext cx="549217" cy="203195"/>
               </a:xfrm>
               <a:prstGeom prst="rect">
@@ -8318,8 +7659,8 @@
             </p:nvSpPr>
             <p:spPr>
               <a:xfrm>
-                <a:off x="1035661" y="8347355"/>
-                <a:ext cx="602993" cy="203200"/>
+                <a:off x="1035606" y="8347411"/>
+                <a:ext cx="729538" cy="203195"/>
               </a:xfrm>
               <a:prstGeom prst="rect">
                 <a:avLst/>
@@ -8359,7 +7700,7 @@
                     <a:latin typeface="微软雅黑" panose="020B0503020204020204" pitchFamily="34" charset="-122"/>
                     <a:ea typeface="微软雅黑" panose="020B0503020204020204" pitchFamily="34" charset="-122"/>
                   </a:rPr>
-                  <a:t>wechat</a:t>
+                  <a:t>webpack</a:t>
                 </a:r>
                 <a:endParaRPr lang="en-US" altLang="zh-CN" sz="900" dirty="0" smtClean="0">
                   <a:solidFill>
@@ -8420,6 +7761,1226 @@
           </p:txBody>
         </p:sp>
       </p:grpSp>
+      <p:grpSp>
+        <p:nvGrpSpPr>
+          <p:cNvPr id="50" name="组合 49"/>
+          <p:cNvGrpSpPr/>
+          <p:nvPr/>
+        </p:nvGrpSpPr>
+        <p:grpSpPr>
+          <a:xfrm>
+            <a:off x="3584576" y="5855335"/>
+            <a:ext cx="3098799" cy="3005455"/>
+            <a:chOff x="5645" y="9603"/>
+            <a:chExt cx="4880" cy="4733"/>
+          </a:xfrm>
+        </p:grpSpPr>
+        <p:grpSp>
+          <p:nvGrpSpPr>
+            <p:cNvPr id="10" name="组合 9"/>
+            <p:cNvGrpSpPr/>
+            <p:nvPr/>
+          </p:nvGrpSpPr>
+          <p:grpSpPr>
+            <a:xfrm>
+              <a:off x="5645" y="9603"/>
+              <a:ext cx="4797" cy="4366"/>
+              <a:chOff x="5645" y="9603"/>
+              <a:chExt cx="4797" cy="4366"/>
+            </a:xfrm>
+          </p:grpSpPr>
+          <p:grpSp>
+            <p:nvGrpSpPr>
+              <p:cNvPr id="40" name="组合 39"/>
+              <p:cNvGrpSpPr/>
+              <p:nvPr/>
+            </p:nvGrpSpPr>
+            <p:grpSpPr>
+              <a:xfrm rot="0">
+                <a:off x="5645" y="9603"/>
+                <a:ext cx="4797" cy="2813"/>
+                <a:chOff x="374330" y="3816650"/>
+                <a:chExt cx="2856499" cy="992038"/>
+              </a:xfrm>
+            </p:grpSpPr>
+            <p:sp>
+              <p:nvSpPr>
+                <p:cNvPr id="41" name="矩形 40"/>
+                <p:cNvSpPr/>
+                <p:nvPr/>
+              </p:nvSpPr>
+              <p:spPr>
+                <a:xfrm>
+                  <a:off x="416608" y="3816650"/>
+                  <a:ext cx="2789806" cy="150234"/>
+                </a:xfrm>
+                <a:prstGeom prst="rect">
+                  <a:avLst/>
+                </a:prstGeom>
+              </p:spPr>
+              <p:txBody>
+                <a:bodyPr wrap="square">
+                  <a:spAutoFit/>
+                </a:bodyPr>
+                <a:p>
+                  <a:pPr lvl="0">
+                    <a:lnSpc>
+                      <a:spcPts val="1400"/>
+                    </a:lnSpc>
+                  </a:pPr>
+                  <a:r>
+                    <a:rPr lang="en-US" altLang="zh-CN" sz="900" dirty="0" smtClean="0">
+                      <a:latin typeface="微软雅黑" panose="020B0503020204020204" pitchFamily="34" charset="-122"/>
+                      <a:ea typeface="微软雅黑" panose="020B0503020204020204" pitchFamily="34" charset="-122"/>
+                    </a:rPr>
+                    <a:t>2016.11 </a:t>
+                  </a:r>
+                  <a:r>
+                    <a:rPr lang="en-US" altLang="zh-CN" sz="900" dirty="0">
+                      <a:latin typeface="微软雅黑" panose="020B0503020204020204" pitchFamily="34" charset="-122"/>
+                      <a:ea typeface="微软雅黑" panose="020B0503020204020204" pitchFamily="34" charset="-122"/>
+                    </a:rPr>
+                    <a:t>- 2018.03</a:t>
+                  </a:r>
+                  <a:r>
+                    <a:rPr lang="zh-CN" altLang="en-US" sz="900" dirty="0">
+                      <a:latin typeface="微软雅黑" panose="020B0503020204020204" pitchFamily="34" charset="-122"/>
+                      <a:ea typeface="微软雅黑" panose="020B0503020204020204" pitchFamily="34" charset="-122"/>
+                    </a:rPr>
+                    <a:t>  </a:t>
+                  </a:r>
+                  <a:r>
+                    <a:rPr lang="en-US" altLang="zh-CN" sz="900" dirty="0">
+                      <a:latin typeface="微软雅黑" panose="020B0503020204020204" pitchFamily="34" charset="-122"/>
+                      <a:ea typeface="微软雅黑" panose="020B0503020204020204" pitchFamily="34" charset="-122"/>
+                    </a:rPr>
+                    <a:t>web</a:t>
+                  </a:r>
+                  <a:r>
+                    <a:rPr lang="zh-CN" altLang="en-US" sz="900" dirty="0">
+                      <a:latin typeface="微软雅黑" panose="020B0503020204020204" pitchFamily="34" charset="-122"/>
+                      <a:ea typeface="微软雅黑" panose="020B0503020204020204" pitchFamily="34" charset="-122"/>
+                    </a:rPr>
+                    <a:t>前端开发  </a:t>
+                  </a:r>
+                  <a:r>
+                    <a:rPr lang="en-US" altLang="zh-CN" sz="900" dirty="0">
+                      <a:latin typeface="微软雅黑" panose="020B0503020204020204" pitchFamily="34" charset="-122"/>
+                      <a:ea typeface="微软雅黑" panose="020B0503020204020204" pitchFamily="34" charset="-122"/>
+                    </a:rPr>
+                    <a:t>| </a:t>
+                  </a:r>
+                  <a:r>
+                    <a:rPr lang="zh-CN" altLang="en-US" sz="900" dirty="0">
+                      <a:latin typeface="微软雅黑" panose="020B0503020204020204" pitchFamily="34" charset="-122"/>
+                      <a:ea typeface="微软雅黑" panose="020B0503020204020204" pitchFamily="34" charset="-122"/>
+                    </a:rPr>
+                    <a:t>产品设计部</a:t>
+                  </a:r>
+                  <a:endParaRPr lang="zh-CN" altLang="en-US" sz="900" dirty="0">
+                    <a:latin typeface="微软雅黑" panose="020B0503020204020204" pitchFamily="34" charset="-122"/>
+                    <a:ea typeface="微软雅黑" panose="020B0503020204020204" pitchFamily="34" charset="-122"/>
+                  </a:endParaRPr>
+                </a:p>
+              </p:txBody>
+            </p:sp>
+            <p:sp>
+              <p:nvSpPr>
+                <p:cNvPr id="44" name="矩形 43"/>
+                <p:cNvSpPr/>
+                <p:nvPr/>
+              </p:nvSpPr>
+              <p:spPr>
+                <a:xfrm>
+                  <a:off x="423475" y="3985358"/>
+                  <a:ext cx="1353312" cy="319864"/>
+                </a:xfrm>
+                <a:prstGeom prst="rect">
+                  <a:avLst/>
+                </a:prstGeom>
+              </p:spPr>
+              <p:txBody>
+                <a:bodyPr wrap="square">
+                  <a:spAutoFit/>
+                </a:bodyPr>
+                <a:p>
+                  <a:pPr lvl="0" algn="l">
+                    <a:lnSpc>
+                      <a:spcPct val="150000"/>
+                    </a:lnSpc>
+                  </a:pPr>
+                  <a:r>
+                    <a:rPr lang="zh-CN" sz="1050" b="1">
+                      <a:latin typeface="微软雅黑" panose="020B0503020204020204" pitchFamily="34" charset="-122"/>
+                      <a:ea typeface="微软雅黑" panose="020B0503020204020204" pitchFamily="34" charset="-122"/>
+                    </a:rPr>
+                    <a:t>银江股份 -- 城市宝</a:t>
+                  </a:r>
+                  <a:endParaRPr lang="zh-CN" sz="1050" b="1">
+                    <a:latin typeface="微软雅黑" panose="020B0503020204020204" pitchFamily="34" charset="-122"/>
+                    <a:ea typeface="微软雅黑" panose="020B0503020204020204" pitchFamily="34" charset="-122"/>
+                  </a:endParaRPr>
+                </a:p>
+                <a:p>
+                  <a:pPr lvl="0" algn="l">
+                    <a:lnSpc>
+                      <a:spcPct val="150000"/>
+                    </a:lnSpc>
+                  </a:pPr>
+                  <a:r>
+                    <a:rPr sz="1050" b="1">
+                      <a:latin typeface="微软雅黑" panose="020B0503020204020204" pitchFamily="34" charset="-122"/>
+                      <a:ea typeface="微软雅黑" panose="020B0503020204020204" pitchFamily="34" charset="-122"/>
+                    </a:rPr>
+                    <a:t> </a:t>
+                  </a:r>
+                  <a:endParaRPr sz="1050" b="1">
+                    <a:latin typeface="微软雅黑" panose="020B0503020204020204" pitchFamily="34" charset="-122"/>
+                    <a:ea typeface="微软雅黑" panose="020B0503020204020204" pitchFamily="34" charset="-122"/>
+                  </a:endParaRPr>
+                </a:p>
+              </p:txBody>
+            </p:sp>
+            <p:sp>
+              <p:nvSpPr>
+                <p:cNvPr id="47" name="矩形 46"/>
+                <p:cNvSpPr/>
+                <p:nvPr/>
+              </p:nvSpPr>
+              <p:spPr>
+                <a:xfrm>
+                  <a:off x="374330" y="4117109"/>
+                  <a:ext cx="2856499" cy="691579"/>
+                </a:xfrm>
+                <a:prstGeom prst="rect">
+                  <a:avLst/>
+                </a:prstGeom>
+              </p:spPr>
+              <p:txBody>
+                <a:bodyPr wrap="square">
+                  <a:spAutoFit/>
+                </a:bodyPr>
+                <a:p>
+                  <a:pPr marL="171450" lvl="0" indent="-171450">
+                    <a:lnSpc>
+                      <a:spcPts val="1500"/>
+                    </a:lnSpc>
+                    <a:buFont typeface="Wingdings" panose="05000000000000000000" pitchFamily="2" charset="2"/>
+                    <a:buChar char="ü"/>
+                  </a:pPr>
+                  <a:r>
+                    <a:rPr sz="900" dirty="0" smtClean="0">
+                      <a:latin typeface="微软雅黑" panose="020B0503020204020204" pitchFamily="34" charset="-122"/>
+                      <a:ea typeface="微软雅黑" panose="020B0503020204020204" pitchFamily="34" charset="-122"/>
+                    </a:rPr>
+                    <a:t>负责参与</a:t>
+                  </a:r>
+                  <a:r>
+                    <a:rPr lang="zh-CN" sz="900" dirty="0" smtClean="0">
+                      <a:latin typeface="微软雅黑" panose="020B0503020204020204" pitchFamily="34" charset="-122"/>
+                      <a:ea typeface="微软雅黑" panose="020B0503020204020204" pitchFamily="34" charset="-122"/>
+                    </a:rPr>
+                    <a:t>公司内网</a:t>
+                  </a:r>
+                  <a:r>
+                    <a:rPr sz="900" dirty="0" smtClean="0">
+                      <a:latin typeface="微软雅黑" panose="020B0503020204020204" pitchFamily="34" charset="-122"/>
+                      <a:ea typeface="微软雅黑" panose="020B0503020204020204" pitchFamily="34" charset="-122"/>
+                    </a:rPr>
+                    <a:t>、</a:t>
+                  </a:r>
+                  <a:r>
+                    <a:rPr lang="zh-CN" sz="900" dirty="0" smtClean="0">
+                      <a:latin typeface="微软雅黑" panose="020B0503020204020204" pitchFamily="34" charset="-122"/>
+                      <a:ea typeface="微软雅黑" panose="020B0503020204020204" pitchFamily="34" charset="-122"/>
+                    </a:rPr>
+                    <a:t>公司</a:t>
+                  </a:r>
+                  <a:r>
+                    <a:rPr lang="en-US" altLang="zh-CN" sz="900" dirty="0" smtClean="0">
+                      <a:latin typeface="微软雅黑" panose="020B0503020204020204" pitchFamily="34" charset="-122"/>
+                      <a:ea typeface="微软雅黑" panose="020B0503020204020204" pitchFamily="34" charset="-122"/>
+                    </a:rPr>
+                    <a:t>app H5</a:t>
+                  </a:r>
+                  <a:r>
+                    <a:rPr lang="zh-CN" altLang="en-US" sz="900" dirty="0" smtClean="0">
+                      <a:latin typeface="微软雅黑" panose="020B0503020204020204" pitchFamily="34" charset="-122"/>
+                      <a:ea typeface="微软雅黑" panose="020B0503020204020204" pitchFamily="34" charset="-122"/>
+                    </a:rPr>
+                    <a:t>页面</a:t>
+                  </a:r>
+                  <a:r>
+                    <a:rPr sz="900" dirty="0" smtClean="0">
+                      <a:latin typeface="微软雅黑" panose="020B0503020204020204" pitchFamily="34" charset="-122"/>
+                      <a:ea typeface="微软雅黑" panose="020B0503020204020204" pitchFamily="34" charset="-122"/>
+                    </a:rPr>
+                    <a:t>, </a:t>
+                  </a:r>
+                  <a:r>
+                    <a:rPr lang="zh-CN" sz="900" dirty="0" smtClean="0">
+                      <a:latin typeface="微软雅黑" panose="020B0503020204020204" pitchFamily="34" charset="-122"/>
+                      <a:ea typeface="微软雅黑" panose="020B0503020204020204" pitchFamily="34" charset="-122"/>
+                    </a:rPr>
+                    <a:t>后台管理平台</a:t>
+                  </a:r>
+                  <a:r>
+                    <a:rPr sz="900" dirty="0" smtClean="0">
+                      <a:latin typeface="微软雅黑" panose="020B0503020204020204" pitchFamily="34" charset="-122"/>
+                      <a:ea typeface="微软雅黑" panose="020B0503020204020204" pitchFamily="34" charset="-122"/>
+                    </a:rPr>
+                    <a:t>设计与前端开发</a:t>
+                  </a:r>
+                  <a:r>
+                    <a:rPr lang="zh-CN" sz="900" dirty="0" smtClean="0">
+                      <a:latin typeface="微软雅黑" panose="020B0503020204020204" pitchFamily="34" charset="-122"/>
+                      <a:ea typeface="微软雅黑" panose="020B0503020204020204" pitchFamily="34" charset="-122"/>
+                    </a:rPr>
+                    <a:t>之类的</a:t>
+                  </a:r>
+                  <a:r>
+                    <a:rPr sz="900" dirty="0" smtClean="0">
+                      <a:latin typeface="微软雅黑" panose="020B0503020204020204" pitchFamily="34" charset="-122"/>
+                      <a:ea typeface="微软雅黑" panose="020B0503020204020204" pitchFamily="34" charset="-122"/>
+                    </a:rPr>
+                    <a:t>开发.</a:t>
+                  </a:r>
+                  <a:endParaRPr sz="900" dirty="0" smtClean="0">
+                    <a:latin typeface="微软雅黑" panose="020B0503020204020204" pitchFamily="34" charset="-122"/>
+                    <a:ea typeface="微软雅黑" panose="020B0503020204020204" pitchFamily="34" charset="-122"/>
+                  </a:endParaRPr>
+                </a:p>
+                <a:p>
+                  <a:pPr marL="171450" lvl="0" indent="-171450">
+                    <a:lnSpc>
+                      <a:spcPts val="1500"/>
+                    </a:lnSpc>
+                    <a:buFont typeface="Wingdings" panose="05000000000000000000" pitchFamily="2" charset="2"/>
+                    <a:buChar char="ü"/>
+                  </a:pPr>
+                  <a:r>
+                    <a:rPr sz="900" dirty="0" smtClean="0">
+                      <a:latin typeface="微软雅黑" panose="020B0503020204020204" pitchFamily="34" charset="-122"/>
+                      <a:ea typeface="微软雅黑" panose="020B0503020204020204" pitchFamily="34" charset="-122"/>
+                    </a:rPr>
+                    <a:t>持续优化前端体验和页面响应速度，并保证适配、兼容性和执行效率；</a:t>
+                  </a:r>
+                  <a:endParaRPr sz="900" dirty="0" smtClean="0">
+                    <a:latin typeface="微软雅黑" panose="020B0503020204020204" pitchFamily="34" charset="-122"/>
+                    <a:ea typeface="微软雅黑" panose="020B0503020204020204" pitchFamily="34" charset="-122"/>
+                  </a:endParaRPr>
+                </a:p>
+                <a:p>
+                  <a:pPr marL="171450" lvl="0" indent="-171450">
+                    <a:lnSpc>
+                      <a:spcPts val="1500"/>
+                    </a:lnSpc>
+                    <a:buFont typeface="Wingdings" panose="05000000000000000000" pitchFamily="2" charset="2"/>
+                    <a:buChar char="ü"/>
+                  </a:pPr>
+                  <a:r>
+                    <a:rPr sz="900" dirty="0" smtClean="0">
+                      <a:latin typeface="微软雅黑" panose="020B0503020204020204" pitchFamily="34" charset="-122"/>
+                      <a:ea typeface="微软雅黑" panose="020B0503020204020204" pitchFamily="34" charset="-122"/>
+                    </a:rPr>
+                    <a:t>配合服务端</a:t>
+                  </a:r>
+                  <a:r>
+                    <a:rPr lang="en-US" sz="900" dirty="0" smtClean="0">
+                      <a:latin typeface="微软雅黑" panose="020B0503020204020204" pitchFamily="34" charset="-122"/>
+                      <a:ea typeface="微软雅黑" panose="020B0503020204020204" pitchFamily="34" charset="-122"/>
+                    </a:rPr>
+                    <a:t>java</a:t>
+                  </a:r>
+                  <a:r>
+                    <a:rPr sz="900" dirty="0" smtClean="0">
+                      <a:latin typeface="微软雅黑" panose="020B0503020204020204" pitchFamily="34" charset="-122"/>
+                      <a:ea typeface="微软雅黑" panose="020B0503020204020204" pitchFamily="34" charset="-122"/>
+                    </a:rPr>
+                    <a:t>工程师</a:t>
+                  </a:r>
+                  <a:r>
+                    <a:rPr lang="zh-CN" sz="900" dirty="0" smtClean="0">
+                      <a:latin typeface="微软雅黑" panose="020B0503020204020204" pitchFamily="34" charset="-122"/>
+                      <a:ea typeface="微软雅黑" panose="020B0503020204020204" pitchFamily="34" charset="-122"/>
+                    </a:rPr>
+                    <a:t>和安卓开发人员</a:t>
+                  </a:r>
+                  <a:r>
+                    <a:rPr sz="900" dirty="0" smtClean="0">
+                      <a:latin typeface="微软雅黑" panose="020B0503020204020204" pitchFamily="34" charset="-122"/>
+                      <a:ea typeface="微软雅黑" panose="020B0503020204020204" pitchFamily="34" charset="-122"/>
+                    </a:rPr>
+                    <a:t>一起研讨技术实现方案，进行应用及系统集成；</a:t>
+                  </a:r>
+                  <a:endParaRPr lang="en-US" altLang="zh-CN" sz="900" dirty="0">
+                    <a:latin typeface="微软雅黑" panose="020B0503020204020204" pitchFamily="34" charset="-122"/>
+                    <a:ea typeface="微软雅黑" panose="020B0503020204020204" pitchFamily="34" charset="-122"/>
+                  </a:endParaRPr>
+                </a:p>
+              </p:txBody>
+            </p:sp>
+          </p:grpSp>
+          <p:sp>
+            <p:nvSpPr>
+              <p:cNvPr id="7" name="矩形 6"/>
+              <p:cNvSpPr/>
+              <p:nvPr/>
+            </p:nvSpPr>
+            <p:spPr>
+              <a:xfrm>
+                <a:off x="5798" y="13062"/>
+                <a:ext cx="3877" cy="907"/>
+              </a:xfrm>
+              <a:prstGeom prst="rect">
+                <a:avLst/>
+              </a:prstGeom>
+            </p:spPr>
+            <p:txBody>
+              <a:bodyPr wrap="square">
+                <a:spAutoFit/>
+              </a:bodyPr>
+              <a:p>
+                <a:pPr lvl="0" algn="l">
+                  <a:lnSpc>
+                    <a:spcPct val="150000"/>
+                  </a:lnSpc>
+                </a:pPr>
+                <a:r>
+                  <a:rPr lang="zh-CN" sz="1050" b="1">
+                    <a:latin typeface="微软雅黑" panose="020B0503020204020204" pitchFamily="34" charset="-122"/>
+                    <a:ea typeface="微软雅黑" panose="020B0503020204020204" pitchFamily="34" charset="-122"/>
+                  </a:rPr>
+                  <a:t>光云科技 -- 淘数据&amp;卖家网</a:t>
+                </a:r>
+                <a:endParaRPr lang="zh-CN" sz="1050" b="1">
+                  <a:latin typeface="微软雅黑" panose="020B0503020204020204" pitchFamily="34" charset="-122"/>
+                  <a:ea typeface="微软雅黑" panose="020B0503020204020204" pitchFamily="34" charset="-122"/>
+                </a:endParaRPr>
+              </a:p>
+              <a:p>
+                <a:pPr lvl="0" algn="l">
+                  <a:lnSpc>
+                    <a:spcPct val="150000"/>
+                  </a:lnSpc>
+                </a:pPr>
+                <a:r>
+                  <a:rPr sz="1050" b="1">
+                    <a:latin typeface="微软雅黑" panose="020B0503020204020204" pitchFamily="34" charset="-122"/>
+                    <a:ea typeface="微软雅黑" panose="020B0503020204020204" pitchFamily="34" charset="-122"/>
+                  </a:rPr>
+                  <a:t> </a:t>
+                </a:r>
+                <a:endParaRPr sz="1050" b="1">
+                  <a:latin typeface="微软雅黑" panose="020B0503020204020204" pitchFamily="34" charset="-122"/>
+                  <a:ea typeface="微软雅黑" panose="020B0503020204020204" pitchFamily="34" charset="-122"/>
+                </a:endParaRPr>
+              </a:p>
+            </p:txBody>
+          </p:sp>
+        </p:grpSp>
+        <p:sp>
+          <p:nvSpPr>
+            <p:cNvPr id="46" name="矩形 45"/>
+            <p:cNvSpPr/>
+            <p:nvPr/>
+          </p:nvSpPr>
+          <p:spPr>
+            <a:xfrm>
+              <a:off x="5728" y="13587"/>
+              <a:ext cx="4797" cy="749"/>
+            </a:xfrm>
+            <a:prstGeom prst="rect">
+              <a:avLst/>
+            </a:prstGeom>
+          </p:spPr>
+          <p:txBody>
+            <a:bodyPr wrap="square">
+              <a:spAutoFit/>
+            </a:bodyPr>
+            <a:p>
+              <a:pPr marL="171450" lvl="0" indent="-171450">
+                <a:lnSpc>
+                  <a:spcPts val="1500"/>
+                </a:lnSpc>
+                <a:buFont typeface="Wingdings" panose="05000000000000000000" pitchFamily="2" charset="2"/>
+                <a:buChar char="ü"/>
+              </a:pPr>
+              <a:r>
+                <a:rPr lang="zh-CN" sz="900" dirty="0" smtClean="0">
+                  <a:latin typeface="微软雅黑" panose="020B0503020204020204" pitchFamily="34" charset="-122"/>
+                  <a:ea typeface="微软雅黑" panose="020B0503020204020204" pitchFamily="34" charset="-122"/>
+                </a:rPr>
+                <a:t>对老项目维护</a:t>
+              </a:r>
+              <a:r>
+                <a:rPr lang="en-US" altLang="zh-CN" sz="900" dirty="0" smtClean="0">
+                  <a:latin typeface="微软雅黑" panose="020B0503020204020204" pitchFamily="34" charset="-122"/>
+                  <a:ea typeface="微软雅黑" panose="020B0503020204020204" pitchFamily="34" charset="-122"/>
+                </a:rPr>
+                <a:t>.bug</a:t>
+              </a:r>
+              <a:r>
+                <a:rPr lang="zh-CN" altLang="en-US" sz="900" dirty="0" smtClean="0">
+                  <a:latin typeface="微软雅黑" panose="020B0503020204020204" pitchFamily="34" charset="-122"/>
+                  <a:ea typeface="微软雅黑" panose="020B0503020204020204" pitchFamily="34" charset="-122"/>
+                </a:rPr>
+                <a:t>修改</a:t>
+              </a:r>
+              <a:r>
+                <a:rPr lang="en-US" altLang="zh-CN" sz="900" dirty="0" smtClean="0">
+                  <a:latin typeface="微软雅黑" panose="020B0503020204020204" pitchFamily="34" charset="-122"/>
+                  <a:ea typeface="微软雅黑" panose="020B0503020204020204" pitchFamily="34" charset="-122"/>
+                </a:rPr>
+                <a:t>.</a:t>
+              </a:r>
+              <a:r>
+                <a:rPr lang="zh-CN" altLang="en-US" sz="900" dirty="0" smtClean="0">
+                  <a:latin typeface="微软雅黑" panose="020B0503020204020204" pitchFamily="34" charset="-122"/>
+                  <a:ea typeface="微软雅黑" panose="020B0503020204020204" pitchFamily="34" charset="-122"/>
+                </a:rPr>
+                <a:t>新功能开发</a:t>
+              </a:r>
+              <a:endParaRPr sz="900" dirty="0" smtClean="0">
+                <a:latin typeface="微软雅黑" panose="020B0503020204020204" pitchFamily="34" charset="-122"/>
+                <a:ea typeface="微软雅黑" panose="020B0503020204020204" pitchFamily="34" charset="-122"/>
+              </a:endParaRPr>
+            </a:p>
+            <a:p>
+              <a:pPr marL="171450" lvl="0" indent="-171450">
+                <a:lnSpc>
+                  <a:spcPts val="1500"/>
+                </a:lnSpc>
+                <a:buFont typeface="Wingdings" panose="05000000000000000000" pitchFamily="2" charset="2"/>
+                <a:buChar char="ü"/>
+              </a:pPr>
+              <a:r>
+                <a:rPr lang="zh-CN" sz="900" dirty="0" smtClean="0">
+                  <a:latin typeface="微软雅黑" panose="020B0503020204020204" pitchFamily="34" charset="-122"/>
+                  <a:ea typeface="微软雅黑" panose="020B0503020204020204" pitchFamily="34" charset="-122"/>
+                </a:rPr>
+                <a:t>新项目开发</a:t>
+              </a:r>
+              <a:r>
+                <a:rPr lang="en-US" altLang="zh-CN" sz="900" dirty="0" smtClean="0">
+                  <a:latin typeface="微软雅黑" panose="020B0503020204020204" pitchFamily="34" charset="-122"/>
+                  <a:ea typeface="微软雅黑" panose="020B0503020204020204" pitchFamily="34" charset="-122"/>
+                </a:rPr>
+                <a:t>.</a:t>
+              </a:r>
+              <a:r>
+                <a:rPr lang="zh-CN" altLang="en-US" sz="900" dirty="0" smtClean="0">
+                  <a:latin typeface="微软雅黑" panose="020B0503020204020204" pitchFamily="34" charset="-122"/>
+                  <a:ea typeface="微软雅黑" panose="020B0503020204020204" pitchFamily="34" charset="-122"/>
+                </a:rPr>
+                <a:t>维护</a:t>
+              </a:r>
+              <a:r>
+                <a:rPr lang="en-US" altLang="zh-CN" sz="900" dirty="0" smtClean="0">
+                  <a:latin typeface="微软雅黑" panose="020B0503020204020204" pitchFamily="34" charset="-122"/>
+                  <a:ea typeface="微软雅黑" panose="020B0503020204020204" pitchFamily="34" charset="-122"/>
+                </a:rPr>
+                <a:t>.</a:t>
+              </a:r>
+              <a:r>
+                <a:rPr lang="zh-CN" altLang="en-US" sz="900" dirty="0" smtClean="0">
+                  <a:latin typeface="微软雅黑" panose="020B0503020204020204" pitchFamily="34" charset="-122"/>
+                  <a:ea typeface="微软雅黑" panose="020B0503020204020204" pitchFamily="34" charset="-122"/>
+                </a:rPr>
+                <a:t>以及日常优化</a:t>
+              </a:r>
+              <a:r>
+                <a:rPr lang="en-US" altLang="zh-CN" sz="900" dirty="0" smtClean="0">
+                  <a:latin typeface="微软雅黑" panose="020B0503020204020204" pitchFamily="34" charset="-122"/>
+                  <a:ea typeface="微软雅黑" panose="020B0503020204020204" pitchFamily="34" charset="-122"/>
+                </a:rPr>
+                <a:t>.</a:t>
+              </a:r>
+              <a:r>
+                <a:rPr lang="zh-CN" altLang="en-US" sz="900" dirty="0" smtClean="0">
+                  <a:latin typeface="微软雅黑" panose="020B0503020204020204" pitchFamily="34" charset="-122"/>
+                  <a:ea typeface="微软雅黑" panose="020B0503020204020204" pitchFamily="34" charset="-122"/>
+                </a:rPr>
+                <a:t>优化工作流程</a:t>
+              </a:r>
+              <a:endParaRPr lang="zh-CN" sz="900" dirty="0" smtClean="0">
+                <a:latin typeface="微软雅黑" panose="020B0503020204020204" pitchFamily="34" charset="-122"/>
+                <a:ea typeface="微软雅黑" panose="020B0503020204020204" pitchFamily="34" charset="-122"/>
+              </a:endParaRPr>
+            </a:p>
+          </p:txBody>
+        </p:sp>
+      </p:grpSp>
+      <p:sp>
+        <p:nvSpPr>
+          <p:cNvPr id="55" name="矩形 54"/>
+          <p:cNvSpPr/>
+          <p:nvPr/>
+        </p:nvSpPr>
+        <p:spPr>
+          <a:xfrm>
+            <a:off x="3681730" y="7421880"/>
+            <a:ext cx="2974974" cy="629920"/>
+          </a:xfrm>
+          <a:prstGeom prst="rect">
+            <a:avLst/>
+          </a:prstGeom>
+        </p:spPr>
+        <p:txBody>
+          <a:bodyPr wrap="square">
+            <a:spAutoFit/>
+          </a:bodyPr>
+          <a:p>
+            <a:pPr lvl="0">
+              <a:lnSpc>
+                <a:spcPts val="1400"/>
+              </a:lnSpc>
+            </a:pPr>
+            <a:endParaRPr lang="zh-CN" altLang="en-US" sz="900" dirty="0">
+              <a:latin typeface="微软雅黑" panose="020B0503020204020204" pitchFamily="34" charset="-122"/>
+              <a:ea typeface="微软雅黑" panose="020B0503020204020204" pitchFamily="34" charset="-122"/>
+            </a:endParaRPr>
+          </a:p>
+          <a:p>
+            <a:pPr lvl="0">
+              <a:lnSpc>
+                <a:spcPts val="1400"/>
+              </a:lnSpc>
+            </a:pPr>
+            <a:endParaRPr lang="zh-CN" altLang="en-US" sz="900" dirty="0">
+              <a:latin typeface="微软雅黑" panose="020B0503020204020204" pitchFamily="34" charset="-122"/>
+              <a:ea typeface="微软雅黑" panose="020B0503020204020204" pitchFamily="34" charset="-122"/>
+            </a:endParaRPr>
+          </a:p>
+          <a:p>
+            <a:pPr lvl="0">
+              <a:lnSpc>
+                <a:spcPts val="1400"/>
+              </a:lnSpc>
+            </a:pPr>
+            <a:r>
+              <a:rPr lang="en-US" altLang="zh-CN" sz="900" dirty="0">
+                <a:latin typeface="微软雅黑" panose="020B0503020204020204" pitchFamily="34" charset="-122"/>
+                <a:ea typeface="微软雅黑" panose="020B0503020204020204" pitchFamily="34" charset="-122"/>
+              </a:rPr>
+              <a:t>2018.03 - </a:t>
+            </a:r>
+            <a:r>
+              <a:rPr lang="zh-CN" altLang="en-US" sz="900" dirty="0">
+                <a:latin typeface="微软雅黑" panose="020B0503020204020204" pitchFamily="34" charset="-122"/>
+                <a:ea typeface="微软雅黑" panose="020B0503020204020204" pitchFamily="34" charset="-122"/>
+              </a:rPr>
+              <a:t>至今       光云科技 </a:t>
+            </a:r>
+            <a:r>
+              <a:rPr lang="en-US" altLang="zh-CN" sz="900" dirty="0">
+                <a:latin typeface="微软雅黑" panose="020B0503020204020204" pitchFamily="34" charset="-122"/>
+                <a:ea typeface="微软雅黑" panose="020B0503020204020204" pitchFamily="34" charset="-122"/>
+              </a:rPr>
+              <a:t>| </a:t>
+            </a:r>
+            <a:r>
+              <a:rPr lang="zh-CN" altLang="en-US" sz="900" dirty="0">
+                <a:latin typeface="微软雅黑" panose="020B0503020204020204" pitchFamily="34" charset="-122"/>
+                <a:ea typeface="微软雅黑" panose="020B0503020204020204" pitchFamily="34" charset="-122"/>
+              </a:rPr>
+              <a:t>共享事业部数据组</a:t>
+            </a:r>
+            <a:endParaRPr lang="zh-CN" altLang="en-US" sz="900" dirty="0">
+              <a:latin typeface="微软雅黑" panose="020B0503020204020204" pitchFamily="34" charset="-122"/>
+              <a:ea typeface="微软雅黑" panose="020B0503020204020204" pitchFamily="34" charset="-122"/>
+            </a:endParaRPr>
+          </a:p>
+        </p:txBody>
+      </p:sp>
+      <p:grpSp>
+        <p:nvGrpSpPr>
+          <p:cNvPr id="56" name="组合 55"/>
+          <p:cNvGrpSpPr/>
+          <p:nvPr/>
+        </p:nvGrpSpPr>
+        <p:grpSpPr>
+          <a:xfrm>
+            <a:off x="304800" y="7725410"/>
+            <a:ext cx="2922905" cy="1969777"/>
+            <a:chOff x="476" y="8990"/>
+            <a:chExt cx="4603" cy="3102"/>
+          </a:xfrm>
+        </p:grpSpPr>
+        <p:grpSp>
+          <p:nvGrpSpPr>
+            <p:cNvPr id="57" name="组合 56"/>
+            <p:cNvGrpSpPr/>
+            <p:nvPr/>
+          </p:nvGrpSpPr>
+          <p:grpSpPr>
+            <a:xfrm rot="0">
+              <a:off x="565" y="8990"/>
+              <a:ext cx="4514" cy="3102"/>
+              <a:chOff x="418451" y="7853394"/>
+              <a:chExt cx="2866088" cy="1969746"/>
+            </a:xfrm>
+          </p:grpSpPr>
+          <p:sp>
+            <p:nvSpPr>
+              <p:cNvPr id="58" name="矩形 57"/>
+              <p:cNvSpPr/>
+              <p:nvPr/>
+            </p:nvSpPr>
+            <p:spPr>
+              <a:xfrm>
+                <a:off x="418451" y="8000165"/>
+                <a:ext cx="1217802" cy="333370"/>
+              </a:xfrm>
+              <a:prstGeom prst="rect">
+                <a:avLst/>
+              </a:prstGeom>
+            </p:spPr>
+            <p:txBody>
+              <a:bodyPr wrap="none">
+                <a:spAutoFit/>
+              </a:bodyPr>
+              <a:p>
+                <a:pPr lvl="0" algn="l">
+                  <a:lnSpc>
+                    <a:spcPct val="150000"/>
+                  </a:lnSpc>
+                </a:pPr>
+                <a:r>
+                  <a:rPr lang="zh-CN" altLang="en-US" sz="1050" b="1" dirty="0" err="1" smtClean="0">
+                    <a:latin typeface="微软雅黑" panose="020B0503020204020204" pitchFamily="34" charset="-122"/>
+                    <a:ea typeface="微软雅黑" panose="020B0503020204020204" pitchFamily="34" charset="-122"/>
+                  </a:rPr>
+                  <a:t>豆瓣+资源图合集</a:t>
+                </a:r>
+                <a:endParaRPr lang="zh-CN" altLang="en-US" sz="1050" b="1" dirty="0" err="1" smtClean="0">
+                  <a:latin typeface="微软雅黑" panose="020B0503020204020204" pitchFamily="34" charset="-122"/>
+                  <a:ea typeface="微软雅黑" panose="020B0503020204020204" pitchFamily="34" charset="-122"/>
+                </a:endParaRPr>
+              </a:p>
+            </p:txBody>
+          </p:sp>
+          <p:sp>
+            <p:nvSpPr>
+              <p:cNvPr id="59" name="矩形 58"/>
+              <p:cNvSpPr/>
+              <p:nvPr/>
+            </p:nvSpPr>
+            <p:spPr>
+              <a:xfrm>
+                <a:off x="518770" y="8347411"/>
+                <a:ext cx="803190" cy="187955"/>
+              </a:xfrm>
+              <a:prstGeom prst="rect">
+                <a:avLst/>
+              </a:prstGeom>
+              <a:solidFill>
+                <a:srgbClr val="6679DF"/>
+              </a:solidFill>
+              <a:ln w="6350">
+                <a:noFill/>
+              </a:ln>
+            </p:spPr>
+            <p:style>
+              <a:lnRef idx="2">
+                <a:schemeClr val="accent1">
+                  <a:shade val="50000"/>
+                </a:schemeClr>
+              </a:lnRef>
+              <a:fillRef idx="1">
+                <a:schemeClr val="accent1"/>
+              </a:fillRef>
+              <a:effectRef idx="0">
+                <a:schemeClr val="accent1"/>
+              </a:effectRef>
+              <a:fontRef idx="minor">
+                <a:schemeClr val="lt1"/>
+              </a:fontRef>
+            </p:style>
+            <p:txBody>
+              <a:bodyPr rtlCol="0" anchor="ctr"/>
+              <a:p>
+                <a:pPr lvl="0" algn="ctr"/>
+                <a:r>
+                  <a:rPr lang="en-US" altLang="zh-CN" sz="900" dirty="0">
+                    <a:solidFill>
+                      <a:prstClr val="white"/>
+                    </a:solidFill>
+                    <a:latin typeface="微软雅黑" panose="020B0503020204020204" pitchFamily="34" charset="-122"/>
+                    <a:ea typeface="微软雅黑" panose="020B0503020204020204" pitchFamily="34" charset="-122"/>
+                  </a:rPr>
+                  <a:t>vue</a:t>
+                </a:r>
+                <a:endParaRPr lang="en-US" altLang="zh-CN" sz="900" dirty="0">
+                  <a:solidFill>
+                    <a:prstClr val="white"/>
+                  </a:solidFill>
+                  <a:latin typeface="微软雅黑" panose="020B0503020204020204" pitchFamily="34" charset="-122"/>
+                  <a:ea typeface="微软雅黑" panose="020B0503020204020204" pitchFamily="34" charset="-122"/>
+                </a:endParaRPr>
+              </a:p>
+            </p:txBody>
+          </p:sp>
+          <p:sp>
+            <p:nvSpPr>
+              <p:cNvPr id="60" name="矩形 59"/>
+              <p:cNvSpPr/>
+              <p:nvPr/>
+            </p:nvSpPr>
+            <p:spPr>
+              <a:xfrm>
+                <a:off x="418453" y="8577925"/>
+                <a:ext cx="2866086" cy="1245215"/>
+              </a:xfrm>
+              <a:prstGeom prst="rect">
+                <a:avLst/>
+              </a:prstGeom>
+            </p:spPr>
+            <p:txBody>
+              <a:bodyPr wrap="square">
+                <a:spAutoFit/>
+              </a:bodyPr>
+              <a:p>
+                <a:pPr marL="171450" lvl="0" indent="-171450">
+                  <a:lnSpc>
+                    <a:spcPts val="1500"/>
+                  </a:lnSpc>
+                  <a:buFont typeface="Wingdings" panose="05000000000000000000" pitchFamily="2" charset="2"/>
+                  <a:buChar char="ü"/>
+                </a:pPr>
+                <a:r>
+                  <a:rPr sz="900" dirty="0" smtClean="0">
+                    <a:latin typeface="微软雅黑" panose="020B0503020204020204" pitchFamily="34" charset="-122"/>
+                    <a:ea typeface="微软雅黑" panose="020B0503020204020204" pitchFamily="34" charset="-122"/>
+                  </a:rPr>
+                  <a:t>用puppteer挂在ubuntu定时任务上每日爬取资源存入mysql</a:t>
+                </a:r>
+                <a:endParaRPr sz="900" dirty="0" smtClean="0">
+                  <a:latin typeface="微软雅黑" panose="020B0503020204020204" pitchFamily="34" charset="-122"/>
+                  <a:ea typeface="微软雅黑" panose="020B0503020204020204" pitchFamily="34" charset="-122"/>
+                </a:endParaRPr>
+              </a:p>
+              <a:p>
+                <a:pPr marL="171450" lvl="0" indent="-171450">
+                  <a:lnSpc>
+                    <a:spcPts val="1500"/>
+                  </a:lnSpc>
+                  <a:buFont typeface="Wingdings" panose="05000000000000000000" pitchFamily="2" charset="2"/>
+                  <a:buChar char="ü"/>
+                </a:pPr>
+                <a:r>
+                  <a:rPr sz="900" dirty="0" smtClean="0">
+                    <a:latin typeface="微软雅黑" panose="020B0503020204020204" pitchFamily="34" charset="-122"/>
+                    <a:ea typeface="微软雅黑" panose="020B0503020204020204" pitchFamily="34" charset="-122"/>
+                  </a:rPr>
+                  <a:t>使用koa2做restful API服务器</a:t>
+                </a:r>
+                <a:endParaRPr sz="900" dirty="0" smtClean="0">
+                  <a:latin typeface="微软雅黑" panose="020B0503020204020204" pitchFamily="34" charset="-122"/>
+                  <a:ea typeface="微软雅黑" panose="020B0503020204020204" pitchFamily="34" charset="-122"/>
+                </a:endParaRPr>
+              </a:p>
+              <a:p>
+                <a:pPr marL="171450" lvl="0" indent="-171450">
+                  <a:lnSpc>
+                    <a:spcPts val="1500"/>
+                  </a:lnSpc>
+                  <a:buFont typeface="Wingdings" panose="05000000000000000000" pitchFamily="2" charset="2"/>
+                  <a:buChar char="ü"/>
+                </a:pPr>
+                <a:r>
+                  <a:rPr sz="900" dirty="0" smtClean="0">
+                    <a:latin typeface="微软雅黑" panose="020B0503020204020204" pitchFamily="34" charset="-122"/>
+                    <a:ea typeface="微软雅黑" panose="020B0503020204020204" pitchFamily="34" charset="-122"/>
+                  </a:rPr>
+                  <a:t>使用vue制作网页版(基本也是h5版本)</a:t>
+                </a:r>
+                <a:endParaRPr sz="900" dirty="0" smtClean="0">
+                  <a:latin typeface="微软雅黑" panose="020B0503020204020204" pitchFamily="34" charset="-122"/>
+                  <a:ea typeface="微软雅黑" panose="020B0503020204020204" pitchFamily="34" charset="-122"/>
+                </a:endParaRPr>
+              </a:p>
+              <a:p>
+                <a:pPr marL="171450" lvl="0" indent="-171450">
+                  <a:lnSpc>
+                    <a:spcPts val="1500"/>
+                  </a:lnSpc>
+                  <a:buFont typeface="Wingdings" panose="05000000000000000000" pitchFamily="2" charset="2"/>
+                  <a:buChar char="ü"/>
+                </a:pPr>
+                <a:r>
+                  <a:rPr sz="900" dirty="0" smtClean="0">
+                    <a:latin typeface="微软雅黑" panose="020B0503020204020204" pitchFamily="34" charset="-122"/>
+                    <a:ea typeface="微软雅黑" panose="020B0503020204020204" pitchFamily="34" charset="-122"/>
+                  </a:rPr>
+                  <a:t>使用微信小程序制作小程序版</a:t>
+                </a:r>
+                <a:endParaRPr sz="900" dirty="0" smtClean="0">
+                  <a:latin typeface="微软雅黑" panose="020B0503020204020204" pitchFamily="34" charset="-122"/>
+                  <a:ea typeface="微软雅黑" panose="020B0503020204020204" pitchFamily="34" charset="-122"/>
+                </a:endParaRPr>
+              </a:p>
+              <a:p>
+                <a:pPr marL="171450" lvl="0" indent="-171450">
+                  <a:lnSpc>
+                    <a:spcPts val="1500"/>
+                  </a:lnSpc>
+                  <a:buFont typeface="Wingdings" panose="05000000000000000000" pitchFamily="2" charset="2"/>
+                  <a:buChar char="ü"/>
+                </a:pPr>
+                <a:r>
+                  <a:rPr sz="900" dirty="0" smtClean="0">
+                    <a:latin typeface="微软雅黑" panose="020B0503020204020204" pitchFamily="34" charset="-122"/>
+                    <a:ea typeface="微软雅黑" panose="020B0503020204020204" pitchFamily="34" charset="-122"/>
+                  </a:rPr>
+                  <a:t>使用nginx挂上https和反向代理用于访问</a:t>
+                </a:r>
+                <a:endParaRPr sz="900" dirty="0" smtClean="0">
+                  <a:latin typeface="微软雅黑" panose="020B0503020204020204" pitchFamily="34" charset="-122"/>
+                  <a:ea typeface="微软雅黑" panose="020B0503020204020204" pitchFamily="34" charset="-122"/>
+                </a:endParaRPr>
+              </a:p>
+            </p:txBody>
+          </p:sp>
+          <p:grpSp>
+            <p:nvGrpSpPr>
+              <p:cNvPr id="61" name="组合 60"/>
+              <p:cNvGrpSpPr/>
+              <p:nvPr/>
+            </p:nvGrpSpPr>
+            <p:grpSpPr>
+              <a:xfrm>
+                <a:off x="1448670" y="7853394"/>
+                <a:ext cx="1691308" cy="417172"/>
+                <a:chOff x="1404917" y="3745442"/>
+                <a:chExt cx="1691308" cy="417172"/>
+              </a:xfrm>
+            </p:grpSpPr>
+            <p:sp>
+              <p:nvSpPr>
+                <p:cNvPr id="62" name="圆角矩形 61"/>
+                <p:cNvSpPr/>
+                <p:nvPr/>
+              </p:nvSpPr>
+              <p:spPr>
+                <a:xfrm>
+                  <a:off x="2455038" y="4022438"/>
+                  <a:ext cx="641187" cy="140176"/>
+                </a:xfrm>
+                <a:prstGeom prst="roundRect">
+                  <a:avLst>
+                    <a:gd name="adj" fmla="val 50000"/>
+                  </a:avLst>
+                </a:prstGeom>
+                <a:solidFill>
+                  <a:srgbClr val="E9ECFB"/>
+                </a:solidFill>
+                <a:ln>
+                  <a:noFill/>
+                </a:ln>
+              </p:spPr>
+              <p:style>
+                <a:lnRef idx="2">
+                  <a:schemeClr val="accent1">
+                    <a:shade val="50000"/>
+                  </a:schemeClr>
+                </a:lnRef>
+                <a:fillRef idx="1">
+                  <a:schemeClr val="accent1"/>
+                </a:fillRef>
+                <a:effectRef idx="0">
+                  <a:schemeClr val="accent1"/>
+                </a:effectRef>
+                <a:fontRef idx="minor">
+                  <a:schemeClr val="lt1"/>
+                </a:fontRef>
+              </p:style>
+              <p:txBody>
+                <a:bodyPr rtlCol="0" anchor="ctr"/>
+                <a:p>
+                  <a:pPr algn="ctr"/>
+                  <a:r>
+                    <a:rPr lang="zh-CN" altLang="en-US" sz="800" dirty="0">
+                      <a:solidFill>
+                        <a:srgbClr val="6679DF"/>
+                      </a:solidFill>
+                      <a:latin typeface="微软雅黑" panose="020B0503020204020204" pitchFamily="34" charset="-122"/>
+                      <a:ea typeface="微软雅黑" panose="020B0503020204020204" pitchFamily="34" charset="-122"/>
+                    </a:rPr>
+                    <a:t>独立开发</a:t>
+                  </a:r>
+                  <a:endParaRPr lang="zh-CN" altLang="en-US" sz="800" dirty="0">
+                    <a:solidFill>
+                      <a:srgbClr val="6679DF"/>
+                    </a:solidFill>
+                    <a:latin typeface="微软雅黑" panose="020B0503020204020204" pitchFamily="34" charset="-122"/>
+                    <a:ea typeface="微软雅黑" panose="020B0503020204020204" pitchFamily="34" charset="-122"/>
+                  </a:endParaRPr>
+                </a:p>
+              </p:txBody>
+            </p:sp>
+            <p:sp>
+              <p:nvSpPr>
+                <p:cNvPr id="64" name="文本框 63"/>
+                <p:cNvSpPr txBox="1"/>
+                <p:nvPr/>
+              </p:nvSpPr>
+              <p:spPr>
+                <a:xfrm>
+                  <a:off x="1404917" y="3745442"/>
+                  <a:ext cx="184731" cy="215444"/>
+                </a:xfrm>
+                <a:prstGeom prst="rect">
+                  <a:avLst/>
+                </a:prstGeom>
+                <a:noFill/>
+              </p:spPr>
+              <p:txBody>
+                <a:bodyPr wrap="none" rtlCol="0">
+                  <a:spAutoFit/>
+                </a:bodyPr>
+                <a:p>
+                  <a:endParaRPr lang="zh-CN" altLang="en-US" sz="800" dirty="0">
+                    <a:solidFill>
+                      <a:srgbClr val="6679DF"/>
+                    </a:solidFill>
+                    <a:latin typeface="微软雅黑" panose="020B0503020204020204" pitchFamily="34" charset="-122"/>
+                    <a:ea typeface="微软雅黑" panose="020B0503020204020204" pitchFamily="34" charset="-122"/>
+                  </a:endParaRPr>
+                </a:p>
+              </p:txBody>
+            </p:sp>
+          </p:grpSp>
+          <p:sp>
+            <p:nvSpPr>
+              <p:cNvPr id="65" name="矩形 64"/>
+              <p:cNvSpPr/>
+              <p:nvPr/>
+            </p:nvSpPr>
+            <p:spPr>
+              <a:xfrm>
+                <a:off x="1429906" y="8347411"/>
+                <a:ext cx="766999" cy="203195"/>
+              </a:xfrm>
+              <a:prstGeom prst="rect">
+                <a:avLst/>
+              </a:prstGeom>
+              <a:solidFill>
+                <a:srgbClr val="6679DF"/>
+              </a:solidFill>
+              <a:ln w="6350">
+                <a:noFill/>
+              </a:ln>
+            </p:spPr>
+            <p:style>
+              <a:lnRef idx="2">
+                <a:schemeClr val="accent1">
+                  <a:shade val="50000"/>
+                </a:schemeClr>
+              </a:lnRef>
+              <a:fillRef idx="1">
+                <a:schemeClr val="accent1"/>
+              </a:fillRef>
+              <a:effectRef idx="0">
+                <a:schemeClr val="accent1"/>
+              </a:effectRef>
+              <a:fontRef idx="minor">
+                <a:schemeClr val="lt1"/>
+              </a:fontRef>
+            </p:style>
+            <p:txBody>
+              <a:bodyPr rtlCol="0" anchor="ctr"/>
+              <a:p>
+                <a:pPr lvl="0" algn="ctr"/>
+                <a:r>
+                  <a:rPr lang="en-US" altLang="zh-CN" sz="900" dirty="0" smtClean="0">
+                    <a:solidFill>
+                      <a:prstClr val="white"/>
+                    </a:solidFill>
+                    <a:latin typeface="微软雅黑" panose="020B0503020204020204" pitchFamily="34" charset="-122"/>
+                    <a:ea typeface="微软雅黑" panose="020B0503020204020204" pitchFamily="34" charset="-122"/>
+                  </a:rPr>
+                  <a:t>wechart</a:t>
+                </a:r>
+                <a:endParaRPr lang="en-US" altLang="zh-CN" dirty="0">
+                  <a:solidFill>
+                    <a:prstClr val="black"/>
+                  </a:solidFill>
+                </a:endParaRPr>
+              </a:p>
+            </p:txBody>
+          </p:sp>
+          <p:sp>
+            <p:nvSpPr>
+              <p:cNvPr id="66" name="矩形 65"/>
+              <p:cNvSpPr/>
+              <p:nvPr/>
+            </p:nvSpPr>
+            <p:spPr>
+              <a:xfrm>
+                <a:off x="2297856" y="8347411"/>
+                <a:ext cx="547947" cy="203195"/>
+              </a:xfrm>
+              <a:prstGeom prst="rect">
+                <a:avLst/>
+              </a:prstGeom>
+              <a:solidFill>
+                <a:srgbClr val="6679DF"/>
+              </a:solidFill>
+              <a:ln w="6350">
+                <a:noFill/>
+              </a:ln>
+            </p:spPr>
+            <p:style>
+              <a:lnRef idx="2">
+                <a:schemeClr val="accent1">
+                  <a:shade val="50000"/>
+                </a:schemeClr>
+              </a:lnRef>
+              <a:fillRef idx="1">
+                <a:schemeClr val="accent1"/>
+              </a:fillRef>
+              <a:effectRef idx="0">
+                <a:schemeClr val="accent1"/>
+              </a:effectRef>
+              <a:fontRef idx="minor">
+                <a:schemeClr val="lt1"/>
+              </a:fontRef>
+            </p:style>
+            <p:txBody>
+              <a:bodyPr rtlCol="0" anchor="ctr"/>
+              <a:p>
+                <a:pPr lvl="0" algn="ctr"/>
+                <a:r>
+                  <a:rPr lang="en-US" altLang="zh-CN" sz="900" dirty="0" err="1" smtClean="0">
+                    <a:solidFill>
+                      <a:prstClr val="white"/>
+                    </a:solidFill>
+                    <a:latin typeface="微软雅黑" panose="020B0503020204020204" pitchFamily="34" charset="-122"/>
+                    <a:ea typeface="微软雅黑" panose="020B0503020204020204" pitchFamily="34" charset="-122"/>
+                  </a:rPr>
+                  <a:t>node</a:t>
+                </a:r>
+                <a:endParaRPr lang="en-US" altLang="zh-CN" sz="900" dirty="0" err="1" smtClean="0">
+                  <a:solidFill>
+                    <a:prstClr val="white"/>
+                  </a:solidFill>
+                  <a:latin typeface="微软雅黑" panose="020B0503020204020204" pitchFamily="34" charset="-122"/>
+                  <a:ea typeface="微软雅黑" panose="020B0503020204020204" pitchFamily="34" charset="-122"/>
+                </a:endParaRPr>
+              </a:p>
+            </p:txBody>
+          </p:sp>
+        </p:grpSp>
+        <p:sp>
+          <p:nvSpPr>
+            <p:cNvPr id="67" name="椭圆 66"/>
+            <p:cNvSpPr/>
+            <p:nvPr/>
+          </p:nvSpPr>
+          <p:spPr>
+            <a:xfrm flipH="1">
+              <a:off x="476" y="9470"/>
+              <a:ext cx="133" cy="133"/>
+            </a:xfrm>
+            <a:prstGeom prst="ellipse">
+              <a:avLst/>
+            </a:prstGeom>
+            <a:solidFill>
+              <a:schemeClr val="tx1"/>
+            </a:solidFill>
+            <a:ln w="15875">
+              <a:solidFill>
+                <a:schemeClr val="bg1"/>
+              </a:solidFill>
+            </a:ln>
+          </p:spPr>
+          <p:style>
+            <a:lnRef idx="2">
+              <a:schemeClr val="accent1">
+                <a:shade val="50000"/>
+              </a:schemeClr>
+            </a:lnRef>
+            <a:fillRef idx="1">
+              <a:schemeClr val="accent1"/>
+            </a:fillRef>
+            <a:effectRef idx="0">
+              <a:schemeClr val="accent1"/>
+            </a:effectRef>
+            <a:fontRef idx="minor">
+              <a:schemeClr val="lt1"/>
+            </a:fontRef>
+          </p:style>
+          <p:txBody>
+            <a:bodyPr rtlCol="0" anchor="ctr"/>
+            <a:p>
+              <a:pPr algn="ctr"/>
+              <a:endParaRPr lang="zh-CN" altLang="en-US"/>
+            </a:p>
+          </p:txBody>
+        </p:sp>
+      </p:grpSp>
+      <p:sp>
+        <p:nvSpPr>
+          <p:cNvPr id="69" name="矩形 68"/>
+          <p:cNvSpPr/>
+          <p:nvPr/>
+        </p:nvSpPr>
+        <p:spPr>
+          <a:xfrm>
+            <a:off x="2882903" y="8154665"/>
+            <a:ext cx="548005" cy="203198"/>
+          </a:xfrm>
+          <a:prstGeom prst="rect">
+            <a:avLst/>
+          </a:prstGeom>
+          <a:solidFill>
+            <a:srgbClr val="6679DF"/>
+          </a:solidFill>
+          <a:ln w="6350">
+            <a:noFill/>
+          </a:ln>
+        </p:spPr>
+        <p:style>
+          <a:lnRef idx="2">
+            <a:schemeClr val="accent1">
+              <a:shade val="50000"/>
+            </a:schemeClr>
+          </a:lnRef>
+          <a:fillRef idx="1">
+            <a:schemeClr val="accent1"/>
+          </a:fillRef>
+          <a:effectRef idx="0">
+            <a:schemeClr val="accent1"/>
+          </a:effectRef>
+          <a:fontRef idx="minor">
+            <a:schemeClr val="lt1"/>
+          </a:fontRef>
+        </p:style>
+        <p:txBody>
+          <a:bodyPr rtlCol="0" anchor="ctr"/>
+          <a:p>
+            <a:pPr lvl="0" algn="ctr"/>
+            <a:r>
+              <a:rPr lang="en-US" altLang="zh-CN" sz="900" dirty="0" err="1" smtClean="0">
+                <a:solidFill>
+                  <a:prstClr val="white"/>
+                </a:solidFill>
+                <a:latin typeface="微软雅黑" panose="020B0503020204020204" pitchFamily="34" charset="-122"/>
+                <a:ea typeface="微软雅黑" panose="020B0503020204020204" pitchFamily="34" charset="-122"/>
+              </a:rPr>
+              <a:t>nginx</a:t>
+            </a:r>
+            <a:endParaRPr lang="en-US" altLang="zh-CN" sz="900" dirty="0" err="1" smtClean="0">
+              <a:solidFill>
+                <a:prstClr val="white"/>
+              </a:solidFill>
+              <a:latin typeface="微软雅黑" panose="020B0503020204020204" pitchFamily="34" charset="-122"/>
+              <a:ea typeface="微软雅黑" panose="020B0503020204020204" pitchFamily="34" charset="-122"/>
+            </a:endParaRPr>
+          </a:p>
+        </p:txBody>
+      </p:sp>
     </p:spTree>
   </p:cSld>
   <p:clrMapOvr>
@@ -8686,8 +9247,6 @@
       </a:bgFillStyleLst>
     </a:fmtScheme>
   </a:themeElements>
-  <a:objectDefaults/>
-  <a:extraClrSchemeLst/>
   <a:extLst>
     <a:ext uri="{05A4C25C-085E-4340-85A3-A5531E510DB2}">
       <thm15:themeFamily xmlns:thm15="http://schemas.microsoft.com/office/thememl/2012/main" name="Office Theme" id="{62F939B6-93AF-4DB8-9C6B-D6C7DFDC589F}" vid="{4A3C46E8-61CC-4603-A589-7422A47A8E4A}"/>
@@ -8947,8 +9506,6 @@
       </a:bgFillStyleLst>
     </a:fmtScheme>
   </a:themeElements>
-  <a:objectDefaults/>
-  <a:extraClrSchemeLst/>
   <a:extLst>
     <a:ext uri="{05A4C25C-085E-4340-85A3-A5531E510DB2}">
       <thm15:themeFamily xmlns:thm15="http://schemas.microsoft.com/office/thememl/2012/main" name="Office Theme" id="{62F939B6-93AF-4DB8-9C6B-D6C7DFDC589F}" vid="{4A3C46E8-61CC-4603-A589-7422A47A8E4A}"/>
